--- a/Report/Tourism Recommendation Application.pptx
+++ b/Report/Tourism Recommendation Application.pptx
@@ -4117,6 +4117,49 @@
           <a:prstGeom prst="rect">
             <a:avLst/>
           </a:prstGeom>
+        </p:spPr>
+      </p:pic>
+      <p:pic>
+        <p:nvPicPr>
+          <p:cNvPr id="5" name="Picture 4">
+            <a:extLst>
+              <a:ext uri="{FF2B5EF4-FFF2-40B4-BE49-F238E27FC236}">
+                <a16:creationId xmlns:a16="http://schemas.microsoft.com/office/drawing/2014/main" id="{7F23B6E4-7E96-A7E0-4A1C-5AB8F0B45F24}"/>
+              </a:ext>
+            </a:extLst>
+          </p:cNvPr>
+          <p:cNvPicPr>
+            <a:picLocks noChangeAspect="1"/>
+          </p:cNvPicPr>
+          <p:nvPr/>
+        </p:nvPicPr>
+        <p:blipFill>
+          <a:blip r:embed="rId3" cstate="print">
+            <a:extLst>
+              <a:ext uri="{28A0092B-C50C-407E-A947-70E740481C1C}">
+                <a14:useLocalDpi xmlns:a14="http://schemas.microsoft.com/office/drawing/2010/main" val="0"/>
+              </a:ext>
+            </a:extLst>
+          </a:blip>
+          <a:srcRect/>
+          <a:stretch>
+            <a:fillRect/>
+          </a:stretch>
+        </p:blipFill>
+        <p:spPr bwMode="auto">
+          <a:xfrm>
+            <a:off x="8586331" y="1195636"/>
+            <a:ext cx="1809750" cy="4021455"/>
+          </a:xfrm>
+          <a:prstGeom prst="rect">
+            <a:avLst/>
+          </a:prstGeom>
+          <a:noFill/>
+          <a:ln>
+            <a:solidFill>
+              <a:schemeClr val="tx1"/>
+            </a:solidFill>
+          </a:ln>
         </p:spPr>
       </p:pic>
     </p:spTree>

--- a/Report/Tourism Recommendation Application.pptx
+++ b/Report/Tourism Recommendation Application.pptx
@@ -2,7 +2,7 @@
 <file path=ppt/presentation.xml><?xml version="1.0" encoding="utf-8"?>
 <p:presentation xmlns:a="http://schemas.openxmlformats.org/drawingml/2006/main" xmlns:r="http://schemas.openxmlformats.org/officeDocument/2006/relationships" xmlns:p="http://schemas.openxmlformats.org/presentationml/2006/main" saveSubsetFonts="1">
   <p:sldMasterIdLst>
-    <p:sldMasterId id="2147483648" r:id="rId1"/>
+    <p:sldMasterId id="2147483696" r:id="rId1"/>
   </p:sldMasterIdLst>
   <p:sldIdLst>
     <p:sldId id="256" r:id="rId2"/>
@@ -19,6 +19,7 @@
     <p:sldId id="267" r:id="rId13"/>
     <p:sldId id="268" r:id="rId14"/>
     <p:sldId id="269" r:id="rId15"/>
+    <p:sldId id="270" r:id="rId16"/>
   </p:sldIdLst>
   <p:sldSz cx="12192000" cy="6858000"/>
   <p:notesSz cx="6858000" cy="9144000"/>
@@ -26,7 +27,7 @@
     <a:defPPr>
       <a:defRPr lang="en-US"/>
     </a:defPPr>
-    <a:lvl1pPr marL="0" algn="l" defTabSz="914400" rtl="0" eaLnBrk="1" latinLnBrk="0" hangingPunct="1">
+    <a:lvl1pPr marL="0" algn="l" defTabSz="457200" rtl="0" eaLnBrk="1" latinLnBrk="0" hangingPunct="1">
       <a:defRPr sz="1800" kern="1200">
         <a:solidFill>
           <a:schemeClr val="tx1"/>
@@ -36,7 +37,7 @@
         <a:cs typeface="+mn-cs"/>
       </a:defRPr>
     </a:lvl1pPr>
-    <a:lvl2pPr marL="457200" algn="l" defTabSz="914400" rtl="0" eaLnBrk="1" latinLnBrk="0" hangingPunct="1">
+    <a:lvl2pPr marL="457200" algn="l" defTabSz="457200" rtl="0" eaLnBrk="1" latinLnBrk="0" hangingPunct="1">
       <a:defRPr sz="1800" kern="1200">
         <a:solidFill>
           <a:schemeClr val="tx1"/>
@@ -46,7 +47,7 @@
         <a:cs typeface="+mn-cs"/>
       </a:defRPr>
     </a:lvl2pPr>
-    <a:lvl3pPr marL="914400" algn="l" defTabSz="914400" rtl="0" eaLnBrk="1" latinLnBrk="0" hangingPunct="1">
+    <a:lvl3pPr marL="914400" algn="l" defTabSz="457200" rtl="0" eaLnBrk="1" latinLnBrk="0" hangingPunct="1">
       <a:defRPr sz="1800" kern="1200">
         <a:solidFill>
           <a:schemeClr val="tx1"/>
@@ -56,7 +57,7 @@
         <a:cs typeface="+mn-cs"/>
       </a:defRPr>
     </a:lvl3pPr>
-    <a:lvl4pPr marL="1371600" algn="l" defTabSz="914400" rtl="0" eaLnBrk="1" latinLnBrk="0" hangingPunct="1">
+    <a:lvl4pPr marL="1371600" algn="l" defTabSz="457200" rtl="0" eaLnBrk="1" latinLnBrk="0" hangingPunct="1">
       <a:defRPr sz="1800" kern="1200">
         <a:solidFill>
           <a:schemeClr val="tx1"/>
@@ -66,7 +67,7 @@
         <a:cs typeface="+mn-cs"/>
       </a:defRPr>
     </a:lvl4pPr>
-    <a:lvl5pPr marL="1828800" algn="l" defTabSz="914400" rtl="0" eaLnBrk="1" latinLnBrk="0" hangingPunct="1">
+    <a:lvl5pPr marL="1828800" algn="l" defTabSz="457200" rtl="0" eaLnBrk="1" latinLnBrk="0" hangingPunct="1">
       <a:defRPr sz="1800" kern="1200">
         <a:solidFill>
           <a:schemeClr val="tx1"/>
@@ -76,7 +77,7 @@
         <a:cs typeface="+mn-cs"/>
       </a:defRPr>
     </a:lvl5pPr>
-    <a:lvl6pPr marL="2286000" algn="l" defTabSz="914400" rtl="0" eaLnBrk="1" latinLnBrk="0" hangingPunct="1">
+    <a:lvl6pPr marL="2286000" algn="l" defTabSz="457200" rtl="0" eaLnBrk="1" latinLnBrk="0" hangingPunct="1">
       <a:defRPr sz="1800" kern="1200">
         <a:solidFill>
           <a:schemeClr val="tx1"/>
@@ -86,7 +87,7 @@
         <a:cs typeface="+mn-cs"/>
       </a:defRPr>
     </a:lvl6pPr>
-    <a:lvl7pPr marL="2743200" algn="l" defTabSz="914400" rtl="0" eaLnBrk="1" latinLnBrk="0" hangingPunct="1">
+    <a:lvl7pPr marL="2743200" algn="l" defTabSz="457200" rtl="0" eaLnBrk="1" latinLnBrk="0" hangingPunct="1">
       <a:defRPr sz="1800" kern="1200">
         <a:solidFill>
           <a:schemeClr val="tx1"/>
@@ -96,7 +97,7 @@
         <a:cs typeface="+mn-cs"/>
       </a:defRPr>
     </a:lvl7pPr>
-    <a:lvl8pPr marL="3200400" algn="l" defTabSz="914400" rtl="0" eaLnBrk="1" latinLnBrk="0" hangingPunct="1">
+    <a:lvl8pPr marL="3200400" algn="l" defTabSz="457200" rtl="0" eaLnBrk="1" latinLnBrk="0" hangingPunct="1">
       <a:defRPr sz="1800" kern="1200">
         <a:solidFill>
           <a:schemeClr val="tx1"/>
@@ -106,7 +107,7 @@
         <a:cs typeface="+mn-cs"/>
       </a:defRPr>
     </a:lvl8pPr>
-    <a:lvl9pPr marL="3657600" algn="l" defTabSz="914400" rtl="0" eaLnBrk="1" latinLnBrk="0" hangingPunct="1">
+    <a:lvl9pPr marL="3657600" algn="l" defTabSz="457200" rtl="0" eaLnBrk="1" latinLnBrk="0" hangingPunct="1">
       <a:defRPr sz="1800" kern="1200">
         <a:solidFill>
           <a:schemeClr val="tx1"/>
@@ -139,13 +140,7 @@
       </p:grpSpPr>
       <p:sp>
         <p:nvSpPr>
-          <p:cNvPr id="2" name="Title 1">
-            <a:extLst>
-              <a:ext uri="{FF2B5EF4-FFF2-40B4-BE49-F238E27FC236}">
-                <a16:creationId xmlns:a16="http://schemas.microsoft.com/office/drawing/2014/main" id="{4BBAA5AB-2819-B160-AE4A-743B81AECD05}"/>
-              </a:ext>
-            </a:extLst>
-          </p:cNvPr>
+          <p:cNvPr id="2" name="Title 1"/>
           <p:cNvSpPr>
             <a:spLocks noGrp="1"/>
           </p:cNvSpPr>
@@ -155,15 +150,17 @@
         </p:nvSpPr>
         <p:spPr>
           <a:xfrm>
-            <a:off x="1524000" y="1122363"/>
-            <a:ext cx="9144000" cy="2387600"/>
+            <a:off x="1595269" y="1122363"/>
+            <a:ext cx="9001462" cy="2387600"/>
           </a:xfrm>
         </p:spPr>
         <p:txBody>
-          <a:bodyPr anchor="b"/>
+          <a:bodyPr anchor="b">
+            <a:normAutofit/>
+          </a:bodyPr>
           <a:lstStyle>
             <a:lvl1pPr algn="ctr">
-              <a:defRPr sz="6000"/>
+              <a:defRPr sz="4800"/>
             </a:lvl1pPr>
           </a:lstStyle>
           <a:p>
@@ -171,19 +168,13 @@
               <a:rPr lang="en-US"/>
               <a:t>Click to edit Master title style</a:t>
             </a:r>
-            <a:endParaRPr lang="en-IN"/>
-          </a:p>
-        </p:txBody>
-      </p:sp>
-      <p:sp>
-        <p:nvSpPr>
-          <p:cNvPr id="3" name="Subtitle 2">
-            <a:extLst>
-              <a:ext uri="{FF2B5EF4-FFF2-40B4-BE49-F238E27FC236}">
-                <a16:creationId xmlns:a16="http://schemas.microsoft.com/office/drawing/2014/main" id="{152A3FF2-CA40-3F95-EBAA-5EEA36550C01}"/>
-              </a:ext>
-            </a:extLst>
-          </p:cNvPr>
+            <a:endParaRPr lang="en-US" dirty="0"/>
+          </a:p>
+        </p:txBody>
+      </p:sp>
+      <p:sp>
+        <p:nvSpPr>
+          <p:cNvPr id="3" name="Subtitle 2"/>
           <p:cNvSpPr>
             <a:spLocks noGrp="1"/>
           </p:cNvSpPr>
@@ -193,8 +184,8 @@
         </p:nvSpPr>
         <p:spPr>
           <a:xfrm>
-            <a:off x="1524000" y="3602038"/>
-            <a:ext cx="9144000" cy="1655762"/>
+            <a:off x="1595269" y="3602038"/>
+            <a:ext cx="9001462" cy="1655762"/>
           </a:xfrm>
         </p:spPr>
         <p:txBody>
@@ -242,19 +233,13 @@
               <a:rPr lang="en-US"/>
               <a:t>Click to edit Master subtitle style</a:t>
             </a:r>
-            <a:endParaRPr lang="en-IN"/>
-          </a:p>
-        </p:txBody>
-      </p:sp>
-      <p:sp>
-        <p:nvSpPr>
-          <p:cNvPr id="4" name="Date Placeholder 3">
-            <a:extLst>
-              <a:ext uri="{FF2B5EF4-FFF2-40B4-BE49-F238E27FC236}">
-                <a16:creationId xmlns:a16="http://schemas.microsoft.com/office/drawing/2014/main" id="{E6E8E29C-E4DE-3F8F-E1D7-D0E73355DA0E}"/>
-              </a:ext>
-            </a:extLst>
-          </p:cNvPr>
+            <a:endParaRPr lang="en-US" dirty="0"/>
+          </a:p>
+        </p:txBody>
+      </p:sp>
+      <p:sp>
+        <p:nvSpPr>
+          <p:cNvPr id="4" name="Date Placeholder 3"/>
           <p:cNvSpPr>
             <a:spLocks noGrp="1"/>
           </p:cNvSpPr>
@@ -277,13 +262,7 @@
       </p:sp>
       <p:sp>
         <p:nvSpPr>
-          <p:cNvPr id="5" name="Footer Placeholder 4">
-            <a:extLst>
-              <a:ext uri="{FF2B5EF4-FFF2-40B4-BE49-F238E27FC236}">
-                <a16:creationId xmlns:a16="http://schemas.microsoft.com/office/drawing/2014/main" id="{6F02DBF6-F9E3-C4E8-ADBA-CF2B2262FFA2}"/>
-              </a:ext>
-            </a:extLst>
-          </p:cNvPr>
+          <p:cNvPr id="5" name="Footer Placeholder 4"/>
           <p:cNvSpPr>
             <a:spLocks noGrp="1"/>
           </p:cNvSpPr>
@@ -302,13 +281,7 @@
       </p:sp>
       <p:sp>
         <p:nvSpPr>
-          <p:cNvPr id="6" name="Slide Number Placeholder 5">
-            <a:extLst>
-              <a:ext uri="{FF2B5EF4-FFF2-40B4-BE49-F238E27FC236}">
-                <a16:creationId xmlns:a16="http://schemas.microsoft.com/office/drawing/2014/main" id="{7CE42DA8-F374-DA9D-EA31-9FCCA41F99CC}"/>
-              </a:ext>
-            </a:extLst>
-          </p:cNvPr>
+          <p:cNvPr id="6" name="Slide Number Placeholder 5"/>
           <p:cNvSpPr>
             <a:spLocks noGrp="1"/>
           </p:cNvSpPr>
@@ -332,7 +305,7 @@
     </p:spTree>
     <p:extLst>
       <p:ext uri="{BB962C8B-B14F-4D97-AF65-F5344CB8AC3E}">
-        <p14:creationId xmlns:p14="http://schemas.microsoft.com/office/powerpoint/2010/main" val="729221800"/>
+        <p14:creationId xmlns:p14="http://schemas.microsoft.com/office/powerpoint/2010/main" val="1567946172"/>
       </p:ext>
     </p:extLst>
   </p:cSld>
@@ -343,6 +316,2556 @@
 </file>
 
 <file path=ppt/slideLayouts/slideLayout10.xml><?xml version="1.0" encoding="utf-8"?>
+<p:sldLayout xmlns:a="http://schemas.openxmlformats.org/drawingml/2006/main" xmlns:r="http://schemas.openxmlformats.org/officeDocument/2006/relationships" xmlns:p="http://schemas.openxmlformats.org/presentationml/2006/main" preserve="1">
+  <p:cSld name="Panoramic Picture with Caption">
+    <p:spTree>
+      <p:nvGrpSpPr>
+        <p:cNvPr id="1" name=""/>
+        <p:cNvGrpSpPr/>
+        <p:nvPr/>
+      </p:nvGrpSpPr>
+      <p:grpSpPr>
+        <a:xfrm>
+          <a:off x="0" y="0"/>
+          <a:ext cx="0" cy="0"/>
+          <a:chOff x="0" y="0"/>
+          <a:chExt cx="0" cy="0"/>
+        </a:xfrm>
+      </p:grpSpPr>
+      <p:sp>
+        <p:nvSpPr>
+          <p:cNvPr id="2" name="Title 1"/>
+          <p:cNvSpPr>
+            <a:spLocks noGrp="1"/>
+          </p:cNvSpPr>
+          <p:nvPr>
+            <p:ph type="title"/>
+          </p:nvPr>
+        </p:nvSpPr>
+        <p:spPr>
+          <a:xfrm>
+            <a:off x="913806" y="4289372"/>
+            <a:ext cx="10367564" cy="819355"/>
+          </a:xfrm>
+        </p:spPr>
+        <p:txBody>
+          <a:bodyPr anchor="b">
+            <a:normAutofit/>
+          </a:bodyPr>
+          <a:lstStyle>
+            <a:lvl1pPr>
+              <a:defRPr sz="2800"/>
+            </a:lvl1pPr>
+          </a:lstStyle>
+          <a:p>
+            <a:r>
+              <a:rPr lang="en-US"/>
+              <a:t>Click to edit Master title style</a:t>
+            </a:r>
+            <a:endParaRPr lang="en-US" dirty="0"/>
+          </a:p>
+        </p:txBody>
+      </p:sp>
+      <p:sp>
+        <p:nvSpPr>
+          <p:cNvPr id="3" name="Picture Placeholder 2"/>
+          <p:cNvSpPr>
+            <a:spLocks noGrp="1" noChangeAspect="1"/>
+          </p:cNvSpPr>
+          <p:nvPr>
+            <p:ph type="pic" idx="1"/>
+          </p:nvPr>
+        </p:nvSpPr>
+        <p:spPr>
+          <a:xfrm>
+            <a:off x="913806" y="621321"/>
+            <a:ext cx="10367564" cy="3379735"/>
+          </a:xfrm>
+          <a:noFill/>
+          <a:ln w="190500" cap="sq">
+            <a:solidFill>
+              <a:srgbClr val="FFFFFF"/>
+            </a:solidFill>
+            <a:miter lim="800000"/>
+          </a:ln>
+          <a:effectLst>
+            <a:outerShdw blurRad="55000" dist="18000" dir="5400000" algn="tl" rotWithShape="0">
+              <a:srgbClr val="000000">
+                <a:alpha val="40000"/>
+              </a:srgbClr>
+            </a:outerShdw>
+          </a:effectLst>
+          <a:scene3d>
+            <a:camera prst="orthographicFront"/>
+            <a:lightRig rig="twoPt" dir="t">
+              <a:rot lat="0" lon="0" rev="7200000"/>
+            </a:lightRig>
+          </a:scene3d>
+          <a:sp3d>
+            <a:bevelT w="25400" h="19050"/>
+            <a:contourClr>
+              <a:srgbClr val="FFFFFF"/>
+            </a:contourClr>
+          </a:sp3d>
+        </p:spPr>
+        <p:txBody>
+          <a:bodyPr anchor="t"/>
+          <a:lstStyle>
+            <a:lvl1pPr marL="0" indent="0" algn="ctr">
+              <a:buNone/>
+              <a:defRPr sz="3200"/>
+            </a:lvl1pPr>
+            <a:lvl2pPr marL="457200" indent="0">
+              <a:buNone/>
+              <a:defRPr sz="2800"/>
+            </a:lvl2pPr>
+            <a:lvl3pPr marL="914400" indent="0">
+              <a:buNone/>
+              <a:defRPr sz="2400"/>
+            </a:lvl3pPr>
+            <a:lvl4pPr marL="1371600" indent="0">
+              <a:buNone/>
+              <a:defRPr sz="2000"/>
+            </a:lvl4pPr>
+            <a:lvl5pPr marL="1828800" indent="0">
+              <a:buNone/>
+              <a:defRPr sz="2000"/>
+            </a:lvl5pPr>
+            <a:lvl6pPr marL="2286000" indent="0">
+              <a:buNone/>
+              <a:defRPr sz="2000"/>
+            </a:lvl6pPr>
+            <a:lvl7pPr marL="2743200" indent="0">
+              <a:buNone/>
+              <a:defRPr sz="2000"/>
+            </a:lvl7pPr>
+            <a:lvl8pPr marL="3200400" indent="0">
+              <a:buNone/>
+              <a:defRPr sz="2000"/>
+            </a:lvl8pPr>
+            <a:lvl9pPr marL="3657600" indent="0">
+              <a:buNone/>
+              <a:defRPr sz="2000"/>
+            </a:lvl9pPr>
+          </a:lstStyle>
+          <a:p>
+            <a:r>
+              <a:rPr lang="en-US"/>
+              <a:t>Click icon to add picture</a:t>
+            </a:r>
+            <a:endParaRPr lang="en-US" dirty="0"/>
+          </a:p>
+        </p:txBody>
+      </p:sp>
+      <p:sp>
+        <p:nvSpPr>
+          <p:cNvPr id="4" name="Text Placeholder 3"/>
+          <p:cNvSpPr>
+            <a:spLocks noGrp="1"/>
+          </p:cNvSpPr>
+          <p:nvPr>
+            <p:ph type="body" sz="half" idx="2"/>
+          </p:nvPr>
+        </p:nvSpPr>
+        <p:spPr>
+          <a:xfrm>
+            <a:off x="913795" y="5108728"/>
+            <a:ext cx="10365998" cy="682472"/>
+          </a:xfrm>
+        </p:spPr>
+        <p:txBody>
+          <a:bodyPr>
+            <a:normAutofit/>
+          </a:bodyPr>
+          <a:lstStyle>
+            <a:lvl1pPr marL="0" indent="0" algn="ctr">
+              <a:buNone/>
+              <a:defRPr sz="1800"/>
+            </a:lvl1pPr>
+            <a:lvl2pPr marL="457200" indent="0">
+              <a:buNone/>
+              <a:defRPr sz="1400"/>
+            </a:lvl2pPr>
+            <a:lvl3pPr marL="914400" indent="0">
+              <a:buNone/>
+              <a:defRPr sz="1200"/>
+            </a:lvl3pPr>
+            <a:lvl4pPr marL="1371600" indent="0">
+              <a:buNone/>
+              <a:defRPr sz="1000"/>
+            </a:lvl4pPr>
+            <a:lvl5pPr marL="1828800" indent="0">
+              <a:buNone/>
+              <a:defRPr sz="1000"/>
+            </a:lvl5pPr>
+            <a:lvl6pPr marL="2286000" indent="0">
+              <a:buNone/>
+              <a:defRPr sz="1000"/>
+            </a:lvl6pPr>
+            <a:lvl7pPr marL="2743200" indent="0">
+              <a:buNone/>
+              <a:defRPr sz="1000"/>
+            </a:lvl7pPr>
+            <a:lvl8pPr marL="3200400" indent="0">
+              <a:buNone/>
+              <a:defRPr sz="1000"/>
+            </a:lvl8pPr>
+            <a:lvl9pPr marL="3657600" indent="0">
+              <a:buNone/>
+              <a:defRPr sz="1000"/>
+            </a:lvl9pPr>
+          </a:lstStyle>
+          <a:p>
+            <a:pPr lvl="0"/>
+            <a:r>
+              <a:rPr lang="en-US"/>
+              <a:t>Click to edit Master text styles</a:t>
+            </a:r>
+          </a:p>
+        </p:txBody>
+      </p:sp>
+      <p:sp>
+        <p:nvSpPr>
+          <p:cNvPr id="5" name="Date Placeholder 4"/>
+          <p:cNvSpPr>
+            <a:spLocks noGrp="1"/>
+          </p:cNvSpPr>
+          <p:nvPr>
+            <p:ph type="dt" sz="half" idx="10"/>
+          </p:nvPr>
+        </p:nvSpPr>
+        <p:spPr/>
+        <p:txBody>
+          <a:bodyPr/>
+          <a:lstStyle/>
+          <a:p>
+            <a:fld id="{8D056BF7-8D9A-4249-B59E-E8623AEC289B}" type="datetimeFigureOut">
+              <a:rPr lang="en-IN" smtClean="0"/>
+              <a:t>23-05-2024</a:t>
+            </a:fld>
+            <a:endParaRPr lang="en-IN"/>
+          </a:p>
+        </p:txBody>
+      </p:sp>
+      <p:sp>
+        <p:nvSpPr>
+          <p:cNvPr id="6" name="Footer Placeholder 5"/>
+          <p:cNvSpPr>
+            <a:spLocks noGrp="1"/>
+          </p:cNvSpPr>
+          <p:nvPr>
+            <p:ph type="ftr" sz="quarter" idx="11"/>
+          </p:nvPr>
+        </p:nvSpPr>
+        <p:spPr/>
+        <p:txBody>
+          <a:bodyPr/>
+          <a:lstStyle/>
+          <a:p>
+            <a:endParaRPr lang="en-IN"/>
+          </a:p>
+        </p:txBody>
+      </p:sp>
+      <p:sp>
+        <p:nvSpPr>
+          <p:cNvPr id="7" name="Slide Number Placeholder 6"/>
+          <p:cNvSpPr>
+            <a:spLocks noGrp="1"/>
+          </p:cNvSpPr>
+          <p:nvPr>
+            <p:ph type="sldNum" sz="quarter" idx="12"/>
+          </p:nvPr>
+        </p:nvSpPr>
+        <p:spPr/>
+        <p:txBody>
+          <a:bodyPr/>
+          <a:lstStyle/>
+          <a:p>
+            <a:fld id="{AEA11CB6-5222-4317-B18B-6400322DD842}" type="slidenum">
+              <a:rPr lang="en-IN" smtClean="0"/>
+              <a:t>‹#›</a:t>
+            </a:fld>
+            <a:endParaRPr lang="en-IN"/>
+          </a:p>
+        </p:txBody>
+      </p:sp>
+    </p:spTree>
+    <p:extLst>
+      <p:ext uri="{BB962C8B-B14F-4D97-AF65-F5344CB8AC3E}">
+        <p14:creationId xmlns:p14="http://schemas.microsoft.com/office/powerpoint/2010/main" val="929911496"/>
+      </p:ext>
+    </p:extLst>
+  </p:cSld>
+  <p:clrMapOvr>
+    <a:masterClrMapping/>
+  </p:clrMapOvr>
+</p:sldLayout>
+</file>
+
+<file path=ppt/slideLayouts/slideLayout11.xml><?xml version="1.0" encoding="utf-8"?>
+<p:sldLayout xmlns:a="http://schemas.openxmlformats.org/drawingml/2006/main" xmlns:r="http://schemas.openxmlformats.org/officeDocument/2006/relationships" xmlns:p="http://schemas.openxmlformats.org/presentationml/2006/main" preserve="1">
+  <p:cSld name="Title and Caption">
+    <p:spTree>
+      <p:nvGrpSpPr>
+        <p:cNvPr id="1" name=""/>
+        <p:cNvGrpSpPr/>
+        <p:nvPr/>
+      </p:nvGrpSpPr>
+      <p:grpSpPr>
+        <a:xfrm>
+          <a:off x="0" y="0"/>
+          <a:ext cx="0" cy="0"/>
+          <a:chOff x="0" y="0"/>
+          <a:chExt cx="0" cy="0"/>
+        </a:xfrm>
+      </p:grpSpPr>
+      <p:sp>
+        <p:nvSpPr>
+          <p:cNvPr id="2" name="Title 1"/>
+          <p:cNvSpPr>
+            <a:spLocks noGrp="1"/>
+          </p:cNvSpPr>
+          <p:nvPr>
+            <p:ph type="title"/>
+          </p:nvPr>
+        </p:nvSpPr>
+        <p:spPr>
+          <a:xfrm>
+            <a:off x="913795" y="609600"/>
+            <a:ext cx="10353762" cy="3424859"/>
+          </a:xfrm>
+        </p:spPr>
+        <p:txBody>
+          <a:bodyPr anchor="ctr"/>
+          <a:lstStyle>
+            <a:lvl1pPr>
+              <a:defRPr sz="3200"/>
+            </a:lvl1pPr>
+          </a:lstStyle>
+          <a:p>
+            <a:r>
+              <a:rPr lang="en-US"/>
+              <a:t>Click to edit Master title style</a:t>
+            </a:r>
+            <a:endParaRPr lang="en-US" dirty="0"/>
+          </a:p>
+        </p:txBody>
+      </p:sp>
+      <p:sp>
+        <p:nvSpPr>
+          <p:cNvPr id="4" name="Text Placeholder 3"/>
+          <p:cNvSpPr>
+            <a:spLocks noGrp="1"/>
+          </p:cNvSpPr>
+          <p:nvPr>
+            <p:ph type="body" sz="half" idx="2"/>
+          </p:nvPr>
+        </p:nvSpPr>
+        <p:spPr>
+          <a:xfrm>
+            <a:off x="913795" y="4204820"/>
+            <a:ext cx="10353761" cy="1592186"/>
+          </a:xfrm>
+        </p:spPr>
+        <p:txBody>
+          <a:bodyPr anchor="ctr"/>
+          <a:lstStyle>
+            <a:lvl1pPr marL="0" indent="0" algn="ctr">
+              <a:buNone/>
+              <a:defRPr sz="1600"/>
+            </a:lvl1pPr>
+            <a:lvl2pPr marL="457200" indent="0">
+              <a:buNone/>
+              <a:defRPr sz="1400"/>
+            </a:lvl2pPr>
+            <a:lvl3pPr marL="914400" indent="0">
+              <a:buNone/>
+              <a:defRPr sz="1200"/>
+            </a:lvl3pPr>
+            <a:lvl4pPr marL="1371600" indent="0">
+              <a:buNone/>
+              <a:defRPr sz="1000"/>
+            </a:lvl4pPr>
+            <a:lvl5pPr marL="1828800" indent="0">
+              <a:buNone/>
+              <a:defRPr sz="1000"/>
+            </a:lvl5pPr>
+            <a:lvl6pPr marL="2286000" indent="0">
+              <a:buNone/>
+              <a:defRPr sz="1000"/>
+            </a:lvl6pPr>
+            <a:lvl7pPr marL="2743200" indent="0">
+              <a:buNone/>
+              <a:defRPr sz="1000"/>
+            </a:lvl7pPr>
+            <a:lvl8pPr marL="3200400" indent="0">
+              <a:buNone/>
+              <a:defRPr sz="1000"/>
+            </a:lvl8pPr>
+            <a:lvl9pPr marL="3657600" indent="0">
+              <a:buNone/>
+              <a:defRPr sz="1000"/>
+            </a:lvl9pPr>
+          </a:lstStyle>
+          <a:p>
+            <a:pPr lvl="0"/>
+            <a:r>
+              <a:rPr lang="en-US"/>
+              <a:t>Click to edit Master text styles</a:t>
+            </a:r>
+          </a:p>
+        </p:txBody>
+      </p:sp>
+      <p:sp>
+        <p:nvSpPr>
+          <p:cNvPr id="5" name="Date Placeholder 4"/>
+          <p:cNvSpPr>
+            <a:spLocks noGrp="1"/>
+          </p:cNvSpPr>
+          <p:nvPr>
+            <p:ph type="dt" sz="half" idx="10"/>
+          </p:nvPr>
+        </p:nvSpPr>
+        <p:spPr/>
+        <p:txBody>
+          <a:bodyPr/>
+          <a:lstStyle/>
+          <a:p>
+            <a:fld id="{8D056BF7-8D9A-4249-B59E-E8623AEC289B}" type="datetimeFigureOut">
+              <a:rPr lang="en-IN" smtClean="0"/>
+              <a:t>23-05-2024</a:t>
+            </a:fld>
+            <a:endParaRPr lang="en-IN"/>
+          </a:p>
+        </p:txBody>
+      </p:sp>
+      <p:sp>
+        <p:nvSpPr>
+          <p:cNvPr id="6" name="Footer Placeholder 5"/>
+          <p:cNvSpPr>
+            <a:spLocks noGrp="1"/>
+          </p:cNvSpPr>
+          <p:nvPr>
+            <p:ph type="ftr" sz="quarter" idx="11"/>
+          </p:nvPr>
+        </p:nvSpPr>
+        <p:spPr/>
+        <p:txBody>
+          <a:bodyPr/>
+          <a:lstStyle/>
+          <a:p>
+            <a:endParaRPr lang="en-IN"/>
+          </a:p>
+        </p:txBody>
+      </p:sp>
+      <p:sp>
+        <p:nvSpPr>
+          <p:cNvPr id="7" name="Slide Number Placeholder 6"/>
+          <p:cNvSpPr>
+            <a:spLocks noGrp="1"/>
+          </p:cNvSpPr>
+          <p:nvPr>
+            <p:ph type="sldNum" sz="quarter" idx="12"/>
+          </p:nvPr>
+        </p:nvSpPr>
+        <p:spPr/>
+        <p:txBody>
+          <a:bodyPr/>
+          <a:lstStyle/>
+          <a:p>
+            <a:fld id="{AEA11CB6-5222-4317-B18B-6400322DD842}" type="slidenum">
+              <a:rPr lang="en-IN" smtClean="0"/>
+              <a:t>‹#›</a:t>
+            </a:fld>
+            <a:endParaRPr lang="en-IN"/>
+          </a:p>
+        </p:txBody>
+      </p:sp>
+    </p:spTree>
+    <p:extLst>
+      <p:ext uri="{BB962C8B-B14F-4D97-AF65-F5344CB8AC3E}">
+        <p14:creationId xmlns:p14="http://schemas.microsoft.com/office/powerpoint/2010/main" val="2381713345"/>
+      </p:ext>
+    </p:extLst>
+  </p:cSld>
+  <p:clrMapOvr>
+    <a:masterClrMapping/>
+  </p:clrMapOvr>
+</p:sldLayout>
+</file>
+
+<file path=ppt/slideLayouts/slideLayout12.xml><?xml version="1.0" encoding="utf-8"?>
+<p:sldLayout xmlns:a="http://schemas.openxmlformats.org/drawingml/2006/main" xmlns:r="http://schemas.openxmlformats.org/officeDocument/2006/relationships" xmlns:p="http://schemas.openxmlformats.org/presentationml/2006/main" preserve="1">
+  <p:cSld name="Quote with Caption">
+    <p:spTree>
+      <p:nvGrpSpPr>
+        <p:cNvPr id="1" name=""/>
+        <p:cNvGrpSpPr/>
+        <p:nvPr/>
+      </p:nvGrpSpPr>
+      <p:grpSpPr>
+        <a:xfrm>
+          <a:off x="0" y="0"/>
+          <a:ext cx="0" cy="0"/>
+          <a:chOff x="0" y="0"/>
+          <a:chExt cx="0" cy="0"/>
+        </a:xfrm>
+      </p:grpSpPr>
+      <p:sp>
+        <p:nvSpPr>
+          <p:cNvPr id="2" name="Title 1"/>
+          <p:cNvSpPr>
+            <a:spLocks noGrp="1"/>
+          </p:cNvSpPr>
+          <p:nvPr>
+            <p:ph type="title"/>
+          </p:nvPr>
+        </p:nvSpPr>
+        <p:spPr>
+          <a:xfrm>
+            <a:off x="1446212" y="609600"/>
+            <a:ext cx="9302752" cy="2992904"/>
+          </a:xfrm>
+        </p:spPr>
+        <p:txBody>
+          <a:bodyPr anchor="ctr"/>
+          <a:lstStyle>
+            <a:lvl1pPr>
+              <a:defRPr sz="3200"/>
+            </a:lvl1pPr>
+          </a:lstStyle>
+          <a:p>
+            <a:r>
+              <a:rPr lang="en-US"/>
+              <a:t>Click to edit Master title style</a:t>
+            </a:r>
+            <a:endParaRPr lang="en-US" dirty="0"/>
+          </a:p>
+        </p:txBody>
+      </p:sp>
+      <p:sp>
+        <p:nvSpPr>
+          <p:cNvPr id="12" name="Text Placeholder 3"/>
+          <p:cNvSpPr>
+            <a:spLocks noGrp="1"/>
+          </p:cNvSpPr>
+          <p:nvPr>
+            <p:ph type="body" sz="half" idx="13"/>
+          </p:nvPr>
+        </p:nvSpPr>
+        <p:spPr>
+          <a:xfrm>
+            <a:off x="1720644" y="3610032"/>
+            <a:ext cx="8752299" cy="426812"/>
+          </a:xfrm>
+        </p:spPr>
+        <p:txBody>
+          <a:bodyPr anchor="t">
+            <a:normAutofit/>
+          </a:bodyPr>
+          <a:lstStyle>
+            <a:lvl1pPr marL="0" indent="0" algn="r">
+              <a:buNone/>
+              <a:defRPr sz="1400"/>
+            </a:lvl1pPr>
+            <a:lvl2pPr marL="457200" indent="0">
+              <a:buNone/>
+              <a:defRPr sz="1400"/>
+            </a:lvl2pPr>
+            <a:lvl3pPr marL="914400" indent="0">
+              <a:buNone/>
+              <a:defRPr sz="1200"/>
+            </a:lvl3pPr>
+            <a:lvl4pPr marL="1371600" indent="0">
+              <a:buNone/>
+              <a:defRPr sz="1000"/>
+            </a:lvl4pPr>
+            <a:lvl5pPr marL="1828800" indent="0">
+              <a:buNone/>
+              <a:defRPr sz="1000"/>
+            </a:lvl5pPr>
+            <a:lvl6pPr marL="2286000" indent="0">
+              <a:buNone/>
+              <a:defRPr sz="1000"/>
+            </a:lvl6pPr>
+            <a:lvl7pPr marL="2743200" indent="0">
+              <a:buNone/>
+              <a:defRPr sz="1000"/>
+            </a:lvl7pPr>
+            <a:lvl8pPr marL="3200400" indent="0">
+              <a:buNone/>
+              <a:defRPr sz="1000"/>
+            </a:lvl8pPr>
+            <a:lvl9pPr marL="3657600" indent="0">
+              <a:buNone/>
+              <a:defRPr sz="1000"/>
+            </a:lvl9pPr>
+          </a:lstStyle>
+          <a:p>
+            <a:pPr lvl="0"/>
+            <a:r>
+              <a:rPr lang="en-US"/>
+              <a:t>Click to edit Master text styles</a:t>
+            </a:r>
+          </a:p>
+        </p:txBody>
+      </p:sp>
+      <p:sp>
+        <p:nvSpPr>
+          <p:cNvPr id="4" name="Text Placeholder 3"/>
+          <p:cNvSpPr>
+            <a:spLocks noGrp="1"/>
+          </p:cNvSpPr>
+          <p:nvPr>
+            <p:ph type="body" sz="half" idx="2"/>
+          </p:nvPr>
+        </p:nvSpPr>
+        <p:spPr>
+          <a:xfrm>
+            <a:off x="913794" y="4204821"/>
+            <a:ext cx="10353762" cy="1586380"/>
+          </a:xfrm>
+        </p:spPr>
+        <p:txBody>
+          <a:bodyPr anchor="ctr">
+            <a:normAutofit/>
+          </a:bodyPr>
+          <a:lstStyle>
+            <a:lvl1pPr marL="0" indent="0" algn="ctr">
+              <a:buNone/>
+              <a:defRPr sz="1600"/>
+            </a:lvl1pPr>
+            <a:lvl2pPr marL="457200" indent="0">
+              <a:buNone/>
+              <a:defRPr sz="1400"/>
+            </a:lvl2pPr>
+            <a:lvl3pPr marL="914400" indent="0">
+              <a:buNone/>
+              <a:defRPr sz="1200"/>
+            </a:lvl3pPr>
+            <a:lvl4pPr marL="1371600" indent="0">
+              <a:buNone/>
+              <a:defRPr sz="1000"/>
+            </a:lvl4pPr>
+            <a:lvl5pPr marL="1828800" indent="0">
+              <a:buNone/>
+              <a:defRPr sz="1000"/>
+            </a:lvl5pPr>
+            <a:lvl6pPr marL="2286000" indent="0">
+              <a:buNone/>
+              <a:defRPr sz="1000"/>
+            </a:lvl6pPr>
+            <a:lvl7pPr marL="2743200" indent="0">
+              <a:buNone/>
+              <a:defRPr sz="1000"/>
+            </a:lvl7pPr>
+            <a:lvl8pPr marL="3200400" indent="0">
+              <a:buNone/>
+              <a:defRPr sz="1000"/>
+            </a:lvl8pPr>
+            <a:lvl9pPr marL="3657600" indent="0">
+              <a:buNone/>
+              <a:defRPr sz="1000"/>
+            </a:lvl9pPr>
+          </a:lstStyle>
+          <a:p>
+            <a:pPr lvl="0"/>
+            <a:r>
+              <a:rPr lang="en-US"/>
+              <a:t>Click to edit Master text styles</a:t>
+            </a:r>
+          </a:p>
+        </p:txBody>
+      </p:sp>
+      <p:sp>
+        <p:nvSpPr>
+          <p:cNvPr id="5" name="Date Placeholder 4"/>
+          <p:cNvSpPr>
+            <a:spLocks noGrp="1"/>
+          </p:cNvSpPr>
+          <p:nvPr>
+            <p:ph type="dt" sz="half" idx="10"/>
+          </p:nvPr>
+        </p:nvSpPr>
+        <p:spPr/>
+        <p:txBody>
+          <a:bodyPr/>
+          <a:lstStyle/>
+          <a:p>
+            <a:fld id="{8D056BF7-8D9A-4249-B59E-E8623AEC289B}" type="datetimeFigureOut">
+              <a:rPr lang="en-IN" smtClean="0"/>
+              <a:t>23-05-2024</a:t>
+            </a:fld>
+            <a:endParaRPr lang="en-IN"/>
+          </a:p>
+        </p:txBody>
+      </p:sp>
+      <p:sp>
+        <p:nvSpPr>
+          <p:cNvPr id="6" name="Footer Placeholder 5"/>
+          <p:cNvSpPr>
+            <a:spLocks noGrp="1"/>
+          </p:cNvSpPr>
+          <p:nvPr>
+            <p:ph type="ftr" sz="quarter" idx="11"/>
+          </p:nvPr>
+        </p:nvSpPr>
+        <p:spPr/>
+        <p:txBody>
+          <a:bodyPr/>
+          <a:lstStyle/>
+          <a:p>
+            <a:endParaRPr lang="en-IN"/>
+          </a:p>
+        </p:txBody>
+      </p:sp>
+      <p:sp>
+        <p:nvSpPr>
+          <p:cNvPr id="7" name="Slide Number Placeholder 6"/>
+          <p:cNvSpPr>
+            <a:spLocks noGrp="1"/>
+          </p:cNvSpPr>
+          <p:nvPr>
+            <p:ph type="sldNum" sz="quarter" idx="12"/>
+          </p:nvPr>
+        </p:nvSpPr>
+        <p:spPr/>
+        <p:txBody>
+          <a:bodyPr/>
+          <a:lstStyle/>
+          <a:p>
+            <a:fld id="{AEA11CB6-5222-4317-B18B-6400322DD842}" type="slidenum">
+              <a:rPr lang="en-IN" smtClean="0"/>
+              <a:t>‹#›</a:t>
+            </a:fld>
+            <a:endParaRPr lang="en-IN"/>
+          </a:p>
+        </p:txBody>
+      </p:sp>
+      <p:sp>
+        <p:nvSpPr>
+          <p:cNvPr id="11" name="TextBox 10"/>
+          <p:cNvSpPr txBox="1"/>
+          <p:nvPr/>
+        </p:nvSpPr>
+        <p:spPr>
+          <a:xfrm>
+            <a:off x="836612" y="735241"/>
+            <a:ext cx="609600" cy="584776"/>
+          </a:xfrm>
+          <a:prstGeom prst="rect">
+            <a:avLst/>
+          </a:prstGeom>
+        </p:spPr>
+        <p:txBody>
+          <a:bodyPr vert="horz" lIns="91440" tIns="45720" rIns="91440" bIns="45720" rtlCol="0" anchor="ctr">
+            <a:noAutofit/>
+          </a:bodyPr>
+          <a:lstStyle>
+            <a:lvl1pPr>
+              <a:spcBef>
+                <a:spcPct val="0"/>
+              </a:spcBef>
+              <a:buNone/>
+              <a:defRPr sz="3200" b="0" cap="all">
+                <a:ln w="3175" cmpd="sng">
+                  <a:noFill/>
+                </a:ln>
+                <a:effectLst>
+                  <a:glow rad="38100">
+                    <a:schemeClr val="bg1">
+                      <a:lumMod val="65000"/>
+                      <a:lumOff val="35000"/>
+                      <a:alpha val="40000"/>
+                    </a:schemeClr>
+                  </a:glow>
+                  <a:outerShdw blurRad="28575" dist="38100" dir="14040000" algn="tl" rotWithShape="0">
+                    <a:srgbClr val="000000">
+                      <a:alpha val="25000"/>
+                    </a:srgbClr>
+                  </a:outerShdw>
+                </a:effectLst>
+              </a:defRPr>
+            </a:lvl1pPr>
+            <a:lvl2pPr>
+              <a:defRPr>
+                <a:solidFill>
+                  <a:schemeClr val="tx2"/>
+                </a:solidFill>
+              </a:defRPr>
+            </a:lvl2pPr>
+            <a:lvl3pPr>
+              <a:defRPr>
+                <a:solidFill>
+                  <a:schemeClr val="tx2"/>
+                </a:solidFill>
+              </a:defRPr>
+            </a:lvl3pPr>
+            <a:lvl4pPr>
+              <a:defRPr>
+                <a:solidFill>
+                  <a:schemeClr val="tx2"/>
+                </a:solidFill>
+              </a:defRPr>
+            </a:lvl4pPr>
+            <a:lvl5pPr>
+              <a:defRPr>
+                <a:solidFill>
+                  <a:schemeClr val="tx2"/>
+                </a:solidFill>
+              </a:defRPr>
+            </a:lvl5pPr>
+            <a:lvl6pPr>
+              <a:defRPr>
+                <a:solidFill>
+                  <a:schemeClr val="tx2"/>
+                </a:solidFill>
+              </a:defRPr>
+            </a:lvl6pPr>
+            <a:lvl7pPr>
+              <a:defRPr>
+                <a:solidFill>
+                  <a:schemeClr val="tx2"/>
+                </a:solidFill>
+              </a:defRPr>
+            </a:lvl7pPr>
+            <a:lvl8pPr>
+              <a:defRPr>
+                <a:solidFill>
+                  <a:schemeClr val="tx2"/>
+                </a:solidFill>
+              </a:defRPr>
+            </a:lvl8pPr>
+            <a:lvl9pPr>
+              <a:defRPr>
+                <a:solidFill>
+                  <a:schemeClr val="tx2"/>
+                </a:solidFill>
+              </a:defRPr>
+            </a:lvl9pPr>
+          </a:lstStyle>
+          <a:p>
+            <a:pPr lvl="0"/>
+            <a:r>
+              <a:rPr lang="en-US" sz="8000" dirty="0">
+                <a:solidFill>
+                  <a:schemeClr val="tx1"/>
+                </a:solidFill>
+                <a:effectLst/>
+              </a:rPr>
+              <a:t>“</a:t>
+            </a:r>
+          </a:p>
+        </p:txBody>
+      </p:sp>
+      <p:sp>
+        <p:nvSpPr>
+          <p:cNvPr id="13" name="TextBox 12"/>
+          <p:cNvSpPr txBox="1"/>
+          <p:nvPr/>
+        </p:nvSpPr>
+        <p:spPr>
+          <a:xfrm>
+            <a:off x="10657956" y="2972093"/>
+            <a:ext cx="609600" cy="584776"/>
+          </a:xfrm>
+          <a:prstGeom prst="rect">
+            <a:avLst/>
+          </a:prstGeom>
+        </p:spPr>
+        <p:txBody>
+          <a:bodyPr vert="horz" lIns="91440" tIns="45720" rIns="91440" bIns="45720" rtlCol="0" anchor="ctr">
+            <a:noAutofit/>
+          </a:bodyPr>
+          <a:lstStyle>
+            <a:lvl1pPr>
+              <a:spcBef>
+                <a:spcPct val="0"/>
+              </a:spcBef>
+              <a:buNone/>
+              <a:defRPr sz="3200" b="0" cap="all">
+                <a:ln w="3175" cmpd="sng">
+                  <a:noFill/>
+                </a:ln>
+                <a:effectLst>
+                  <a:glow rad="38100">
+                    <a:schemeClr val="bg1">
+                      <a:lumMod val="65000"/>
+                      <a:lumOff val="35000"/>
+                      <a:alpha val="40000"/>
+                    </a:schemeClr>
+                  </a:glow>
+                  <a:outerShdw blurRad="28575" dist="38100" dir="14040000" algn="tl" rotWithShape="0">
+                    <a:srgbClr val="000000">
+                      <a:alpha val="25000"/>
+                    </a:srgbClr>
+                  </a:outerShdw>
+                </a:effectLst>
+              </a:defRPr>
+            </a:lvl1pPr>
+            <a:lvl2pPr>
+              <a:defRPr>
+                <a:solidFill>
+                  <a:schemeClr val="tx2"/>
+                </a:solidFill>
+              </a:defRPr>
+            </a:lvl2pPr>
+            <a:lvl3pPr>
+              <a:defRPr>
+                <a:solidFill>
+                  <a:schemeClr val="tx2"/>
+                </a:solidFill>
+              </a:defRPr>
+            </a:lvl3pPr>
+            <a:lvl4pPr>
+              <a:defRPr>
+                <a:solidFill>
+                  <a:schemeClr val="tx2"/>
+                </a:solidFill>
+              </a:defRPr>
+            </a:lvl4pPr>
+            <a:lvl5pPr>
+              <a:defRPr>
+                <a:solidFill>
+                  <a:schemeClr val="tx2"/>
+                </a:solidFill>
+              </a:defRPr>
+            </a:lvl5pPr>
+            <a:lvl6pPr>
+              <a:defRPr>
+                <a:solidFill>
+                  <a:schemeClr val="tx2"/>
+                </a:solidFill>
+              </a:defRPr>
+            </a:lvl6pPr>
+            <a:lvl7pPr>
+              <a:defRPr>
+                <a:solidFill>
+                  <a:schemeClr val="tx2"/>
+                </a:solidFill>
+              </a:defRPr>
+            </a:lvl7pPr>
+            <a:lvl8pPr>
+              <a:defRPr>
+                <a:solidFill>
+                  <a:schemeClr val="tx2"/>
+                </a:solidFill>
+              </a:defRPr>
+            </a:lvl8pPr>
+            <a:lvl9pPr>
+              <a:defRPr>
+                <a:solidFill>
+                  <a:schemeClr val="tx2"/>
+                </a:solidFill>
+              </a:defRPr>
+            </a:lvl9pPr>
+          </a:lstStyle>
+          <a:p>
+            <a:pPr lvl="0" algn="r"/>
+            <a:r>
+              <a:rPr lang="en-US" sz="8000" dirty="0">
+                <a:solidFill>
+                  <a:schemeClr val="tx1"/>
+                </a:solidFill>
+                <a:effectLst/>
+              </a:rPr>
+              <a:t>”</a:t>
+            </a:r>
+          </a:p>
+        </p:txBody>
+      </p:sp>
+    </p:spTree>
+    <p:extLst>
+      <p:ext uri="{BB962C8B-B14F-4D97-AF65-F5344CB8AC3E}">
+        <p14:creationId xmlns:p14="http://schemas.microsoft.com/office/powerpoint/2010/main" val="33263067"/>
+      </p:ext>
+    </p:extLst>
+  </p:cSld>
+  <p:clrMapOvr>
+    <a:masterClrMapping/>
+  </p:clrMapOvr>
+</p:sldLayout>
+</file>
+
+<file path=ppt/slideLayouts/slideLayout13.xml><?xml version="1.0" encoding="utf-8"?>
+<p:sldLayout xmlns:a="http://schemas.openxmlformats.org/drawingml/2006/main" xmlns:r="http://schemas.openxmlformats.org/officeDocument/2006/relationships" xmlns:p="http://schemas.openxmlformats.org/presentationml/2006/main" preserve="1">
+  <p:cSld name="Name Card">
+    <p:spTree>
+      <p:nvGrpSpPr>
+        <p:cNvPr id="1" name=""/>
+        <p:cNvGrpSpPr/>
+        <p:nvPr/>
+      </p:nvGrpSpPr>
+      <p:grpSpPr>
+        <a:xfrm>
+          <a:off x="0" y="0"/>
+          <a:ext cx="0" cy="0"/>
+          <a:chOff x="0" y="0"/>
+          <a:chExt cx="0" cy="0"/>
+        </a:xfrm>
+      </p:grpSpPr>
+      <p:sp>
+        <p:nvSpPr>
+          <p:cNvPr id="2" name="Title 1"/>
+          <p:cNvSpPr>
+            <a:spLocks noGrp="1"/>
+          </p:cNvSpPr>
+          <p:nvPr>
+            <p:ph type="title"/>
+          </p:nvPr>
+        </p:nvSpPr>
+        <p:spPr>
+          <a:xfrm>
+            <a:off x="913806" y="2126942"/>
+            <a:ext cx="10355327" cy="2511835"/>
+          </a:xfrm>
+        </p:spPr>
+        <p:txBody>
+          <a:bodyPr anchor="b"/>
+          <a:lstStyle>
+            <a:lvl1pPr>
+              <a:defRPr sz="3200"/>
+            </a:lvl1pPr>
+          </a:lstStyle>
+          <a:p>
+            <a:r>
+              <a:rPr lang="en-US"/>
+              <a:t>Click to edit Master title style</a:t>
+            </a:r>
+            <a:endParaRPr lang="en-US" dirty="0"/>
+          </a:p>
+        </p:txBody>
+      </p:sp>
+      <p:sp>
+        <p:nvSpPr>
+          <p:cNvPr id="4" name="Text Placeholder 3"/>
+          <p:cNvSpPr>
+            <a:spLocks noGrp="1"/>
+          </p:cNvSpPr>
+          <p:nvPr>
+            <p:ph type="body" sz="half" idx="2"/>
+          </p:nvPr>
+        </p:nvSpPr>
+        <p:spPr>
+          <a:xfrm>
+            <a:off x="913794" y="4650556"/>
+            <a:ext cx="10353763" cy="1140644"/>
+          </a:xfrm>
+        </p:spPr>
+        <p:txBody>
+          <a:bodyPr anchor="t"/>
+          <a:lstStyle>
+            <a:lvl1pPr marL="0" indent="0" algn="ctr">
+              <a:buNone/>
+              <a:defRPr sz="1600"/>
+            </a:lvl1pPr>
+            <a:lvl2pPr marL="457200" indent="0">
+              <a:buNone/>
+              <a:defRPr sz="1400"/>
+            </a:lvl2pPr>
+            <a:lvl3pPr marL="914400" indent="0">
+              <a:buNone/>
+              <a:defRPr sz="1200"/>
+            </a:lvl3pPr>
+            <a:lvl4pPr marL="1371600" indent="0">
+              <a:buNone/>
+              <a:defRPr sz="1000"/>
+            </a:lvl4pPr>
+            <a:lvl5pPr marL="1828800" indent="0">
+              <a:buNone/>
+              <a:defRPr sz="1000"/>
+            </a:lvl5pPr>
+            <a:lvl6pPr marL="2286000" indent="0">
+              <a:buNone/>
+              <a:defRPr sz="1000"/>
+            </a:lvl6pPr>
+            <a:lvl7pPr marL="2743200" indent="0">
+              <a:buNone/>
+              <a:defRPr sz="1000"/>
+            </a:lvl7pPr>
+            <a:lvl8pPr marL="3200400" indent="0">
+              <a:buNone/>
+              <a:defRPr sz="1000"/>
+            </a:lvl8pPr>
+            <a:lvl9pPr marL="3657600" indent="0">
+              <a:buNone/>
+              <a:defRPr sz="1000"/>
+            </a:lvl9pPr>
+          </a:lstStyle>
+          <a:p>
+            <a:pPr lvl="0"/>
+            <a:r>
+              <a:rPr lang="en-US"/>
+              <a:t>Click to edit Master text styles</a:t>
+            </a:r>
+          </a:p>
+        </p:txBody>
+      </p:sp>
+      <p:sp>
+        <p:nvSpPr>
+          <p:cNvPr id="5" name="Date Placeholder 4"/>
+          <p:cNvSpPr>
+            <a:spLocks noGrp="1"/>
+          </p:cNvSpPr>
+          <p:nvPr>
+            <p:ph type="dt" sz="half" idx="10"/>
+          </p:nvPr>
+        </p:nvSpPr>
+        <p:spPr/>
+        <p:txBody>
+          <a:bodyPr/>
+          <a:lstStyle/>
+          <a:p>
+            <a:fld id="{8D056BF7-8D9A-4249-B59E-E8623AEC289B}" type="datetimeFigureOut">
+              <a:rPr lang="en-IN" smtClean="0"/>
+              <a:t>23-05-2024</a:t>
+            </a:fld>
+            <a:endParaRPr lang="en-IN"/>
+          </a:p>
+        </p:txBody>
+      </p:sp>
+      <p:sp>
+        <p:nvSpPr>
+          <p:cNvPr id="6" name="Footer Placeholder 5"/>
+          <p:cNvSpPr>
+            <a:spLocks noGrp="1"/>
+          </p:cNvSpPr>
+          <p:nvPr>
+            <p:ph type="ftr" sz="quarter" idx="11"/>
+          </p:nvPr>
+        </p:nvSpPr>
+        <p:spPr/>
+        <p:txBody>
+          <a:bodyPr/>
+          <a:lstStyle/>
+          <a:p>
+            <a:endParaRPr lang="en-IN"/>
+          </a:p>
+        </p:txBody>
+      </p:sp>
+      <p:sp>
+        <p:nvSpPr>
+          <p:cNvPr id="7" name="Slide Number Placeholder 6"/>
+          <p:cNvSpPr>
+            <a:spLocks noGrp="1"/>
+          </p:cNvSpPr>
+          <p:nvPr>
+            <p:ph type="sldNum" sz="quarter" idx="12"/>
+          </p:nvPr>
+        </p:nvSpPr>
+        <p:spPr/>
+        <p:txBody>
+          <a:bodyPr/>
+          <a:lstStyle/>
+          <a:p>
+            <a:fld id="{AEA11CB6-5222-4317-B18B-6400322DD842}" type="slidenum">
+              <a:rPr lang="en-IN" smtClean="0"/>
+              <a:t>‹#›</a:t>
+            </a:fld>
+            <a:endParaRPr lang="en-IN"/>
+          </a:p>
+        </p:txBody>
+      </p:sp>
+    </p:spTree>
+    <p:extLst>
+      <p:ext uri="{BB962C8B-B14F-4D97-AF65-F5344CB8AC3E}">
+        <p14:creationId xmlns:p14="http://schemas.microsoft.com/office/powerpoint/2010/main" val="2835728049"/>
+      </p:ext>
+    </p:extLst>
+  </p:cSld>
+  <p:clrMapOvr>
+    <a:masterClrMapping/>
+  </p:clrMapOvr>
+</p:sldLayout>
+</file>
+
+<file path=ppt/slideLayouts/slideLayout14.xml><?xml version="1.0" encoding="utf-8"?>
+<p:sldLayout xmlns:a="http://schemas.openxmlformats.org/drawingml/2006/main" xmlns:r="http://schemas.openxmlformats.org/officeDocument/2006/relationships" xmlns:p="http://schemas.openxmlformats.org/presentationml/2006/main" preserve="1">
+  <p:cSld name="3 Column">
+    <p:spTree>
+      <p:nvGrpSpPr>
+        <p:cNvPr id="1" name=""/>
+        <p:cNvGrpSpPr/>
+        <p:nvPr/>
+      </p:nvGrpSpPr>
+      <p:grpSpPr>
+        <a:xfrm>
+          <a:off x="0" y="0"/>
+          <a:ext cx="0" cy="0"/>
+          <a:chOff x="0" y="0"/>
+          <a:chExt cx="0" cy="0"/>
+        </a:xfrm>
+      </p:grpSpPr>
+      <p:sp>
+        <p:nvSpPr>
+          <p:cNvPr id="15" name="Title 1"/>
+          <p:cNvSpPr>
+            <a:spLocks noGrp="1"/>
+          </p:cNvSpPr>
+          <p:nvPr>
+            <p:ph type="title"/>
+          </p:nvPr>
+        </p:nvSpPr>
+        <p:spPr>
+          <a:xfrm>
+            <a:off x="913794" y="609600"/>
+            <a:ext cx="10353762" cy="1325563"/>
+          </a:xfrm>
+        </p:spPr>
+        <p:txBody>
+          <a:bodyPr/>
+          <a:lstStyle/>
+          <a:p>
+            <a:r>
+              <a:rPr lang="en-US"/>
+              <a:t>Click to edit Master title style</a:t>
+            </a:r>
+            <a:endParaRPr lang="en-US" dirty="0"/>
+          </a:p>
+        </p:txBody>
+      </p:sp>
+      <p:sp>
+        <p:nvSpPr>
+          <p:cNvPr id="7" name="Text Placeholder 2"/>
+          <p:cNvSpPr>
+            <a:spLocks noGrp="1"/>
+          </p:cNvSpPr>
+          <p:nvPr>
+            <p:ph type="body" idx="1"/>
+          </p:nvPr>
+        </p:nvSpPr>
+        <p:spPr>
+          <a:xfrm>
+            <a:off x="913794" y="2088319"/>
+            <a:ext cx="3298956" cy="823305"/>
+          </a:xfrm>
+        </p:spPr>
+        <p:txBody>
+          <a:bodyPr anchor="b">
+            <a:noAutofit/>
+          </a:bodyPr>
+          <a:lstStyle>
+            <a:lvl1pPr marL="0" indent="0" algn="ctr">
+              <a:lnSpc>
+                <a:spcPct val="100000"/>
+              </a:lnSpc>
+              <a:buNone/>
+              <a:defRPr sz="2400" b="0">
+                <a:solidFill>
+                  <a:schemeClr val="tx1"/>
+                </a:solidFill>
+              </a:defRPr>
+            </a:lvl1pPr>
+            <a:lvl2pPr marL="457200" indent="0">
+              <a:buNone/>
+              <a:defRPr sz="2000" b="1"/>
+            </a:lvl2pPr>
+            <a:lvl3pPr marL="914400" indent="0">
+              <a:buNone/>
+              <a:defRPr sz="1800" b="1"/>
+            </a:lvl3pPr>
+            <a:lvl4pPr marL="1371600" indent="0">
+              <a:buNone/>
+              <a:defRPr sz="1600" b="1"/>
+            </a:lvl4pPr>
+            <a:lvl5pPr marL="1828800" indent="0">
+              <a:buNone/>
+              <a:defRPr sz="1600" b="1"/>
+            </a:lvl5pPr>
+            <a:lvl6pPr marL="2286000" indent="0">
+              <a:buNone/>
+              <a:defRPr sz="1600" b="1"/>
+            </a:lvl6pPr>
+            <a:lvl7pPr marL="2743200" indent="0">
+              <a:buNone/>
+              <a:defRPr sz="1600" b="1"/>
+            </a:lvl7pPr>
+            <a:lvl8pPr marL="3200400" indent="0">
+              <a:buNone/>
+              <a:defRPr sz="1600" b="1"/>
+            </a:lvl8pPr>
+            <a:lvl9pPr marL="3657600" indent="0">
+              <a:buNone/>
+              <a:defRPr sz="1600" b="1"/>
+            </a:lvl9pPr>
+          </a:lstStyle>
+          <a:p>
+            <a:pPr lvl="0"/>
+            <a:r>
+              <a:rPr lang="en-US"/>
+              <a:t>Click to edit Master text styles</a:t>
+            </a:r>
+          </a:p>
+        </p:txBody>
+      </p:sp>
+      <p:sp>
+        <p:nvSpPr>
+          <p:cNvPr id="8" name="Text Placeholder 3"/>
+          <p:cNvSpPr>
+            <a:spLocks noGrp="1"/>
+          </p:cNvSpPr>
+          <p:nvPr>
+            <p:ph type="body" sz="half" idx="15"/>
+          </p:nvPr>
+        </p:nvSpPr>
+        <p:spPr>
+          <a:xfrm>
+            <a:off x="913794" y="2911624"/>
+            <a:ext cx="3298956" cy="2879576"/>
+          </a:xfrm>
+        </p:spPr>
+        <p:txBody>
+          <a:bodyPr anchor="t">
+            <a:normAutofit/>
+          </a:bodyPr>
+          <a:lstStyle>
+            <a:lvl1pPr marL="0" indent="0" algn="ctr">
+              <a:buNone/>
+              <a:defRPr sz="1400"/>
+            </a:lvl1pPr>
+            <a:lvl2pPr marL="457200" indent="0">
+              <a:buNone/>
+              <a:defRPr sz="1200"/>
+            </a:lvl2pPr>
+            <a:lvl3pPr marL="914400" indent="0">
+              <a:buNone/>
+              <a:defRPr sz="1000"/>
+            </a:lvl3pPr>
+            <a:lvl4pPr marL="1371600" indent="0">
+              <a:buNone/>
+              <a:defRPr sz="900"/>
+            </a:lvl4pPr>
+            <a:lvl5pPr marL="1828800" indent="0">
+              <a:buNone/>
+              <a:defRPr sz="900"/>
+            </a:lvl5pPr>
+            <a:lvl6pPr marL="2286000" indent="0">
+              <a:buNone/>
+              <a:defRPr sz="900"/>
+            </a:lvl6pPr>
+            <a:lvl7pPr marL="2743200" indent="0">
+              <a:buNone/>
+              <a:defRPr sz="900"/>
+            </a:lvl7pPr>
+            <a:lvl8pPr marL="3200400" indent="0">
+              <a:buNone/>
+              <a:defRPr sz="900"/>
+            </a:lvl8pPr>
+            <a:lvl9pPr marL="3657600" indent="0">
+              <a:buNone/>
+              <a:defRPr sz="900"/>
+            </a:lvl9pPr>
+          </a:lstStyle>
+          <a:p>
+            <a:pPr lvl="0"/>
+            <a:r>
+              <a:rPr lang="en-US"/>
+              <a:t>Click to edit Master text styles</a:t>
+            </a:r>
+          </a:p>
+        </p:txBody>
+      </p:sp>
+      <p:sp>
+        <p:nvSpPr>
+          <p:cNvPr id="9" name="Text Placeholder 4"/>
+          <p:cNvSpPr>
+            <a:spLocks noGrp="1"/>
+          </p:cNvSpPr>
+          <p:nvPr>
+            <p:ph type="body" sz="quarter" idx="3"/>
+          </p:nvPr>
+        </p:nvSpPr>
+        <p:spPr>
+          <a:xfrm>
+            <a:off x="4444878" y="2088320"/>
+            <a:ext cx="3298558" cy="823304"/>
+          </a:xfrm>
+        </p:spPr>
+        <p:txBody>
+          <a:bodyPr anchor="b">
+            <a:noAutofit/>
+          </a:bodyPr>
+          <a:lstStyle>
+            <a:lvl1pPr marL="0" indent="0" algn="ctr">
+              <a:lnSpc>
+                <a:spcPct val="100000"/>
+              </a:lnSpc>
+              <a:buNone/>
+              <a:defRPr sz="2400" b="0">
+                <a:solidFill>
+                  <a:schemeClr val="tx1"/>
+                </a:solidFill>
+              </a:defRPr>
+            </a:lvl1pPr>
+            <a:lvl2pPr marL="457200" indent="0">
+              <a:buNone/>
+              <a:defRPr sz="2000" b="1"/>
+            </a:lvl2pPr>
+            <a:lvl3pPr marL="914400" indent="0">
+              <a:buNone/>
+              <a:defRPr sz="1800" b="1"/>
+            </a:lvl3pPr>
+            <a:lvl4pPr marL="1371600" indent="0">
+              <a:buNone/>
+              <a:defRPr sz="1600" b="1"/>
+            </a:lvl4pPr>
+            <a:lvl5pPr marL="1828800" indent="0">
+              <a:buNone/>
+              <a:defRPr sz="1600" b="1"/>
+            </a:lvl5pPr>
+            <a:lvl6pPr marL="2286000" indent="0">
+              <a:buNone/>
+              <a:defRPr sz="1600" b="1"/>
+            </a:lvl6pPr>
+            <a:lvl7pPr marL="2743200" indent="0">
+              <a:buNone/>
+              <a:defRPr sz="1600" b="1"/>
+            </a:lvl7pPr>
+            <a:lvl8pPr marL="3200400" indent="0">
+              <a:buNone/>
+              <a:defRPr sz="1600" b="1"/>
+            </a:lvl8pPr>
+            <a:lvl9pPr marL="3657600" indent="0">
+              <a:buNone/>
+              <a:defRPr sz="1600" b="1"/>
+            </a:lvl9pPr>
+          </a:lstStyle>
+          <a:p>
+            <a:pPr lvl="0"/>
+            <a:r>
+              <a:rPr lang="en-US"/>
+              <a:t>Click to edit Master text styles</a:t>
+            </a:r>
+          </a:p>
+        </p:txBody>
+      </p:sp>
+      <p:sp>
+        <p:nvSpPr>
+          <p:cNvPr id="10" name="Text Placeholder 3"/>
+          <p:cNvSpPr>
+            <a:spLocks noGrp="1"/>
+          </p:cNvSpPr>
+          <p:nvPr>
+            <p:ph type="body" sz="half" idx="16"/>
+          </p:nvPr>
+        </p:nvSpPr>
+        <p:spPr>
+          <a:xfrm>
+            <a:off x="4444878" y="2911624"/>
+            <a:ext cx="3299821" cy="2879576"/>
+          </a:xfrm>
+        </p:spPr>
+        <p:txBody>
+          <a:bodyPr anchor="t">
+            <a:normAutofit/>
+          </a:bodyPr>
+          <a:lstStyle>
+            <a:lvl1pPr marL="0" indent="0" algn="ctr">
+              <a:buNone/>
+              <a:defRPr sz="1400"/>
+            </a:lvl1pPr>
+            <a:lvl2pPr marL="457200" indent="0">
+              <a:buNone/>
+              <a:defRPr sz="1200"/>
+            </a:lvl2pPr>
+            <a:lvl3pPr marL="914400" indent="0">
+              <a:buNone/>
+              <a:defRPr sz="1000"/>
+            </a:lvl3pPr>
+            <a:lvl4pPr marL="1371600" indent="0">
+              <a:buNone/>
+              <a:defRPr sz="900"/>
+            </a:lvl4pPr>
+            <a:lvl5pPr marL="1828800" indent="0">
+              <a:buNone/>
+              <a:defRPr sz="900"/>
+            </a:lvl5pPr>
+            <a:lvl6pPr marL="2286000" indent="0">
+              <a:buNone/>
+              <a:defRPr sz="900"/>
+            </a:lvl6pPr>
+            <a:lvl7pPr marL="2743200" indent="0">
+              <a:buNone/>
+              <a:defRPr sz="900"/>
+            </a:lvl7pPr>
+            <a:lvl8pPr marL="3200400" indent="0">
+              <a:buNone/>
+              <a:defRPr sz="900"/>
+            </a:lvl8pPr>
+            <a:lvl9pPr marL="3657600" indent="0">
+              <a:buNone/>
+              <a:defRPr sz="900"/>
+            </a:lvl9pPr>
+          </a:lstStyle>
+          <a:p>
+            <a:pPr lvl="0"/>
+            <a:r>
+              <a:rPr lang="en-US"/>
+              <a:t>Click to edit Master text styles</a:t>
+            </a:r>
+          </a:p>
+        </p:txBody>
+      </p:sp>
+      <p:sp>
+        <p:nvSpPr>
+          <p:cNvPr id="11" name="Text Placeholder 4"/>
+          <p:cNvSpPr>
+            <a:spLocks noGrp="1"/>
+          </p:cNvSpPr>
+          <p:nvPr>
+            <p:ph type="body" sz="quarter" idx="13"/>
+          </p:nvPr>
+        </p:nvSpPr>
+        <p:spPr>
+          <a:xfrm>
+            <a:off x="7973298" y="2088320"/>
+            <a:ext cx="3291211" cy="823304"/>
+          </a:xfrm>
+        </p:spPr>
+        <p:txBody>
+          <a:bodyPr anchor="b">
+            <a:noAutofit/>
+          </a:bodyPr>
+          <a:lstStyle>
+            <a:lvl1pPr marL="0" indent="0" algn="ctr">
+              <a:lnSpc>
+                <a:spcPct val="100000"/>
+              </a:lnSpc>
+              <a:buNone/>
+              <a:defRPr sz="2400" b="0">
+                <a:solidFill>
+                  <a:schemeClr val="tx1"/>
+                </a:solidFill>
+              </a:defRPr>
+            </a:lvl1pPr>
+            <a:lvl2pPr marL="457200" indent="0">
+              <a:buNone/>
+              <a:defRPr sz="2000" b="1"/>
+            </a:lvl2pPr>
+            <a:lvl3pPr marL="914400" indent="0">
+              <a:buNone/>
+              <a:defRPr sz="1800" b="1"/>
+            </a:lvl3pPr>
+            <a:lvl4pPr marL="1371600" indent="0">
+              <a:buNone/>
+              <a:defRPr sz="1600" b="1"/>
+            </a:lvl4pPr>
+            <a:lvl5pPr marL="1828800" indent="0">
+              <a:buNone/>
+              <a:defRPr sz="1600" b="1"/>
+            </a:lvl5pPr>
+            <a:lvl6pPr marL="2286000" indent="0">
+              <a:buNone/>
+              <a:defRPr sz="1600" b="1"/>
+            </a:lvl6pPr>
+            <a:lvl7pPr marL="2743200" indent="0">
+              <a:buNone/>
+              <a:defRPr sz="1600" b="1"/>
+            </a:lvl7pPr>
+            <a:lvl8pPr marL="3200400" indent="0">
+              <a:buNone/>
+              <a:defRPr sz="1600" b="1"/>
+            </a:lvl8pPr>
+            <a:lvl9pPr marL="3657600" indent="0">
+              <a:buNone/>
+              <a:defRPr sz="1600" b="1"/>
+            </a:lvl9pPr>
+          </a:lstStyle>
+          <a:p>
+            <a:pPr lvl="0"/>
+            <a:r>
+              <a:rPr lang="en-US"/>
+              <a:t>Click to edit Master text styles</a:t>
+            </a:r>
+          </a:p>
+        </p:txBody>
+      </p:sp>
+      <p:sp>
+        <p:nvSpPr>
+          <p:cNvPr id="12" name="Text Placeholder 3"/>
+          <p:cNvSpPr>
+            <a:spLocks noGrp="1"/>
+          </p:cNvSpPr>
+          <p:nvPr>
+            <p:ph type="body" sz="half" idx="17"/>
+          </p:nvPr>
+        </p:nvSpPr>
+        <p:spPr>
+          <a:xfrm>
+            <a:off x="7976346" y="2911624"/>
+            <a:ext cx="3291211" cy="2879576"/>
+          </a:xfrm>
+        </p:spPr>
+        <p:txBody>
+          <a:bodyPr anchor="t">
+            <a:normAutofit/>
+          </a:bodyPr>
+          <a:lstStyle>
+            <a:lvl1pPr marL="0" indent="0" algn="ctr">
+              <a:buNone/>
+              <a:defRPr sz="1400"/>
+            </a:lvl1pPr>
+            <a:lvl2pPr marL="457200" indent="0">
+              <a:buNone/>
+              <a:defRPr sz="1200"/>
+            </a:lvl2pPr>
+            <a:lvl3pPr marL="914400" indent="0">
+              <a:buNone/>
+              <a:defRPr sz="1000"/>
+            </a:lvl3pPr>
+            <a:lvl4pPr marL="1371600" indent="0">
+              <a:buNone/>
+              <a:defRPr sz="900"/>
+            </a:lvl4pPr>
+            <a:lvl5pPr marL="1828800" indent="0">
+              <a:buNone/>
+              <a:defRPr sz="900"/>
+            </a:lvl5pPr>
+            <a:lvl6pPr marL="2286000" indent="0">
+              <a:buNone/>
+              <a:defRPr sz="900"/>
+            </a:lvl6pPr>
+            <a:lvl7pPr marL="2743200" indent="0">
+              <a:buNone/>
+              <a:defRPr sz="900"/>
+            </a:lvl7pPr>
+            <a:lvl8pPr marL="3200400" indent="0">
+              <a:buNone/>
+              <a:defRPr sz="900"/>
+            </a:lvl8pPr>
+            <a:lvl9pPr marL="3657600" indent="0">
+              <a:buNone/>
+              <a:defRPr sz="900"/>
+            </a:lvl9pPr>
+          </a:lstStyle>
+          <a:p>
+            <a:pPr lvl="0"/>
+            <a:r>
+              <a:rPr lang="en-US"/>
+              <a:t>Click to edit Master text styles</a:t>
+            </a:r>
+          </a:p>
+        </p:txBody>
+      </p:sp>
+      <p:sp>
+        <p:nvSpPr>
+          <p:cNvPr id="3" name="Date Placeholder 2"/>
+          <p:cNvSpPr>
+            <a:spLocks noGrp="1"/>
+          </p:cNvSpPr>
+          <p:nvPr>
+            <p:ph type="dt" sz="half" idx="10"/>
+          </p:nvPr>
+        </p:nvSpPr>
+        <p:spPr/>
+        <p:txBody>
+          <a:bodyPr/>
+          <a:lstStyle/>
+          <a:p>
+            <a:fld id="{8D056BF7-8D9A-4249-B59E-E8623AEC289B}" type="datetimeFigureOut">
+              <a:rPr lang="en-IN" smtClean="0"/>
+              <a:t>23-05-2024</a:t>
+            </a:fld>
+            <a:endParaRPr lang="en-IN"/>
+          </a:p>
+        </p:txBody>
+      </p:sp>
+      <p:sp>
+        <p:nvSpPr>
+          <p:cNvPr id="4" name="Footer Placeholder 3"/>
+          <p:cNvSpPr>
+            <a:spLocks noGrp="1"/>
+          </p:cNvSpPr>
+          <p:nvPr>
+            <p:ph type="ftr" sz="quarter" idx="11"/>
+          </p:nvPr>
+        </p:nvSpPr>
+        <p:spPr/>
+        <p:txBody>
+          <a:bodyPr/>
+          <a:lstStyle/>
+          <a:p>
+            <a:endParaRPr lang="en-IN"/>
+          </a:p>
+        </p:txBody>
+      </p:sp>
+      <p:sp>
+        <p:nvSpPr>
+          <p:cNvPr id="5" name="Slide Number Placeholder 4"/>
+          <p:cNvSpPr>
+            <a:spLocks noGrp="1"/>
+          </p:cNvSpPr>
+          <p:nvPr>
+            <p:ph type="sldNum" sz="quarter" idx="12"/>
+          </p:nvPr>
+        </p:nvSpPr>
+        <p:spPr/>
+        <p:txBody>
+          <a:bodyPr/>
+          <a:lstStyle/>
+          <a:p>
+            <a:fld id="{AEA11CB6-5222-4317-B18B-6400322DD842}" type="slidenum">
+              <a:rPr lang="en-IN" smtClean="0"/>
+              <a:t>‹#›</a:t>
+            </a:fld>
+            <a:endParaRPr lang="en-IN"/>
+          </a:p>
+        </p:txBody>
+      </p:sp>
+    </p:spTree>
+    <p:extLst>
+      <p:ext uri="{BB962C8B-B14F-4D97-AF65-F5344CB8AC3E}">
+        <p14:creationId xmlns:p14="http://schemas.microsoft.com/office/powerpoint/2010/main" val="3730942259"/>
+      </p:ext>
+    </p:extLst>
+  </p:cSld>
+  <p:clrMapOvr>
+    <a:masterClrMapping/>
+  </p:clrMapOvr>
+</p:sldLayout>
+</file>
+
+<file path=ppt/slideLayouts/slideLayout15.xml><?xml version="1.0" encoding="utf-8"?>
+<p:sldLayout xmlns:a="http://schemas.openxmlformats.org/drawingml/2006/main" xmlns:r="http://schemas.openxmlformats.org/officeDocument/2006/relationships" xmlns:p="http://schemas.openxmlformats.org/presentationml/2006/main" preserve="1">
+  <p:cSld name="3 Picture Column">
+    <p:spTree>
+      <p:nvGrpSpPr>
+        <p:cNvPr id="1" name=""/>
+        <p:cNvGrpSpPr/>
+        <p:nvPr/>
+      </p:nvGrpSpPr>
+      <p:grpSpPr>
+        <a:xfrm>
+          <a:off x="0" y="0"/>
+          <a:ext cx="0" cy="0"/>
+          <a:chOff x="0" y="0"/>
+          <a:chExt cx="0" cy="0"/>
+        </a:xfrm>
+      </p:grpSpPr>
+      <p:sp>
+        <p:nvSpPr>
+          <p:cNvPr id="30" name="Title 1"/>
+          <p:cNvSpPr>
+            <a:spLocks noGrp="1"/>
+          </p:cNvSpPr>
+          <p:nvPr>
+            <p:ph type="title"/>
+          </p:nvPr>
+        </p:nvSpPr>
+        <p:spPr>
+          <a:xfrm>
+            <a:off x="913795" y="609600"/>
+            <a:ext cx="10353762" cy="1325563"/>
+          </a:xfrm>
+        </p:spPr>
+        <p:txBody>
+          <a:bodyPr/>
+          <a:lstStyle/>
+          <a:p>
+            <a:r>
+              <a:rPr lang="en-US"/>
+              <a:t>Click to edit Master title style</a:t>
+            </a:r>
+            <a:endParaRPr lang="en-US" dirty="0"/>
+          </a:p>
+        </p:txBody>
+      </p:sp>
+      <p:sp>
+        <p:nvSpPr>
+          <p:cNvPr id="19" name="Text Placeholder 2"/>
+          <p:cNvSpPr>
+            <a:spLocks noGrp="1"/>
+          </p:cNvSpPr>
+          <p:nvPr>
+            <p:ph type="body" idx="1"/>
+          </p:nvPr>
+        </p:nvSpPr>
+        <p:spPr>
+          <a:xfrm>
+            <a:off x="913795" y="4195899"/>
+            <a:ext cx="3298955" cy="576262"/>
+          </a:xfrm>
+        </p:spPr>
+        <p:txBody>
+          <a:bodyPr anchor="b">
+            <a:noAutofit/>
+          </a:bodyPr>
+          <a:lstStyle>
+            <a:lvl1pPr marL="0" indent="0" algn="ctr">
+              <a:lnSpc>
+                <a:spcPct val="100000"/>
+              </a:lnSpc>
+              <a:buNone/>
+              <a:defRPr sz="2000" b="0">
+                <a:solidFill>
+                  <a:schemeClr val="tx1"/>
+                </a:solidFill>
+              </a:defRPr>
+            </a:lvl1pPr>
+            <a:lvl2pPr marL="457200" indent="0">
+              <a:buNone/>
+              <a:defRPr sz="2000" b="1"/>
+            </a:lvl2pPr>
+            <a:lvl3pPr marL="914400" indent="0">
+              <a:buNone/>
+              <a:defRPr sz="1800" b="1"/>
+            </a:lvl3pPr>
+            <a:lvl4pPr marL="1371600" indent="0">
+              <a:buNone/>
+              <a:defRPr sz="1600" b="1"/>
+            </a:lvl4pPr>
+            <a:lvl5pPr marL="1828800" indent="0">
+              <a:buNone/>
+              <a:defRPr sz="1600" b="1"/>
+            </a:lvl5pPr>
+            <a:lvl6pPr marL="2286000" indent="0">
+              <a:buNone/>
+              <a:defRPr sz="1600" b="1"/>
+            </a:lvl6pPr>
+            <a:lvl7pPr marL="2743200" indent="0">
+              <a:buNone/>
+              <a:defRPr sz="1600" b="1"/>
+            </a:lvl7pPr>
+            <a:lvl8pPr marL="3200400" indent="0">
+              <a:buNone/>
+              <a:defRPr sz="1600" b="1"/>
+            </a:lvl8pPr>
+            <a:lvl9pPr marL="3657600" indent="0">
+              <a:buNone/>
+              <a:defRPr sz="1600" b="1"/>
+            </a:lvl9pPr>
+          </a:lstStyle>
+          <a:p>
+            <a:pPr lvl="0"/>
+            <a:r>
+              <a:rPr lang="en-US"/>
+              <a:t>Click to edit Master text styles</a:t>
+            </a:r>
+          </a:p>
+        </p:txBody>
+      </p:sp>
+      <p:sp>
+        <p:nvSpPr>
+          <p:cNvPr id="20" name="Picture Placeholder 2"/>
+          <p:cNvSpPr>
+            <a:spLocks noGrp="1" noChangeAspect="1"/>
+          </p:cNvSpPr>
+          <p:nvPr>
+            <p:ph type="pic" idx="15"/>
+          </p:nvPr>
+        </p:nvSpPr>
+        <p:spPr>
+          <a:xfrm>
+            <a:off x="1092020" y="2298987"/>
+            <a:ext cx="2940050" cy="1524000"/>
+          </a:xfrm>
+          <a:prstGeom prst="roundRect">
+            <a:avLst>
+              <a:gd name="adj" fmla="val 0"/>
+            </a:avLst>
+          </a:prstGeom>
+          <a:noFill/>
+          <a:ln w="146050" cap="sq">
+            <a:solidFill>
+              <a:srgbClr val="FFFFFF"/>
+            </a:solidFill>
+            <a:miter lim="800000"/>
+          </a:ln>
+          <a:effectLst>
+            <a:outerShdw blurRad="55000" dist="18000" dir="5400000" algn="tl" rotWithShape="0">
+              <a:srgbClr val="000000">
+                <a:alpha val="40000"/>
+              </a:srgbClr>
+            </a:outerShdw>
+          </a:effectLst>
+          <a:scene3d>
+            <a:camera prst="orthographicFront"/>
+            <a:lightRig rig="twoPt" dir="t">
+              <a:rot lat="0" lon="0" rev="7200000"/>
+            </a:lightRig>
+          </a:scene3d>
+          <a:sp3d>
+            <a:bevelT w="25400" h="19050"/>
+            <a:contourClr>
+              <a:srgbClr val="FFFFFF"/>
+            </a:contourClr>
+          </a:sp3d>
+        </p:spPr>
+        <p:txBody>
+          <a:bodyPr anchor="t">
+            <a:normAutofit/>
+          </a:bodyPr>
+          <a:lstStyle>
+            <a:lvl1pPr marL="0" indent="0" algn="ctr">
+              <a:buNone/>
+              <a:defRPr sz="1600"/>
+            </a:lvl1pPr>
+            <a:lvl2pPr marL="457200" indent="0">
+              <a:buNone/>
+              <a:defRPr sz="1600"/>
+            </a:lvl2pPr>
+            <a:lvl3pPr marL="914400" indent="0">
+              <a:buNone/>
+              <a:defRPr sz="1600"/>
+            </a:lvl3pPr>
+            <a:lvl4pPr marL="1371600" indent="0">
+              <a:buNone/>
+              <a:defRPr sz="1600"/>
+            </a:lvl4pPr>
+            <a:lvl5pPr marL="1828800" indent="0">
+              <a:buNone/>
+              <a:defRPr sz="1600"/>
+            </a:lvl5pPr>
+            <a:lvl6pPr marL="2286000" indent="0">
+              <a:buNone/>
+              <a:defRPr sz="1600"/>
+            </a:lvl6pPr>
+            <a:lvl7pPr marL="2743200" indent="0">
+              <a:buNone/>
+              <a:defRPr sz="1600"/>
+            </a:lvl7pPr>
+            <a:lvl8pPr marL="3200400" indent="0">
+              <a:buNone/>
+              <a:defRPr sz="1600"/>
+            </a:lvl8pPr>
+            <a:lvl9pPr marL="3657600" indent="0">
+              <a:buNone/>
+              <a:defRPr sz="1600"/>
+            </a:lvl9pPr>
+          </a:lstStyle>
+          <a:p>
+            <a:r>
+              <a:rPr lang="en-US"/>
+              <a:t>Click icon to add picture</a:t>
+            </a:r>
+            <a:endParaRPr lang="en-US" dirty="0"/>
+          </a:p>
+        </p:txBody>
+      </p:sp>
+      <p:sp>
+        <p:nvSpPr>
+          <p:cNvPr id="21" name="Text Placeholder 3"/>
+          <p:cNvSpPr>
+            <a:spLocks noGrp="1"/>
+          </p:cNvSpPr>
+          <p:nvPr>
+            <p:ph type="body" sz="half" idx="18"/>
+          </p:nvPr>
+        </p:nvSpPr>
+        <p:spPr>
+          <a:xfrm>
+            <a:off x="913795" y="4772161"/>
+            <a:ext cx="3298955" cy="1019038"/>
+          </a:xfrm>
+        </p:spPr>
+        <p:txBody>
+          <a:bodyPr anchor="t">
+            <a:normAutofit/>
+          </a:bodyPr>
+          <a:lstStyle>
+            <a:lvl1pPr marL="0" indent="0" algn="ctr">
+              <a:buNone/>
+              <a:defRPr sz="1400"/>
+            </a:lvl1pPr>
+            <a:lvl2pPr marL="457200" indent="0">
+              <a:buNone/>
+              <a:defRPr sz="1200"/>
+            </a:lvl2pPr>
+            <a:lvl3pPr marL="914400" indent="0">
+              <a:buNone/>
+              <a:defRPr sz="1000"/>
+            </a:lvl3pPr>
+            <a:lvl4pPr marL="1371600" indent="0">
+              <a:buNone/>
+              <a:defRPr sz="900"/>
+            </a:lvl4pPr>
+            <a:lvl5pPr marL="1828800" indent="0">
+              <a:buNone/>
+              <a:defRPr sz="900"/>
+            </a:lvl5pPr>
+            <a:lvl6pPr marL="2286000" indent="0">
+              <a:buNone/>
+              <a:defRPr sz="900"/>
+            </a:lvl6pPr>
+            <a:lvl7pPr marL="2743200" indent="0">
+              <a:buNone/>
+              <a:defRPr sz="900"/>
+            </a:lvl7pPr>
+            <a:lvl8pPr marL="3200400" indent="0">
+              <a:buNone/>
+              <a:defRPr sz="900"/>
+            </a:lvl8pPr>
+            <a:lvl9pPr marL="3657600" indent="0">
+              <a:buNone/>
+              <a:defRPr sz="900"/>
+            </a:lvl9pPr>
+          </a:lstStyle>
+          <a:p>
+            <a:pPr lvl="0"/>
+            <a:r>
+              <a:rPr lang="en-US"/>
+              <a:t>Click to edit Master text styles</a:t>
+            </a:r>
+          </a:p>
+        </p:txBody>
+      </p:sp>
+      <p:sp>
+        <p:nvSpPr>
+          <p:cNvPr id="22" name="Text Placeholder 4"/>
+          <p:cNvSpPr>
+            <a:spLocks noGrp="1"/>
+          </p:cNvSpPr>
+          <p:nvPr>
+            <p:ph type="body" sz="quarter" idx="3"/>
+          </p:nvPr>
+        </p:nvSpPr>
+        <p:spPr>
+          <a:xfrm>
+            <a:off x="4442701" y="4195899"/>
+            <a:ext cx="3298983" cy="576262"/>
+          </a:xfrm>
+        </p:spPr>
+        <p:txBody>
+          <a:bodyPr anchor="b">
+            <a:noAutofit/>
+          </a:bodyPr>
+          <a:lstStyle>
+            <a:lvl1pPr marL="0" indent="0" algn="ctr">
+              <a:lnSpc>
+                <a:spcPct val="100000"/>
+              </a:lnSpc>
+              <a:buNone/>
+              <a:defRPr sz="2000" b="0">
+                <a:solidFill>
+                  <a:schemeClr val="tx1"/>
+                </a:solidFill>
+              </a:defRPr>
+            </a:lvl1pPr>
+            <a:lvl2pPr marL="457200" indent="0">
+              <a:buNone/>
+              <a:defRPr sz="2000" b="1"/>
+            </a:lvl2pPr>
+            <a:lvl3pPr marL="914400" indent="0">
+              <a:buNone/>
+              <a:defRPr sz="1800" b="1"/>
+            </a:lvl3pPr>
+            <a:lvl4pPr marL="1371600" indent="0">
+              <a:buNone/>
+              <a:defRPr sz="1600" b="1"/>
+            </a:lvl4pPr>
+            <a:lvl5pPr marL="1828800" indent="0">
+              <a:buNone/>
+              <a:defRPr sz="1600" b="1"/>
+            </a:lvl5pPr>
+            <a:lvl6pPr marL="2286000" indent="0">
+              <a:buNone/>
+              <a:defRPr sz="1600" b="1"/>
+            </a:lvl6pPr>
+            <a:lvl7pPr marL="2743200" indent="0">
+              <a:buNone/>
+              <a:defRPr sz="1600" b="1"/>
+            </a:lvl7pPr>
+            <a:lvl8pPr marL="3200400" indent="0">
+              <a:buNone/>
+              <a:defRPr sz="1600" b="1"/>
+            </a:lvl8pPr>
+            <a:lvl9pPr marL="3657600" indent="0">
+              <a:buNone/>
+              <a:defRPr sz="1600" b="1"/>
+            </a:lvl9pPr>
+          </a:lstStyle>
+          <a:p>
+            <a:pPr lvl="0"/>
+            <a:r>
+              <a:rPr lang="en-US"/>
+              <a:t>Click to edit Master text styles</a:t>
+            </a:r>
+          </a:p>
+        </p:txBody>
+      </p:sp>
+      <p:sp>
+        <p:nvSpPr>
+          <p:cNvPr id="23" name="Picture Placeholder 2"/>
+          <p:cNvSpPr>
+            <a:spLocks noGrp="1" noChangeAspect="1"/>
+          </p:cNvSpPr>
+          <p:nvPr>
+            <p:ph type="pic" idx="21"/>
+          </p:nvPr>
+        </p:nvSpPr>
+        <p:spPr>
+          <a:xfrm>
+            <a:off x="4568996" y="2298987"/>
+            <a:ext cx="2930525" cy="1524000"/>
+          </a:xfrm>
+          <a:prstGeom prst="roundRect">
+            <a:avLst>
+              <a:gd name="adj" fmla="val 0"/>
+            </a:avLst>
+          </a:prstGeom>
+          <a:noFill/>
+          <a:ln w="146050" cap="sq">
+            <a:solidFill>
+              <a:srgbClr val="FFFFFF"/>
+            </a:solidFill>
+            <a:miter lim="800000"/>
+          </a:ln>
+          <a:effectLst>
+            <a:outerShdw blurRad="55000" dist="18000" dir="5400000" algn="tl" rotWithShape="0">
+              <a:srgbClr val="000000">
+                <a:alpha val="40000"/>
+              </a:srgbClr>
+            </a:outerShdw>
+          </a:effectLst>
+          <a:scene3d>
+            <a:camera prst="orthographicFront"/>
+            <a:lightRig rig="twoPt" dir="t">
+              <a:rot lat="0" lon="0" rev="7200000"/>
+            </a:lightRig>
+          </a:scene3d>
+          <a:sp3d>
+            <a:bevelT w="25400" h="19050"/>
+            <a:contourClr>
+              <a:srgbClr val="FFFFFF"/>
+            </a:contourClr>
+          </a:sp3d>
+        </p:spPr>
+        <p:txBody>
+          <a:bodyPr anchor="t">
+            <a:normAutofit/>
+          </a:bodyPr>
+          <a:lstStyle>
+            <a:lvl1pPr marL="0" indent="0" algn="ctr">
+              <a:buNone/>
+              <a:defRPr sz="1600"/>
+            </a:lvl1pPr>
+            <a:lvl2pPr marL="457200" indent="0">
+              <a:buNone/>
+              <a:defRPr sz="1600"/>
+            </a:lvl2pPr>
+            <a:lvl3pPr marL="914400" indent="0">
+              <a:buNone/>
+              <a:defRPr sz="1600"/>
+            </a:lvl3pPr>
+            <a:lvl4pPr marL="1371600" indent="0">
+              <a:buNone/>
+              <a:defRPr sz="1600"/>
+            </a:lvl4pPr>
+            <a:lvl5pPr marL="1828800" indent="0">
+              <a:buNone/>
+              <a:defRPr sz="1600"/>
+            </a:lvl5pPr>
+            <a:lvl6pPr marL="2286000" indent="0">
+              <a:buNone/>
+              <a:defRPr sz="1600"/>
+            </a:lvl6pPr>
+            <a:lvl7pPr marL="2743200" indent="0">
+              <a:buNone/>
+              <a:defRPr sz="1600"/>
+            </a:lvl7pPr>
+            <a:lvl8pPr marL="3200400" indent="0">
+              <a:buNone/>
+              <a:defRPr sz="1600"/>
+            </a:lvl8pPr>
+            <a:lvl9pPr marL="3657600" indent="0">
+              <a:buNone/>
+              <a:defRPr sz="1600"/>
+            </a:lvl9pPr>
+          </a:lstStyle>
+          <a:p>
+            <a:r>
+              <a:rPr lang="en-US"/>
+              <a:t>Click icon to add picture</a:t>
+            </a:r>
+            <a:endParaRPr lang="en-US" dirty="0"/>
+          </a:p>
+        </p:txBody>
+      </p:sp>
+      <p:sp>
+        <p:nvSpPr>
+          <p:cNvPr id="24" name="Text Placeholder 3"/>
+          <p:cNvSpPr>
+            <a:spLocks noGrp="1"/>
+          </p:cNvSpPr>
+          <p:nvPr>
+            <p:ph type="body" sz="half" idx="19"/>
+          </p:nvPr>
+        </p:nvSpPr>
+        <p:spPr>
+          <a:xfrm>
+            <a:off x="4441348" y="4772160"/>
+            <a:ext cx="3300336" cy="1019038"/>
+          </a:xfrm>
+        </p:spPr>
+        <p:txBody>
+          <a:bodyPr anchor="t">
+            <a:normAutofit/>
+          </a:bodyPr>
+          <a:lstStyle>
+            <a:lvl1pPr marL="0" indent="0" algn="ctr">
+              <a:buNone/>
+              <a:defRPr sz="1400"/>
+            </a:lvl1pPr>
+            <a:lvl2pPr marL="457200" indent="0">
+              <a:buNone/>
+              <a:defRPr sz="1200"/>
+            </a:lvl2pPr>
+            <a:lvl3pPr marL="914400" indent="0">
+              <a:buNone/>
+              <a:defRPr sz="1000"/>
+            </a:lvl3pPr>
+            <a:lvl4pPr marL="1371600" indent="0">
+              <a:buNone/>
+              <a:defRPr sz="900"/>
+            </a:lvl4pPr>
+            <a:lvl5pPr marL="1828800" indent="0">
+              <a:buNone/>
+              <a:defRPr sz="900"/>
+            </a:lvl5pPr>
+            <a:lvl6pPr marL="2286000" indent="0">
+              <a:buNone/>
+              <a:defRPr sz="900"/>
+            </a:lvl6pPr>
+            <a:lvl7pPr marL="2743200" indent="0">
+              <a:buNone/>
+              <a:defRPr sz="900"/>
+            </a:lvl7pPr>
+            <a:lvl8pPr marL="3200400" indent="0">
+              <a:buNone/>
+              <a:defRPr sz="900"/>
+            </a:lvl8pPr>
+            <a:lvl9pPr marL="3657600" indent="0">
+              <a:buNone/>
+              <a:defRPr sz="900"/>
+            </a:lvl9pPr>
+          </a:lstStyle>
+          <a:p>
+            <a:pPr lvl="0"/>
+            <a:r>
+              <a:rPr lang="en-US"/>
+              <a:t>Click to edit Master text styles</a:t>
+            </a:r>
+          </a:p>
+        </p:txBody>
+      </p:sp>
+      <p:sp>
+        <p:nvSpPr>
+          <p:cNvPr id="25" name="Text Placeholder 4"/>
+          <p:cNvSpPr>
+            <a:spLocks noGrp="1"/>
+          </p:cNvSpPr>
+          <p:nvPr>
+            <p:ph type="body" sz="quarter" idx="13"/>
+          </p:nvPr>
+        </p:nvSpPr>
+        <p:spPr>
+          <a:xfrm>
+            <a:off x="7973423" y="4195899"/>
+            <a:ext cx="3289900" cy="576262"/>
+          </a:xfrm>
+        </p:spPr>
+        <p:txBody>
+          <a:bodyPr anchor="b">
+            <a:noAutofit/>
+          </a:bodyPr>
+          <a:lstStyle>
+            <a:lvl1pPr marL="0" indent="0" algn="ctr">
+              <a:lnSpc>
+                <a:spcPct val="100000"/>
+              </a:lnSpc>
+              <a:buNone/>
+              <a:defRPr sz="2000" b="0">
+                <a:solidFill>
+                  <a:schemeClr val="tx1"/>
+                </a:solidFill>
+              </a:defRPr>
+            </a:lvl1pPr>
+            <a:lvl2pPr marL="457200" indent="0">
+              <a:buNone/>
+              <a:defRPr sz="2000" b="1"/>
+            </a:lvl2pPr>
+            <a:lvl3pPr marL="914400" indent="0">
+              <a:buNone/>
+              <a:defRPr sz="1800" b="1"/>
+            </a:lvl3pPr>
+            <a:lvl4pPr marL="1371600" indent="0">
+              <a:buNone/>
+              <a:defRPr sz="1600" b="1"/>
+            </a:lvl4pPr>
+            <a:lvl5pPr marL="1828800" indent="0">
+              <a:buNone/>
+              <a:defRPr sz="1600" b="1"/>
+            </a:lvl5pPr>
+            <a:lvl6pPr marL="2286000" indent="0">
+              <a:buNone/>
+              <a:defRPr sz="1600" b="1"/>
+            </a:lvl6pPr>
+            <a:lvl7pPr marL="2743200" indent="0">
+              <a:buNone/>
+              <a:defRPr sz="1600" b="1"/>
+            </a:lvl7pPr>
+            <a:lvl8pPr marL="3200400" indent="0">
+              <a:buNone/>
+              <a:defRPr sz="1600" b="1"/>
+            </a:lvl8pPr>
+            <a:lvl9pPr marL="3657600" indent="0">
+              <a:buNone/>
+              <a:defRPr sz="1600" b="1"/>
+            </a:lvl9pPr>
+          </a:lstStyle>
+          <a:p>
+            <a:pPr lvl="0"/>
+            <a:r>
+              <a:rPr lang="en-US"/>
+              <a:t>Click to edit Master text styles</a:t>
+            </a:r>
+          </a:p>
+        </p:txBody>
+      </p:sp>
+      <p:sp>
+        <p:nvSpPr>
+          <p:cNvPr id="26" name="Picture Placeholder 2"/>
+          <p:cNvSpPr>
+            <a:spLocks noGrp="1" noChangeAspect="1"/>
+          </p:cNvSpPr>
+          <p:nvPr>
+            <p:ph type="pic" idx="22"/>
+          </p:nvPr>
+        </p:nvSpPr>
+        <p:spPr>
+          <a:xfrm>
+            <a:off x="8152803" y="2298987"/>
+            <a:ext cx="2932113" cy="1524000"/>
+          </a:xfrm>
+          <a:prstGeom prst="roundRect">
+            <a:avLst>
+              <a:gd name="adj" fmla="val 0"/>
+            </a:avLst>
+          </a:prstGeom>
+          <a:noFill/>
+          <a:ln w="146050" cap="sq">
+            <a:solidFill>
+              <a:srgbClr val="FFFFFF"/>
+            </a:solidFill>
+            <a:miter lim="800000"/>
+          </a:ln>
+          <a:effectLst>
+            <a:outerShdw blurRad="55000" dist="18000" dir="5400000" algn="tl" rotWithShape="0">
+              <a:srgbClr val="000000">
+                <a:alpha val="40000"/>
+              </a:srgbClr>
+            </a:outerShdw>
+          </a:effectLst>
+          <a:scene3d>
+            <a:camera prst="orthographicFront"/>
+            <a:lightRig rig="twoPt" dir="t">
+              <a:rot lat="0" lon="0" rev="7200000"/>
+            </a:lightRig>
+          </a:scene3d>
+          <a:sp3d>
+            <a:bevelT w="25400" h="19050"/>
+            <a:contourClr>
+              <a:srgbClr val="FFFFFF"/>
+            </a:contourClr>
+          </a:sp3d>
+        </p:spPr>
+        <p:txBody>
+          <a:bodyPr anchor="t">
+            <a:normAutofit/>
+          </a:bodyPr>
+          <a:lstStyle>
+            <a:lvl1pPr marL="0" indent="0" algn="ctr">
+              <a:buNone/>
+              <a:defRPr sz="1600"/>
+            </a:lvl1pPr>
+            <a:lvl2pPr marL="457200" indent="0">
+              <a:buNone/>
+              <a:defRPr sz="1600"/>
+            </a:lvl2pPr>
+            <a:lvl3pPr marL="914400" indent="0">
+              <a:buNone/>
+              <a:defRPr sz="1600"/>
+            </a:lvl3pPr>
+            <a:lvl4pPr marL="1371600" indent="0">
+              <a:buNone/>
+              <a:defRPr sz="1600"/>
+            </a:lvl4pPr>
+            <a:lvl5pPr marL="1828800" indent="0">
+              <a:buNone/>
+              <a:defRPr sz="1600"/>
+            </a:lvl5pPr>
+            <a:lvl6pPr marL="2286000" indent="0">
+              <a:buNone/>
+              <a:defRPr sz="1600"/>
+            </a:lvl6pPr>
+            <a:lvl7pPr marL="2743200" indent="0">
+              <a:buNone/>
+              <a:defRPr sz="1600"/>
+            </a:lvl7pPr>
+            <a:lvl8pPr marL="3200400" indent="0">
+              <a:buNone/>
+              <a:defRPr sz="1600"/>
+            </a:lvl8pPr>
+            <a:lvl9pPr marL="3657600" indent="0">
+              <a:buNone/>
+              <a:defRPr sz="1600"/>
+            </a:lvl9pPr>
+          </a:lstStyle>
+          <a:p>
+            <a:r>
+              <a:rPr lang="en-US"/>
+              <a:t>Click icon to add picture</a:t>
+            </a:r>
+            <a:endParaRPr lang="en-US" dirty="0"/>
+          </a:p>
+        </p:txBody>
+      </p:sp>
+      <p:sp>
+        <p:nvSpPr>
+          <p:cNvPr id="27" name="Text Placeholder 3"/>
+          <p:cNvSpPr>
+            <a:spLocks noGrp="1"/>
+          </p:cNvSpPr>
+          <p:nvPr>
+            <p:ph type="body" sz="half" idx="20"/>
+          </p:nvPr>
+        </p:nvSpPr>
+        <p:spPr>
+          <a:xfrm>
+            <a:off x="7973298" y="4772161"/>
+            <a:ext cx="3294258" cy="1019037"/>
+          </a:xfrm>
+        </p:spPr>
+        <p:txBody>
+          <a:bodyPr anchor="t">
+            <a:normAutofit/>
+          </a:bodyPr>
+          <a:lstStyle>
+            <a:lvl1pPr marL="0" indent="0" algn="ctr">
+              <a:buNone/>
+              <a:defRPr sz="1400"/>
+            </a:lvl1pPr>
+            <a:lvl2pPr marL="457200" indent="0">
+              <a:buNone/>
+              <a:defRPr sz="1200"/>
+            </a:lvl2pPr>
+            <a:lvl3pPr marL="914400" indent="0">
+              <a:buNone/>
+              <a:defRPr sz="1000"/>
+            </a:lvl3pPr>
+            <a:lvl4pPr marL="1371600" indent="0">
+              <a:buNone/>
+              <a:defRPr sz="900"/>
+            </a:lvl4pPr>
+            <a:lvl5pPr marL="1828800" indent="0">
+              <a:buNone/>
+              <a:defRPr sz="900"/>
+            </a:lvl5pPr>
+            <a:lvl6pPr marL="2286000" indent="0">
+              <a:buNone/>
+              <a:defRPr sz="900"/>
+            </a:lvl6pPr>
+            <a:lvl7pPr marL="2743200" indent="0">
+              <a:buNone/>
+              <a:defRPr sz="900"/>
+            </a:lvl7pPr>
+            <a:lvl8pPr marL="3200400" indent="0">
+              <a:buNone/>
+              <a:defRPr sz="900"/>
+            </a:lvl8pPr>
+            <a:lvl9pPr marL="3657600" indent="0">
+              <a:buNone/>
+              <a:defRPr sz="900"/>
+            </a:lvl9pPr>
+          </a:lstStyle>
+          <a:p>
+            <a:pPr lvl="0"/>
+            <a:r>
+              <a:rPr lang="en-US"/>
+              <a:t>Click to edit Master text styles</a:t>
+            </a:r>
+          </a:p>
+        </p:txBody>
+      </p:sp>
+      <p:sp>
+        <p:nvSpPr>
+          <p:cNvPr id="3" name="Date Placeholder 2"/>
+          <p:cNvSpPr>
+            <a:spLocks noGrp="1"/>
+          </p:cNvSpPr>
+          <p:nvPr>
+            <p:ph type="dt" sz="half" idx="10"/>
+          </p:nvPr>
+        </p:nvSpPr>
+        <p:spPr/>
+        <p:txBody>
+          <a:bodyPr/>
+          <a:lstStyle/>
+          <a:p>
+            <a:fld id="{8D056BF7-8D9A-4249-B59E-E8623AEC289B}" type="datetimeFigureOut">
+              <a:rPr lang="en-IN" smtClean="0"/>
+              <a:t>23-05-2024</a:t>
+            </a:fld>
+            <a:endParaRPr lang="en-IN"/>
+          </a:p>
+        </p:txBody>
+      </p:sp>
+      <p:sp>
+        <p:nvSpPr>
+          <p:cNvPr id="4" name="Footer Placeholder 3"/>
+          <p:cNvSpPr>
+            <a:spLocks noGrp="1"/>
+          </p:cNvSpPr>
+          <p:nvPr>
+            <p:ph type="ftr" sz="quarter" idx="11"/>
+          </p:nvPr>
+        </p:nvSpPr>
+        <p:spPr/>
+        <p:txBody>
+          <a:bodyPr/>
+          <a:lstStyle/>
+          <a:p>
+            <a:endParaRPr lang="en-IN"/>
+          </a:p>
+        </p:txBody>
+      </p:sp>
+      <p:sp>
+        <p:nvSpPr>
+          <p:cNvPr id="5" name="Slide Number Placeholder 4"/>
+          <p:cNvSpPr>
+            <a:spLocks noGrp="1"/>
+          </p:cNvSpPr>
+          <p:nvPr>
+            <p:ph type="sldNum" sz="quarter" idx="12"/>
+          </p:nvPr>
+        </p:nvSpPr>
+        <p:spPr/>
+        <p:txBody>
+          <a:bodyPr/>
+          <a:lstStyle/>
+          <a:p>
+            <a:fld id="{AEA11CB6-5222-4317-B18B-6400322DD842}" type="slidenum">
+              <a:rPr lang="en-IN" smtClean="0"/>
+              <a:t>‹#›</a:t>
+            </a:fld>
+            <a:endParaRPr lang="en-IN"/>
+          </a:p>
+        </p:txBody>
+      </p:sp>
+    </p:spTree>
+    <p:extLst>
+      <p:ext uri="{BB962C8B-B14F-4D97-AF65-F5344CB8AC3E}">
+        <p14:creationId xmlns:p14="http://schemas.microsoft.com/office/powerpoint/2010/main" val="2192768487"/>
+      </p:ext>
+    </p:extLst>
+  </p:cSld>
+  <p:clrMapOvr>
+    <a:masterClrMapping/>
+  </p:clrMapOvr>
+</p:sldLayout>
+</file>
+
+<file path=ppt/slideLayouts/slideLayout16.xml><?xml version="1.0" encoding="utf-8"?>
 <p:sldLayout xmlns:a="http://schemas.openxmlformats.org/drawingml/2006/main" xmlns:r="http://schemas.openxmlformats.org/officeDocument/2006/relationships" xmlns:p="http://schemas.openxmlformats.org/presentationml/2006/main" type="vertTx" preserve="1">
   <p:cSld name="Title and Vertical Text">
     <p:spTree>
@@ -361,13 +2884,7 @@
       </p:grpSpPr>
       <p:sp>
         <p:nvSpPr>
-          <p:cNvPr id="2" name="Title 1">
-            <a:extLst>
-              <a:ext uri="{FF2B5EF4-FFF2-40B4-BE49-F238E27FC236}">
-                <a16:creationId xmlns:a16="http://schemas.microsoft.com/office/drawing/2014/main" id="{726E5CE6-888D-3350-D45E-A3A706229751}"/>
-              </a:ext>
-            </a:extLst>
-          </p:cNvPr>
+          <p:cNvPr id="2" name="Title 1"/>
           <p:cNvSpPr>
             <a:spLocks noGrp="1"/>
           </p:cNvSpPr>
@@ -384,19 +2901,13 @@
               <a:rPr lang="en-US"/>
               <a:t>Click to edit Master title style</a:t>
             </a:r>
-            <a:endParaRPr lang="en-IN"/>
-          </a:p>
-        </p:txBody>
-      </p:sp>
-      <p:sp>
-        <p:nvSpPr>
-          <p:cNvPr id="3" name="Vertical Text Placeholder 2">
-            <a:extLst>
-              <a:ext uri="{FF2B5EF4-FFF2-40B4-BE49-F238E27FC236}">
-                <a16:creationId xmlns:a16="http://schemas.microsoft.com/office/drawing/2014/main" id="{6DB72481-C97C-FE38-51F6-D333F618F357}"/>
-              </a:ext>
-            </a:extLst>
-          </p:cNvPr>
+            <a:endParaRPr lang="en-US" dirty="0"/>
+          </a:p>
+        </p:txBody>
+      </p:sp>
+      <p:sp>
+        <p:nvSpPr>
+          <p:cNvPr id="3" name="Vertical Text Placeholder 2"/>
           <p:cNvSpPr>
             <a:spLocks noGrp="1"/>
           </p:cNvSpPr>
@@ -442,19 +2953,13 @@
               <a:rPr lang="en-US"/>
               <a:t>Fifth level</a:t>
             </a:r>
-            <a:endParaRPr lang="en-IN"/>
-          </a:p>
-        </p:txBody>
-      </p:sp>
-      <p:sp>
-        <p:nvSpPr>
-          <p:cNvPr id="4" name="Date Placeholder 3">
-            <a:extLst>
-              <a:ext uri="{FF2B5EF4-FFF2-40B4-BE49-F238E27FC236}">
-                <a16:creationId xmlns:a16="http://schemas.microsoft.com/office/drawing/2014/main" id="{2F35D300-0D5B-3EA6-411B-D839804AD182}"/>
-              </a:ext>
-            </a:extLst>
-          </p:cNvPr>
+            <a:endParaRPr lang="en-US" dirty="0"/>
+          </a:p>
+        </p:txBody>
+      </p:sp>
+      <p:sp>
+        <p:nvSpPr>
+          <p:cNvPr id="4" name="Date Placeholder 3"/>
           <p:cNvSpPr>
             <a:spLocks noGrp="1"/>
           </p:cNvSpPr>
@@ -477,13 +2982,7 @@
       </p:sp>
       <p:sp>
         <p:nvSpPr>
-          <p:cNvPr id="5" name="Footer Placeholder 4">
-            <a:extLst>
-              <a:ext uri="{FF2B5EF4-FFF2-40B4-BE49-F238E27FC236}">
-                <a16:creationId xmlns:a16="http://schemas.microsoft.com/office/drawing/2014/main" id="{333D9309-C5CD-10AE-1A19-B90B8035C9C7}"/>
-              </a:ext>
-            </a:extLst>
-          </p:cNvPr>
+          <p:cNvPr id="5" name="Footer Placeholder 4"/>
           <p:cNvSpPr>
             <a:spLocks noGrp="1"/>
           </p:cNvSpPr>
@@ -502,13 +3001,7 @@
       </p:sp>
       <p:sp>
         <p:nvSpPr>
-          <p:cNvPr id="6" name="Slide Number Placeholder 5">
-            <a:extLst>
-              <a:ext uri="{FF2B5EF4-FFF2-40B4-BE49-F238E27FC236}">
-                <a16:creationId xmlns:a16="http://schemas.microsoft.com/office/drawing/2014/main" id="{E5CBB5FD-A3A5-1122-273F-CF881A38AEB6}"/>
-              </a:ext>
-            </a:extLst>
-          </p:cNvPr>
+          <p:cNvPr id="6" name="Slide Number Placeholder 5"/>
           <p:cNvSpPr>
             <a:spLocks noGrp="1"/>
           </p:cNvSpPr>
@@ -532,7 +3025,7 @@
     </p:spTree>
     <p:extLst>
       <p:ext uri="{BB962C8B-B14F-4D97-AF65-F5344CB8AC3E}">
-        <p14:creationId xmlns:p14="http://schemas.microsoft.com/office/powerpoint/2010/main" val="1156387657"/>
+        <p14:creationId xmlns:p14="http://schemas.microsoft.com/office/powerpoint/2010/main" val="423613594"/>
       </p:ext>
     </p:extLst>
   </p:cSld>
@@ -542,7 +3035,7 @@
 </p:sldLayout>
 </file>
 
-<file path=ppt/slideLayouts/slideLayout11.xml><?xml version="1.0" encoding="utf-8"?>
+<file path=ppt/slideLayouts/slideLayout17.xml><?xml version="1.0" encoding="utf-8"?>
 <p:sldLayout xmlns:a="http://schemas.openxmlformats.org/drawingml/2006/main" xmlns:r="http://schemas.openxmlformats.org/officeDocument/2006/relationships" xmlns:p="http://schemas.openxmlformats.org/presentationml/2006/main" type="vertTitleAndTx" preserve="1">
   <p:cSld name="Vertical Title and Text">
     <p:spTree>
@@ -561,13 +3054,7 @@
       </p:grpSpPr>
       <p:sp>
         <p:nvSpPr>
-          <p:cNvPr id="2" name="Vertical Title 1">
-            <a:extLst>
-              <a:ext uri="{FF2B5EF4-FFF2-40B4-BE49-F238E27FC236}">
-                <a16:creationId xmlns:a16="http://schemas.microsoft.com/office/drawing/2014/main" id="{CAA8909A-8951-4D34-4F78-6664DE2FEE7D}"/>
-              </a:ext>
-            </a:extLst>
-          </p:cNvPr>
+          <p:cNvPr id="2" name="Vertical Title 1"/>
           <p:cNvSpPr>
             <a:spLocks noGrp="1"/>
           </p:cNvSpPr>
@@ -577,31 +3064,29 @@
         </p:nvSpPr>
         <p:spPr>
           <a:xfrm>
-            <a:off x="8724900" y="365125"/>
-            <a:ext cx="2628900" cy="5811838"/>
+            <a:off x="8724900" y="609599"/>
+            <a:ext cx="2542657" cy="5181601"/>
           </a:xfrm>
         </p:spPr>
         <p:txBody>
           <a:bodyPr vert="eaVert"/>
-          <a:lstStyle/>
+          <a:lstStyle>
+            <a:lvl1pPr algn="l">
+              <a:defRPr/>
+            </a:lvl1pPr>
+          </a:lstStyle>
           <a:p>
             <a:r>
               <a:rPr lang="en-US"/>
               <a:t>Click to edit Master title style</a:t>
             </a:r>
-            <a:endParaRPr lang="en-IN"/>
-          </a:p>
-        </p:txBody>
-      </p:sp>
-      <p:sp>
-        <p:nvSpPr>
-          <p:cNvPr id="3" name="Vertical Text Placeholder 2">
-            <a:extLst>
-              <a:ext uri="{FF2B5EF4-FFF2-40B4-BE49-F238E27FC236}">
-                <a16:creationId xmlns:a16="http://schemas.microsoft.com/office/drawing/2014/main" id="{D7903DF1-3745-E18B-0A93-4EA72C0204D0}"/>
-              </a:ext>
-            </a:extLst>
-          </p:cNvPr>
+            <a:endParaRPr lang="en-US" dirty="0"/>
+          </a:p>
+        </p:txBody>
+      </p:sp>
+      <p:sp>
+        <p:nvSpPr>
+          <p:cNvPr id="3" name="Vertical Text Placeholder 2"/>
           <p:cNvSpPr>
             <a:spLocks noGrp="1"/>
           </p:cNvSpPr>
@@ -611,8 +3096,8 @@
         </p:nvSpPr>
         <p:spPr>
           <a:xfrm>
-            <a:off x="838200" y="365125"/>
-            <a:ext cx="7734300" cy="5811838"/>
+            <a:off x="913794" y="609599"/>
+            <a:ext cx="7658705" cy="5181601"/>
           </a:xfrm>
         </p:spPr>
         <p:txBody>
@@ -652,19 +3137,13 @@
               <a:rPr lang="en-US"/>
               <a:t>Fifth level</a:t>
             </a:r>
-            <a:endParaRPr lang="en-IN"/>
-          </a:p>
-        </p:txBody>
-      </p:sp>
-      <p:sp>
-        <p:nvSpPr>
-          <p:cNvPr id="4" name="Date Placeholder 3">
-            <a:extLst>
-              <a:ext uri="{FF2B5EF4-FFF2-40B4-BE49-F238E27FC236}">
-                <a16:creationId xmlns:a16="http://schemas.microsoft.com/office/drawing/2014/main" id="{2C886599-47D2-27B8-18F2-837893AD169D}"/>
-              </a:ext>
-            </a:extLst>
-          </p:cNvPr>
+            <a:endParaRPr lang="en-US" dirty="0"/>
+          </a:p>
+        </p:txBody>
+      </p:sp>
+      <p:sp>
+        <p:nvSpPr>
+          <p:cNvPr id="4" name="Date Placeholder 3"/>
           <p:cNvSpPr>
             <a:spLocks noGrp="1"/>
           </p:cNvSpPr>
@@ -687,13 +3166,7 @@
       </p:sp>
       <p:sp>
         <p:nvSpPr>
-          <p:cNvPr id="5" name="Footer Placeholder 4">
-            <a:extLst>
-              <a:ext uri="{FF2B5EF4-FFF2-40B4-BE49-F238E27FC236}">
-                <a16:creationId xmlns:a16="http://schemas.microsoft.com/office/drawing/2014/main" id="{0D4D55A6-C1C5-3C4A-0AC9-C2609A324EE3}"/>
-              </a:ext>
-            </a:extLst>
-          </p:cNvPr>
+          <p:cNvPr id="5" name="Footer Placeholder 4"/>
           <p:cNvSpPr>
             <a:spLocks noGrp="1"/>
           </p:cNvSpPr>
@@ -712,13 +3185,7 @@
       </p:sp>
       <p:sp>
         <p:nvSpPr>
-          <p:cNvPr id="6" name="Slide Number Placeholder 5">
-            <a:extLst>
-              <a:ext uri="{FF2B5EF4-FFF2-40B4-BE49-F238E27FC236}">
-                <a16:creationId xmlns:a16="http://schemas.microsoft.com/office/drawing/2014/main" id="{BCB4695D-209B-FF13-8E69-ED7C51C109B4}"/>
-              </a:ext>
-            </a:extLst>
-          </p:cNvPr>
+          <p:cNvPr id="6" name="Slide Number Placeholder 5"/>
           <p:cNvSpPr>
             <a:spLocks noGrp="1"/>
           </p:cNvSpPr>
@@ -742,7 +3209,7 @@
     </p:spTree>
     <p:extLst>
       <p:ext uri="{BB962C8B-B14F-4D97-AF65-F5344CB8AC3E}">
-        <p14:creationId xmlns:p14="http://schemas.microsoft.com/office/powerpoint/2010/main" val="1409343363"/>
+        <p14:creationId xmlns:p14="http://schemas.microsoft.com/office/powerpoint/2010/main" val="1012917321"/>
       </p:ext>
     </p:extLst>
   </p:cSld>
@@ -771,13 +3238,7 @@
       </p:grpSpPr>
       <p:sp>
         <p:nvSpPr>
-          <p:cNvPr id="2" name="Title 1">
-            <a:extLst>
-              <a:ext uri="{FF2B5EF4-FFF2-40B4-BE49-F238E27FC236}">
-                <a16:creationId xmlns:a16="http://schemas.microsoft.com/office/drawing/2014/main" id="{6F7EF2DC-516B-ACE6-947E-7703786CA8BD}"/>
-              </a:ext>
-            </a:extLst>
-          </p:cNvPr>
+          <p:cNvPr id="2" name="Title 1"/>
           <p:cNvSpPr>
             <a:spLocks noGrp="1"/>
           </p:cNvSpPr>
@@ -794,19 +3255,13 @@
               <a:rPr lang="en-US"/>
               <a:t>Click to edit Master title style</a:t>
             </a:r>
-            <a:endParaRPr lang="en-IN"/>
-          </a:p>
-        </p:txBody>
-      </p:sp>
-      <p:sp>
-        <p:nvSpPr>
-          <p:cNvPr id="3" name="Content Placeholder 2">
-            <a:extLst>
-              <a:ext uri="{FF2B5EF4-FFF2-40B4-BE49-F238E27FC236}">
-                <a16:creationId xmlns:a16="http://schemas.microsoft.com/office/drawing/2014/main" id="{6215E2E4-8E38-A72B-438A-A6EE3F18F98B}"/>
-              </a:ext>
-            </a:extLst>
-          </p:cNvPr>
+            <a:endParaRPr lang="en-US" dirty="0"/>
+          </a:p>
+        </p:txBody>
+      </p:sp>
+      <p:sp>
+        <p:nvSpPr>
+          <p:cNvPr id="3" name="Content Placeholder 2"/>
           <p:cNvSpPr>
             <a:spLocks noGrp="1"/>
           </p:cNvSpPr>
@@ -852,19 +3307,13 @@
               <a:rPr lang="en-US"/>
               <a:t>Fifth level</a:t>
             </a:r>
-            <a:endParaRPr lang="en-IN"/>
-          </a:p>
-        </p:txBody>
-      </p:sp>
-      <p:sp>
-        <p:nvSpPr>
-          <p:cNvPr id="4" name="Date Placeholder 3">
-            <a:extLst>
-              <a:ext uri="{FF2B5EF4-FFF2-40B4-BE49-F238E27FC236}">
-                <a16:creationId xmlns:a16="http://schemas.microsoft.com/office/drawing/2014/main" id="{EEC7498A-EDFA-9EC2-CF92-D33F58A69B2A}"/>
-              </a:ext>
-            </a:extLst>
-          </p:cNvPr>
+            <a:endParaRPr lang="en-US" dirty="0"/>
+          </a:p>
+        </p:txBody>
+      </p:sp>
+      <p:sp>
+        <p:nvSpPr>
+          <p:cNvPr id="4" name="Date Placeholder 3"/>
           <p:cNvSpPr>
             <a:spLocks noGrp="1"/>
           </p:cNvSpPr>
@@ -887,13 +3336,7 @@
       </p:sp>
       <p:sp>
         <p:nvSpPr>
-          <p:cNvPr id="5" name="Footer Placeholder 4">
-            <a:extLst>
-              <a:ext uri="{FF2B5EF4-FFF2-40B4-BE49-F238E27FC236}">
-                <a16:creationId xmlns:a16="http://schemas.microsoft.com/office/drawing/2014/main" id="{C2F1B4AC-2AD9-26FD-437D-FC16D209AD5E}"/>
-              </a:ext>
-            </a:extLst>
-          </p:cNvPr>
+          <p:cNvPr id="5" name="Footer Placeholder 4"/>
           <p:cNvSpPr>
             <a:spLocks noGrp="1"/>
           </p:cNvSpPr>
@@ -912,13 +3355,7 @@
       </p:sp>
       <p:sp>
         <p:nvSpPr>
-          <p:cNvPr id="6" name="Slide Number Placeholder 5">
-            <a:extLst>
-              <a:ext uri="{FF2B5EF4-FFF2-40B4-BE49-F238E27FC236}">
-                <a16:creationId xmlns:a16="http://schemas.microsoft.com/office/drawing/2014/main" id="{D7FB606A-4FA9-2120-5538-CB04F7F3E923}"/>
-              </a:ext>
-            </a:extLst>
-          </p:cNvPr>
+          <p:cNvPr id="6" name="Slide Number Placeholder 5"/>
           <p:cNvSpPr>
             <a:spLocks noGrp="1"/>
           </p:cNvSpPr>
@@ -942,7 +3379,7 @@
     </p:spTree>
     <p:extLst>
       <p:ext uri="{BB962C8B-B14F-4D97-AF65-F5344CB8AC3E}">
-        <p14:creationId xmlns:p14="http://schemas.microsoft.com/office/powerpoint/2010/main" val="1295586519"/>
+        <p14:creationId xmlns:p14="http://schemas.microsoft.com/office/powerpoint/2010/main" val="3097823875"/>
       </p:ext>
     </p:extLst>
   </p:cSld>
@@ -971,13 +3408,7 @@
       </p:grpSpPr>
       <p:sp>
         <p:nvSpPr>
-          <p:cNvPr id="2" name="Title 1">
-            <a:extLst>
-              <a:ext uri="{FF2B5EF4-FFF2-40B4-BE49-F238E27FC236}">
-                <a16:creationId xmlns:a16="http://schemas.microsoft.com/office/drawing/2014/main" id="{5FB5B180-88A2-6D3C-85C0-6A10A4A051F2}"/>
-              </a:ext>
-            </a:extLst>
-          </p:cNvPr>
+          <p:cNvPr id="2" name="Title 1"/>
           <p:cNvSpPr>
             <a:spLocks noGrp="1"/>
           </p:cNvSpPr>
@@ -987,15 +3418,17 @@
         </p:nvSpPr>
         <p:spPr>
           <a:xfrm>
-            <a:off x="831850" y="1709738"/>
-            <a:ext cx="10515600" cy="2852737"/>
+            <a:off x="1229244" y="657226"/>
+            <a:ext cx="9733512" cy="2852737"/>
           </a:xfrm>
         </p:spPr>
         <p:txBody>
-          <a:bodyPr anchor="b"/>
+          <a:bodyPr anchor="b">
+            <a:normAutofit/>
+          </a:bodyPr>
           <a:lstStyle>
             <a:lvl1pPr>
-              <a:defRPr sz="6000"/>
+              <a:defRPr sz="3400"/>
             </a:lvl1pPr>
           </a:lstStyle>
           <a:p>
@@ -1003,19 +3436,13 @@
               <a:rPr lang="en-US"/>
               <a:t>Click to edit Master title style</a:t>
             </a:r>
-            <a:endParaRPr lang="en-IN"/>
-          </a:p>
-        </p:txBody>
-      </p:sp>
-      <p:sp>
-        <p:nvSpPr>
-          <p:cNvPr id="3" name="Text Placeholder 2">
-            <a:extLst>
-              <a:ext uri="{FF2B5EF4-FFF2-40B4-BE49-F238E27FC236}">
-                <a16:creationId xmlns:a16="http://schemas.microsoft.com/office/drawing/2014/main" id="{A4729D1D-3D8F-5323-73A0-10C661EDEF3D}"/>
-              </a:ext>
-            </a:extLst>
-          </p:cNvPr>
+            <a:endParaRPr lang="en-US" dirty="0"/>
+          </a:p>
+        </p:txBody>
+      </p:sp>
+      <p:sp>
+        <p:nvSpPr>
+          <p:cNvPr id="3" name="Text Placeholder 2"/>
           <p:cNvSpPr>
             <a:spLocks noGrp="1"/>
           </p:cNvSpPr>
@@ -1025,14 +3452,14 @@
         </p:nvSpPr>
         <p:spPr>
           <a:xfrm>
-            <a:off x="831850" y="4589463"/>
-            <a:ext cx="10515600" cy="1500187"/>
+            <a:off x="1229244" y="3602038"/>
+            <a:ext cx="9733512" cy="1500187"/>
           </a:xfrm>
         </p:spPr>
         <p:txBody>
           <a:bodyPr/>
           <a:lstStyle>
-            <a:lvl1pPr marL="0" indent="0">
+            <a:lvl1pPr marL="0" indent="0" algn="ctr">
               <a:buNone/>
               <a:defRPr sz="2400">
                 <a:solidFill>
@@ -1134,13 +3561,7 @@
       </p:sp>
       <p:sp>
         <p:nvSpPr>
-          <p:cNvPr id="4" name="Date Placeholder 3">
-            <a:extLst>
-              <a:ext uri="{FF2B5EF4-FFF2-40B4-BE49-F238E27FC236}">
-                <a16:creationId xmlns:a16="http://schemas.microsoft.com/office/drawing/2014/main" id="{967540F4-F1E1-9797-B741-21686E991AD5}"/>
-              </a:ext>
-            </a:extLst>
-          </p:cNvPr>
+          <p:cNvPr id="4" name="Date Placeholder 3"/>
           <p:cNvSpPr>
             <a:spLocks noGrp="1"/>
           </p:cNvSpPr>
@@ -1163,13 +3584,7 @@
       </p:sp>
       <p:sp>
         <p:nvSpPr>
-          <p:cNvPr id="5" name="Footer Placeholder 4">
-            <a:extLst>
-              <a:ext uri="{FF2B5EF4-FFF2-40B4-BE49-F238E27FC236}">
-                <a16:creationId xmlns:a16="http://schemas.microsoft.com/office/drawing/2014/main" id="{02EA7F15-1A94-9F41-B55C-A1841B05FDD6}"/>
-              </a:ext>
-            </a:extLst>
-          </p:cNvPr>
+          <p:cNvPr id="5" name="Footer Placeholder 4"/>
           <p:cNvSpPr>
             <a:spLocks noGrp="1"/>
           </p:cNvSpPr>
@@ -1188,13 +3603,7 @@
       </p:sp>
       <p:sp>
         <p:nvSpPr>
-          <p:cNvPr id="6" name="Slide Number Placeholder 5">
-            <a:extLst>
-              <a:ext uri="{FF2B5EF4-FFF2-40B4-BE49-F238E27FC236}">
-                <a16:creationId xmlns:a16="http://schemas.microsoft.com/office/drawing/2014/main" id="{8C60DCE1-19E1-4458-4F51-0DD402DBA864}"/>
-              </a:ext>
-            </a:extLst>
-          </p:cNvPr>
+          <p:cNvPr id="6" name="Slide Number Placeholder 5"/>
           <p:cNvSpPr>
             <a:spLocks noGrp="1"/>
           </p:cNvSpPr>
@@ -1218,7 +3627,7 @@
     </p:spTree>
     <p:extLst>
       <p:ext uri="{BB962C8B-B14F-4D97-AF65-F5344CB8AC3E}">
-        <p14:creationId xmlns:p14="http://schemas.microsoft.com/office/powerpoint/2010/main" val="1582636608"/>
+        <p14:creationId xmlns:p14="http://schemas.microsoft.com/office/powerpoint/2010/main" val="2958624858"/>
       </p:ext>
     </p:extLst>
   </p:cSld>
@@ -1247,116 +3656,46 @@
       </p:grpSpPr>
       <p:sp>
         <p:nvSpPr>
-          <p:cNvPr id="2" name="Title 1">
-            <a:extLst>
-              <a:ext uri="{FF2B5EF4-FFF2-40B4-BE49-F238E27FC236}">
-                <a16:creationId xmlns:a16="http://schemas.microsoft.com/office/drawing/2014/main" id="{157179E2-A3DA-687A-2866-9BC4E20EC6E0}"/>
-              </a:ext>
-            </a:extLst>
-          </p:cNvPr>
+          <p:cNvPr id="2" name="Title 1"/>
           <p:cNvSpPr>
             <a:spLocks noGrp="1"/>
           </p:cNvSpPr>
           <p:nvPr>
             <p:ph type="title"/>
-          </p:nvPr>
-        </p:nvSpPr>
-        <p:spPr/>
-        <p:txBody>
-          <a:bodyPr/>
-          <a:lstStyle/>
-          <a:p>
-            <a:r>
-              <a:rPr lang="en-US"/>
-              <a:t>Click to edit Master title style</a:t>
-            </a:r>
-            <a:endParaRPr lang="en-IN"/>
-          </a:p>
-        </p:txBody>
-      </p:sp>
-      <p:sp>
-        <p:nvSpPr>
-          <p:cNvPr id="3" name="Content Placeholder 2">
-            <a:extLst>
-              <a:ext uri="{FF2B5EF4-FFF2-40B4-BE49-F238E27FC236}">
-                <a16:creationId xmlns:a16="http://schemas.microsoft.com/office/drawing/2014/main" id="{DACD49AB-9423-8175-786F-2238F25D3734}"/>
-              </a:ext>
-            </a:extLst>
-          </p:cNvPr>
-          <p:cNvSpPr>
-            <a:spLocks noGrp="1"/>
-          </p:cNvSpPr>
-          <p:nvPr>
-            <p:ph sz="half" idx="1"/>
           </p:nvPr>
         </p:nvSpPr>
         <p:spPr>
           <a:xfrm>
-            <a:off x="838200" y="1825625"/>
-            <a:ext cx="5181600" cy="4351338"/>
+            <a:off x="913795" y="609600"/>
+            <a:ext cx="10353761" cy="1326321"/>
           </a:xfrm>
         </p:spPr>
         <p:txBody>
           <a:bodyPr/>
           <a:lstStyle/>
           <a:p>
-            <a:pPr lvl="0"/>
-            <a:r>
-              <a:rPr lang="en-US"/>
-              <a:t>Click to edit Master text styles</a:t>
-            </a:r>
-          </a:p>
-          <a:p>
-            <a:pPr lvl="1"/>
-            <a:r>
-              <a:rPr lang="en-US"/>
-              <a:t>Second level</a:t>
-            </a:r>
-          </a:p>
-          <a:p>
-            <a:pPr lvl="2"/>
-            <a:r>
-              <a:rPr lang="en-US"/>
-              <a:t>Third level</a:t>
-            </a:r>
-          </a:p>
-          <a:p>
-            <a:pPr lvl="3"/>
-            <a:r>
-              <a:rPr lang="en-US"/>
-              <a:t>Fourth level</a:t>
-            </a:r>
-          </a:p>
-          <a:p>
-            <a:pPr lvl="4"/>
-            <a:r>
-              <a:rPr lang="en-US"/>
-              <a:t>Fifth level</a:t>
-            </a:r>
-            <a:endParaRPr lang="en-IN"/>
-          </a:p>
-        </p:txBody>
-      </p:sp>
-      <p:sp>
-        <p:nvSpPr>
-          <p:cNvPr id="4" name="Content Placeholder 3">
-            <a:extLst>
-              <a:ext uri="{FF2B5EF4-FFF2-40B4-BE49-F238E27FC236}">
-                <a16:creationId xmlns:a16="http://schemas.microsoft.com/office/drawing/2014/main" id="{8E613956-9D7D-5510-857E-53679AF32A1F}"/>
-              </a:ext>
-            </a:extLst>
-          </p:cNvPr>
-          <p:cNvSpPr>
-            <a:spLocks noGrp="1"/>
-          </p:cNvSpPr>
-          <p:nvPr>
-            <p:ph sz="half" idx="2"/>
+            <a:r>
+              <a:rPr lang="en-US"/>
+              <a:t>Click to edit Master title style</a:t>
+            </a:r>
+            <a:endParaRPr lang="en-US" dirty="0"/>
+          </a:p>
+        </p:txBody>
+      </p:sp>
+      <p:sp>
+        <p:nvSpPr>
+          <p:cNvPr id="3" name="Content Placeholder 2"/>
+          <p:cNvSpPr>
+            <a:spLocks noGrp="1"/>
+          </p:cNvSpPr>
+          <p:nvPr>
+            <p:ph sz="half" idx="1"/>
           </p:nvPr>
         </p:nvSpPr>
         <p:spPr>
           <a:xfrm>
-            <a:off x="6172200" y="1825625"/>
-            <a:ext cx="5181600" cy="4351338"/>
+            <a:off x="913795" y="2088319"/>
+            <a:ext cx="5106004" cy="3702881"/>
           </a:xfrm>
         </p:spPr>
         <p:txBody>
@@ -1396,19 +3735,70 @@
               <a:rPr lang="en-US"/>
               <a:t>Fifth level</a:t>
             </a:r>
-            <a:endParaRPr lang="en-IN"/>
-          </a:p>
-        </p:txBody>
-      </p:sp>
-      <p:sp>
-        <p:nvSpPr>
-          <p:cNvPr id="5" name="Date Placeholder 4">
-            <a:extLst>
-              <a:ext uri="{FF2B5EF4-FFF2-40B4-BE49-F238E27FC236}">
-                <a16:creationId xmlns:a16="http://schemas.microsoft.com/office/drawing/2014/main" id="{FFEAA206-79FC-8087-3F94-2EFBEB11DEEF}"/>
-              </a:ext>
-            </a:extLst>
-          </p:cNvPr>
+            <a:endParaRPr lang="en-US" dirty="0"/>
+          </a:p>
+        </p:txBody>
+      </p:sp>
+      <p:sp>
+        <p:nvSpPr>
+          <p:cNvPr id="4" name="Content Placeholder 3"/>
+          <p:cNvSpPr>
+            <a:spLocks noGrp="1"/>
+          </p:cNvSpPr>
+          <p:nvPr>
+            <p:ph sz="half" idx="2"/>
+          </p:nvPr>
+        </p:nvSpPr>
+        <p:spPr>
+          <a:xfrm>
+            <a:off x="6173403" y="2088319"/>
+            <a:ext cx="5094154" cy="3702881"/>
+          </a:xfrm>
+        </p:spPr>
+        <p:txBody>
+          <a:bodyPr/>
+          <a:lstStyle/>
+          <a:p>
+            <a:pPr lvl="0"/>
+            <a:r>
+              <a:rPr lang="en-US"/>
+              <a:t>Click to edit Master text styles</a:t>
+            </a:r>
+          </a:p>
+          <a:p>
+            <a:pPr lvl="1"/>
+            <a:r>
+              <a:rPr lang="en-US"/>
+              <a:t>Second level</a:t>
+            </a:r>
+          </a:p>
+          <a:p>
+            <a:pPr lvl="2"/>
+            <a:r>
+              <a:rPr lang="en-US"/>
+              <a:t>Third level</a:t>
+            </a:r>
+          </a:p>
+          <a:p>
+            <a:pPr lvl="3"/>
+            <a:r>
+              <a:rPr lang="en-US"/>
+              <a:t>Fourth level</a:t>
+            </a:r>
+          </a:p>
+          <a:p>
+            <a:pPr lvl="4"/>
+            <a:r>
+              <a:rPr lang="en-US"/>
+              <a:t>Fifth level</a:t>
+            </a:r>
+            <a:endParaRPr lang="en-US" dirty="0"/>
+          </a:p>
+        </p:txBody>
+      </p:sp>
+      <p:sp>
+        <p:nvSpPr>
+          <p:cNvPr id="5" name="Date Placeholder 4"/>
           <p:cNvSpPr>
             <a:spLocks noGrp="1"/>
           </p:cNvSpPr>
@@ -1431,13 +3821,7 @@
       </p:sp>
       <p:sp>
         <p:nvSpPr>
-          <p:cNvPr id="6" name="Footer Placeholder 5">
-            <a:extLst>
-              <a:ext uri="{FF2B5EF4-FFF2-40B4-BE49-F238E27FC236}">
-                <a16:creationId xmlns:a16="http://schemas.microsoft.com/office/drawing/2014/main" id="{DC9E254B-9A03-2FCF-4C36-BDAF733917F5}"/>
-              </a:ext>
-            </a:extLst>
-          </p:cNvPr>
+          <p:cNvPr id="6" name="Footer Placeholder 5"/>
           <p:cNvSpPr>
             <a:spLocks noGrp="1"/>
           </p:cNvSpPr>
@@ -1456,13 +3840,7 @@
       </p:sp>
       <p:sp>
         <p:nvSpPr>
-          <p:cNvPr id="7" name="Slide Number Placeholder 6">
-            <a:extLst>
-              <a:ext uri="{FF2B5EF4-FFF2-40B4-BE49-F238E27FC236}">
-                <a16:creationId xmlns:a16="http://schemas.microsoft.com/office/drawing/2014/main" id="{48565274-275D-818B-6BFA-60CED4B49CC8}"/>
-              </a:ext>
-            </a:extLst>
-          </p:cNvPr>
+          <p:cNvPr id="7" name="Slide Number Placeholder 6"/>
           <p:cNvSpPr>
             <a:spLocks noGrp="1"/>
           </p:cNvSpPr>
@@ -1486,7 +3864,7 @@
     </p:spTree>
     <p:extLst>
       <p:ext uri="{BB962C8B-B14F-4D97-AF65-F5344CB8AC3E}">
-        <p14:creationId xmlns:p14="http://schemas.microsoft.com/office/powerpoint/2010/main" val="3699052596"/>
+        <p14:creationId xmlns:p14="http://schemas.microsoft.com/office/powerpoint/2010/main" val="2911051805"/>
       </p:ext>
     </p:extLst>
   </p:cSld>
@@ -1515,13 +3893,7 @@
       </p:grpSpPr>
       <p:sp>
         <p:nvSpPr>
-          <p:cNvPr id="2" name="Title 1">
-            <a:extLst>
-              <a:ext uri="{FF2B5EF4-FFF2-40B4-BE49-F238E27FC236}">
-                <a16:creationId xmlns:a16="http://schemas.microsoft.com/office/drawing/2014/main" id="{332B3E88-BF71-54C4-618B-D395870E6EEB}"/>
-              </a:ext>
-            </a:extLst>
-          </p:cNvPr>
+          <p:cNvPr id="2" name="Title 1"/>
           <p:cNvSpPr>
             <a:spLocks noGrp="1"/>
           </p:cNvSpPr>
@@ -1531,8 +3903,8 @@
         </p:nvSpPr>
         <p:spPr>
           <a:xfrm>
-            <a:off x="839788" y="365125"/>
-            <a:ext cx="10515600" cy="1325563"/>
+            <a:off x="913795" y="609600"/>
+            <a:ext cx="10353761" cy="1325563"/>
           </a:xfrm>
         </p:spPr>
         <p:txBody>
@@ -1543,19 +3915,13 @@
               <a:rPr lang="en-US"/>
               <a:t>Click to edit Master title style</a:t>
             </a:r>
-            <a:endParaRPr lang="en-IN"/>
-          </a:p>
-        </p:txBody>
-      </p:sp>
-      <p:sp>
-        <p:nvSpPr>
-          <p:cNvPr id="3" name="Text Placeholder 2">
-            <a:extLst>
-              <a:ext uri="{FF2B5EF4-FFF2-40B4-BE49-F238E27FC236}">
-                <a16:creationId xmlns:a16="http://schemas.microsoft.com/office/drawing/2014/main" id="{CF892F90-5B0A-645A-F52E-8DB3F9B0A4F3}"/>
-              </a:ext>
-            </a:extLst>
-          </p:cNvPr>
+            <a:endParaRPr lang="en-US" dirty="0"/>
+          </a:p>
+        </p:txBody>
+      </p:sp>
+      <p:sp>
+        <p:nvSpPr>
+          <p:cNvPr id="3" name="Text Placeholder 2"/>
           <p:cNvSpPr>
             <a:spLocks noGrp="1"/>
           </p:cNvSpPr>
@@ -1565,14 +3931,17 @@
         </p:nvSpPr>
         <p:spPr>
           <a:xfrm>
-            <a:off x="839788" y="1681163"/>
-            <a:ext cx="5157787" cy="823912"/>
+            <a:off x="1141804" y="2088320"/>
+            <a:ext cx="4879199" cy="823912"/>
           </a:xfrm>
         </p:spPr>
         <p:txBody>
           <a:bodyPr anchor="b"/>
           <a:lstStyle>
             <a:lvl1pPr marL="0" indent="0">
+              <a:lnSpc>
+                <a:spcPct val="100000"/>
+              </a:lnSpc>
               <a:buNone/>
               <a:defRPr sz="2400" b="1"/>
             </a:lvl1pPr>
@@ -1620,13 +3989,7 @@
       </p:sp>
       <p:sp>
         <p:nvSpPr>
-          <p:cNvPr id="4" name="Content Placeholder 3">
-            <a:extLst>
-              <a:ext uri="{FF2B5EF4-FFF2-40B4-BE49-F238E27FC236}">
-                <a16:creationId xmlns:a16="http://schemas.microsoft.com/office/drawing/2014/main" id="{DA524447-9E2E-377B-6363-0D3FF5111E85}"/>
-              </a:ext>
-            </a:extLst>
-          </p:cNvPr>
+          <p:cNvPr id="4" name="Content Placeholder 3"/>
           <p:cNvSpPr>
             <a:spLocks noGrp="1"/>
           </p:cNvSpPr>
@@ -1636,8 +3999,8 @@
         </p:nvSpPr>
         <p:spPr>
           <a:xfrm>
-            <a:off x="839788" y="2505075"/>
-            <a:ext cx="5157787" cy="3684588"/>
+            <a:off x="913795" y="2912232"/>
+            <a:ext cx="5107208" cy="2878968"/>
           </a:xfrm>
         </p:spPr>
         <p:txBody>
@@ -1677,19 +4040,13 @@
               <a:rPr lang="en-US"/>
               <a:t>Fifth level</a:t>
             </a:r>
-            <a:endParaRPr lang="en-IN"/>
-          </a:p>
-        </p:txBody>
-      </p:sp>
-      <p:sp>
-        <p:nvSpPr>
-          <p:cNvPr id="5" name="Text Placeholder 4">
-            <a:extLst>
-              <a:ext uri="{FF2B5EF4-FFF2-40B4-BE49-F238E27FC236}">
-                <a16:creationId xmlns:a16="http://schemas.microsoft.com/office/drawing/2014/main" id="{A881561A-936A-1BAE-6677-EB132373C624}"/>
-              </a:ext>
-            </a:extLst>
-          </p:cNvPr>
+            <a:endParaRPr lang="en-US" dirty="0"/>
+          </a:p>
+        </p:txBody>
+      </p:sp>
+      <p:sp>
+        <p:nvSpPr>
+          <p:cNvPr id="5" name="Text Placeholder 4"/>
           <p:cNvSpPr>
             <a:spLocks noGrp="1"/>
           </p:cNvSpPr>
@@ -1699,14 +4056,17 @@
         </p:nvSpPr>
         <p:spPr>
           <a:xfrm>
-            <a:off x="6172200" y="1681163"/>
-            <a:ext cx="5183188" cy="823912"/>
+            <a:off x="6402003" y="2088320"/>
+            <a:ext cx="4865554" cy="823912"/>
           </a:xfrm>
         </p:spPr>
         <p:txBody>
           <a:bodyPr anchor="b"/>
           <a:lstStyle>
             <a:lvl1pPr marL="0" indent="0">
+              <a:lnSpc>
+                <a:spcPct val="100000"/>
+              </a:lnSpc>
               <a:buNone/>
               <a:defRPr sz="2400" b="1"/>
             </a:lvl1pPr>
@@ -1754,13 +4114,7 @@
       </p:sp>
       <p:sp>
         <p:nvSpPr>
-          <p:cNvPr id="6" name="Content Placeholder 5">
-            <a:extLst>
-              <a:ext uri="{FF2B5EF4-FFF2-40B4-BE49-F238E27FC236}">
-                <a16:creationId xmlns:a16="http://schemas.microsoft.com/office/drawing/2014/main" id="{31554898-2286-0E60-364C-F07EE6B7BD80}"/>
-              </a:ext>
-            </a:extLst>
-          </p:cNvPr>
+          <p:cNvPr id="6" name="Content Placeholder 5"/>
           <p:cNvSpPr>
             <a:spLocks noGrp="1"/>
           </p:cNvSpPr>
@@ -1770,8 +4124,8 @@
         </p:nvSpPr>
         <p:spPr>
           <a:xfrm>
-            <a:off x="6172200" y="2505075"/>
-            <a:ext cx="5183188" cy="3684588"/>
+            <a:off x="6172200" y="2912232"/>
+            <a:ext cx="5095357" cy="2878968"/>
           </a:xfrm>
         </p:spPr>
         <p:txBody>
@@ -1811,19 +4165,13 @@
               <a:rPr lang="en-US"/>
               <a:t>Fifth level</a:t>
             </a:r>
-            <a:endParaRPr lang="en-IN"/>
-          </a:p>
-        </p:txBody>
-      </p:sp>
-      <p:sp>
-        <p:nvSpPr>
-          <p:cNvPr id="7" name="Date Placeholder 6">
-            <a:extLst>
-              <a:ext uri="{FF2B5EF4-FFF2-40B4-BE49-F238E27FC236}">
-                <a16:creationId xmlns:a16="http://schemas.microsoft.com/office/drawing/2014/main" id="{1622381E-8E4A-8EE2-73E4-41F0DD3E49A5}"/>
-              </a:ext>
-            </a:extLst>
-          </p:cNvPr>
+            <a:endParaRPr lang="en-US" dirty="0"/>
+          </a:p>
+        </p:txBody>
+      </p:sp>
+      <p:sp>
+        <p:nvSpPr>
+          <p:cNvPr id="7" name="Date Placeholder 6"/>
           <p:cNvSpPr>
             <a:spLocks noGrp="1"/>
           </p:cNvSpPr>
@@ -1846,13 +4194,7 @@
       </p:sp>
       <p:sp>
         <p:nvSpPr>
-          <p:cNvPr id="8" name="Footer Placeholder 7">
-            <a:extLst>
-              <a:ext uri="{FF2B5EF4-FFF2-40B4-BE49-F238E27FC236}">
-                <a16:creationId xmlns:a16="http://schemas.microsoft.com/office/drawing/2014/main" id="{0C1A41F5-1A21-6744-9422-DAF8BA13695E}"/>
-              </a:ext>
-            </a:extLst>
-          </p:cNvPr>
+          <p:cNvPr id="8" name="Footer Placeholder 7"/>
           <p:cNvSpPr>
             <a:spLocks noGrp="1"/>
           </p:cNvSpPr>
@@ -1871,13 +4213,7 @@
       </p:sp>
       <p:sp>
         <p:nvSpPr>
-          <p:cNvPr id="9" name="Slide Number Placeholder 8">
-            <a:extLst>
-              <a:ext uri="{FF2B5EF4-FFF2-40B4-BE49-F238E27FC236}">
-                <a16:creationId xmlns:a16="http://schemas.microsoft.com/office/drawing/2014/main" id="{6877CC90-1FC4-296E-8CDA-B3FF0BA79F06}"/>
-              </a:ext>
-            </a:extLst>
-          </p:cNvPr>
+          <p:cNvPr id="9" name="Slide Number Placeholder 8"/>
           <p:cNvSpPr>
             <a:spLocks noGrp="1"/>
           </p:cNvSpPr>
@@ -1901,7 +4237,7 @@
     </p:spTree>
     <p:extLst>
       <p:ext uri="{BB962C8B-B14F-4D97-AF65-F5344CB8AC3E}">
-        <p14:creationId xmlns:p14="http://schemas.microsoft.com/office/powerpoint/2010/main" val="359048660"/>
+        <p14:creationId xmlns:p14="http://schemas.microsoft.com/office/powerpoint/2010/main" val="953418877"/>
       </p:ext>
     </p:extLst>
   </p:cSld>
@@ -1930,13 +4266,7 @@
       </p:grpSpPr>
       <p:sp>
         <p:nvSpPr>
-          <p:cNvPr id="2" name="Title 1">
-            <a:extLst>
-              <a:ext uri="{FF2B5EF4-FFF2-40B4-BE49-F238E27FC236}">
-                <a16:creationId xmlns:a16="http://schemas.microsoft.com/office/drawing/2014/main" id="{E37BC681-0E48-2274-F871-74FF3EF0A7E6}"/>
-              </a:ext>
-            </a:extLst>
-          </p:cNvPr>
+          <p:cNvPr id="2" name="Title 1"/>
           <p:cNvSpPr>
             <a:spLocks noGrp="1"/>
           </p:cNvSpPr>
@@ -1953,19 +4283,13 @@
               <a:rPr lang="en-US"/>
               <a:t>Click to edit Master title style</a:t>
             </a:r>
-            <a:endParaRPr lang="en-IN"/>
-          </a:p>
-        </p:txBody>
-      </p:sp>
-      <p:sp>
-        <p:nvSpPr>
-          <p:cNvPr id="3" name="Date Placeholder 2">
-            <a:extLst>
-              <a:ext uri="{FF2B5EF4-FFF2-40B4-BE49-F238E27FC236}">
-                <a16:creationId xmlns:a16="http://schemas.microsoft.com/office/drawing/2014/main" id="{E7F301A3-F767-E5BA-EB97-B786A99ABBED}"/>
-              </a:ext>
-            </a:extLst>
-          </p:cNvPr>
+            <a:endParaRPr lang="en-US" dirty="0"/>
+          </a:p>
+        </p:txBody>
+      </p:sp>
+      <p:sp>
+        <p:nvSpPr>
+          <p:cNvPr id="3" name="Date Placeholder 2"/>
           <p:cNvSpPr>
             <a:spLocks noGrp="1"/>
           </p:cNvSpPr>
@@ -1988,13 +4312,7 @@
       </p:sp>
       <p:sp>
         <p:nvSpPr>
-          <p:cNvPr id="4" name="Footer Placeholder 3">
-            <a:extLst>
-              <a:ext uri="{FF2B5EF4-FFF2-40B4-BE49-F238E27FC236}">
-                <a16:creationId xmlns:a16="http://schemas.microsoft.com/office/drawing/2014/main" id="{ACBAC1C5-8669-B131-A523-A35D75A84D81}"/>
-              </a:ext>
-            </a:extLst>
-          </p:cNvPr>
+          <p:cNvPr id="4" name="Footer Placeholder 3"/>
           <p:cNvSpPr>
             <a:spLocks noGrp="1"/>
           </p:cNvSpPr>
@@ -2013,13 +4331,7 @@
       </p:sp>
       <p:sp>
         <p:nvSpPr>
-          <p:cNvPr id="5" name="Slide Number Placeholder 4">
-            <a:extLst>
-              <a:ext uri="{FF2B5EF4-FFF2-40B4-BE49-F238E27FC236}">
-                <a16:creationId xmlns:a16="http://schemas.microsoft.com/office/drawing/2014/main" id="{189E9BE0-B0EA-A582-8E2F-46FABC397EEB}"/>
-              </a:ext>
-            </a:extLst>
-          </p:cNvPr>
+          <p:cNvPr id="5" name="Slide Number Placeholder 4"/>
           <p:cNvSpPr>
             <a:spLocks noGrp="1"/>
           </p:cNvSpPr>
@@ -2043,7 +4355,7 @@
     </p:spTree>
     <p:extLst>
       <p:ext uri="{BB962C8B-B14F-4D97-AF65-F5344CB8AC3E}">
-        <p14:creationId xmlns:p14="http://schemas.microsoft.com/office/powerpoint/2010/main" val="2654884064"/>
+        <p14:creationId xmlns:p14="http://schemas.microsoft.com/office/powerpoint/2010/main" val="614285344"/>
       </p:ext>
     </p:extLst>
   </p:cSld>
@@ -2072,13 +4384,7 @@
       </p:grpSpPr>
       <p:sp>
         <p:nvSpPr>
-          <p:cNvPr id="2" name="Date Placeholder 1">
-            <a:extLst>
-              <a:ext uri="{FF2B5EF4-FFF2-40B4-BE49-F238E27FC236}">
-                <a16:creationId xmlns:a16="http://schemas.microsoft.com/office/drawing/2014/main" id="{BD2C4290-9A53-4EA0-0D92-A8A9548790B4}"/>
-              </a:ext>
-            </a:extLst>
-          </p:cNvPr>
+          <p:cNvPr id="2" name="Date Placeholder 1"/>
           <p:cNvSpPr>
             <a:spLocks noGrp="1"/>
           </p:cNvSpPr>
@@ -2101,13 +4407,7 @@
       </p:sp>
       <p:sp>
         <p:nvSpPr>
-          <p:cNvPr id="3" name="Footer Placeholder 2">
-            <a:extLst>
-              <a:ext uri="{FF2B5EF4-FFF2-40B4-BE49-F238E27FC236}">
-                <a16:creationId xmlns:a16="http://schemas.microsoft.com/office/drawing/2014/main" id="{39C5D3DC-72BE-E495-DC78-3A598AF622CE}"/>
-              </a:ext>
-            </a:extLst>
-          </p:cNvPr>
+          <p:cNvPr id="3" name="Footer Placeholder 2"/>
           <p:cNvSpPr>
             <a:spLocks noGrp="1"/>
           </p:cNvSpPr>
@@ -2126,13 +4426,7 @@
       </p:sp>
       <p:sp>
         <p:nvSpPr>
-          <p:cNvPr id="4" name="Slide Number Placeholder 3">
-            <a:extLst>
-              <a:ext uri="{FF2B5EF4-FFF2-40B4-BE49-F238E27FC236}">
-                <a16:creationId xmlns:a16="http://schemas.microsoft.com/office/drawing/2014/main" id="{BAD03188-AE9D-201D-1A7A-41F36CF5B0B8}"/>
-              </a:ext>
-            </a:extLst>
-          </p:cNvPr>
+          <p:cNvPr id="4" name="Slide Number Placeholder 3"/>
           <p:cNvSpPr>
             <a:spLocks noGrp="1"/>
           </p:cNvSpPr>
@@ -2156,7 +4450,7 @@
     </p:spTree>
     <p:extLst>
       <p:ext uri="{BB962C8B-B14F-4D97-AF65-F5344CB8AC3E}">
-        <p14:creationId xmlns:p14="http://schemas.microsoft.com/office/powerpoint/2010/main" val="855238457"/>
+        <p14:creationId xmlns:p14="http://schemas.microsoft.com/office/powerpoint/2010/main" val="729121921"/>
       </p:ext>
     </p:extLst>
   </p:cSld>
@@ -2185,13 +4479,7 @@
       </p:grpSpPr>
       <p:sp>
         <p:nvSpPr>
-          <p:cNvPr id="2" name="Title 1">
-            <a:extLst>
-              <a:ext uri="{FF2B5EF4-FFF2-40B4-BE49-F238E27FC236}">
-                <a16:creationId xmlns:a16="http://schemas.microsoft.com/office/drawing/2014/main" id="{ED108EDE-FC3A-4FC2-6E01-7FFC2401A224}"/>
-              </a:ext>
-            </a:extLst>
-          </p:cNvPr>
+          <p:cNvPr id="2" name="Title 1"/>
           <p:cNvSpPr>
             <a:spLocks noGrp="1"/>
           </p:cNvSpPr>
@@ -2201,15 +4489,17 @@
         </p:nvSpPr>
         <p:spPr>
           <a:xfrm>
-            <a:off x="839788" y="457200"/>
-            <a:ext cx="3932237" cy="1600200"/>
+            <a:off x="917228" y="609600"/>
+            <a:ext cx="3932237" cy="2362200"/>
           </a:xfrm>
         </p:spPr>
         <p:txBody>
-          <a:bodyPr anchor="b"/>
+          <a:bodyPr anchor="b">
+            <a:normAutofit/>
+          </a:bodyPr>
           <a:lstStyle>
             <a:lvl1pPr>
-              <a:defRPr sz="3200"/>
+              <a:defRPr sz="2800"/>
             </a:lvl1pPr>
           </a:lstStyle>
           <a:p>
@@ -2217,19 +4507,13 @@
               <a:rPr lang="en-US"/>
               <a:t>Click to edit Master title style</a:t>
             </a:r>
-            <a:endParaRPr lang="en-IN"/>
-          </a:p>
-        </p:txBody>
-      </p:sp>
-      <p:sp>
-        <p:nvSpPr>
-          <p:cNvPr id="3" name="Content Placeholder 2">
-            <a:extLst>
-              <a:ext uri="{FF2B5EF4-FFF2-40B4-BE49-F238E27FC236}">
-                <a16:creationId xmlns:a16="http://schemas.microsoft.com/office/drawing/2014/main" id="{553F60A8-82F6-6E66-C3ED-20758228964A}"/>
-              </a:ext>
-            </a:extLst>
-          </p:cNvPr>
+            <a:endParaRPr lang="en-US" dirty="0"/>
+          </a:p>
+        </p:txBody>
+      </p:sp>
+      <p:sp>
+        <p:nvSpPr>
+          <p:cNvPr id="3" name="Content Placeholder 2"/>
           <p:cNvSpPr>
             <a:spLocks noGrp="1"/>
           </p:cNvSpPr>
@@ -2239,105 +4523,71 @@
         </p:nvSpPr>
         <p:spPr>
           <a:xfrm>
-            <a:off x="5183188" y="987425"/>
-            <a:ext cx="6172200" cy="4873625"/>
+            <a:off x="5078064" y="609600"/>
+            <a:ext cx="6189492" cy="5181600"/>
           </a:xfrm>
         </p:spPr>
         <p:txBody>
+          <a:bodyPr anchor="ctr"/>
+          <a:lstStyle/>
+          <a:p>
+            <a:pPr lvl="0"/>
+            <a:r>
+              <a:rPr lang="en-US"/>
+              <a:t>Click to edit Master text styles</a:t>
+            </a:r>
+          </a:p>
+          <a:p>
+            <a:pPr lvl="1"/>
+            <a:r>
+              <a:rPr lang="en-US"/>
+              <a:t>Second level</a:t>
+            </a:r>
+          </a:p>
+          <a:p>
+            <a:pPr lvl="2"/>
+            <a:r>
+              <a:rPr lang="en-US"/>
+              <a:t>Third level</a:t>
+            </a:r>
+          </a:p>
+          <a:p>
+            <a:pPr lvl="3"/>
+            <a:r>
+              <a:rPr lang="en-US"/>
+              <a:t>Fourth level</a:t>
+            </a:r>
+          </a:p>
+          <a:p>
+            <a:pPr lvl="4"/>
+            <a:r>
+              <a:rPr lang="en-US"/>
+              <a:t>Fifth level</a:t>
+            </a:r>
+            <a:endParaRPr lang="en-US" dirty="0"/>
+          </a:p>
+        </p:txBody>
+      </p:sp>
+      <p:sp>
+        <p:nvSpPr>
+          <p:cNvPr id="4" name="Text Placeholder 3"/>
+          <p:cNvSpPr>
+            <a:spLocks noGrp="1"/>
+          </p:cNvSpPr>
+          <p:nvPr>
+            <p:ph type="body" sz="half" idx="2"/>
+          </p:nvPr>
+        </p:nvSpPr>
+        <p:spPr>
+          <a:xfrm>
+            <a:off x="917228" y="2971800"/>
+            <a:ext cx="3932237" cy="2819399"/>
+          </a:xfrm>
+        </p:spPr>
+        <p:txBody>
           <a:bodyPr/>
           <a:lstStyle>
-            <a:lvl1pPr>
-              <a:defRPr sz="3200"/>
-            </a:lvl1pPr>
-            <a:lvl2pPr>
-              <a:defRPr sz="2800"/>
-            </a:lvl2pPr>
-            <a:lvl3pPr>
-              <a:defRPr sz="2400"/>
-            </a:lvl3pPr>
-            <a:lvl4pPr>
-              <a:defRPr sz="2000"/>
-            </a:lvl4pPr>
-            <a:lvl5pPr>
-              <a:defRPr sz="2000"/>
-            </a:lvl5pPr>
-            <a:lvl6pPr>
-              <a:defRPr sz="2000"/>
-            </a:lvl6pPr>
-            <a:lvl7pPr>
-              <a:defRPr sz="2000"/>
-            </a:lvl7pPr>
-            <a:lvl8pPr>
-              <a:defRPr sz="2000"/>
-            </a:lvl8pPr>
-            <a:lvl9pPr>
-              <a:defRPr sz="2000"/>
-            </a:lvl9pPr>
-          </a:lstStyle>
-          <a:p>
-            <a:pPr lvl="0"/>
-            <a:r>
-              <a:rPr lang="en-US"/>
-              <a:t>Click to edit Master text styles</a:t>
-            </a:r>
-          </a:p>
-          <a:p>
-            <a:pPr lvl="1"/>
-            <a:r>
-              <a:rPr lang="en-US"/>
-              <a:t>Second level</a:t>
-            </a:r>
-          </a:p>
-          <a:p>
-            <a:pPr lvl="2"/>
-            <a:r>
-              <a:rPr lang="en-US"/>
-              <a:t>Third level</a:t>
-            </a:r>
-          </a:p>
-          <a:p>
-            <a:pPr lvl="3"/>
-            <a:r>
-              <a:rPr lang="en-US"/>
-              <a:t>Fourth level</a:t>
-            </a:r>
-          </a:p>
-          <a:p>
-            <a:pPr lvl="4"/>
-            <a:r>
-              <a:rPr lang="en-US"/>
-              <a:t>Fifth level</a:t>
-            </a:r>
-            <a:endParaRPr lang="en-IN"/>
-          </a:p>
-        </p:txBody>
-      </p:sp>
-      <p:sp>
-        <p:nvSpPr>
-          <p:cNvPr id="4" name="Text Placeholder 3">
-            <a:extLst>
-              <a:ext uri="{FF2B5EF4-FFF2-40B4-BE49-F238E27FC236}">
-                <a16:creationId xmlns:a16="http://schemas.microsoft.com/office/drawing/2014/main" id="{E3271A99-8D46-B0FD-DD6E-97388939FE28}"/>
-              </a:ext>
-            </a:extLst>
-          </p:cNvPr>
-          <p:cNvSpPr>
-            <a:spLocks noGrp="1"/>
-          </p:cNvSpPr>
-          <p:nvPr>
-            <p:ph type="body" sz="half" idx="2"/>
-          </p:nvPr>
-        </p:nvSpPr>
-        <p:spPr>
-          <a:xfrm>
-            <a:off x="839788" y="2057400"/>
-            <a:ext cx="3932237" cy="3811588"/>
-          </a:xfrm>
-        </p:spPr>
-        <p:txBody>
-          <a:bodyPr/>
-          <a:lstStyle>
-            <a:lvl1pPr marL="0" indent="0">
+            <a:lvl1pPr marL="0" indent="0" algn="ctr">
               <a:buNone/>
               <a:defRPr sz="1600"/>
             </a:lvl1pPr>
@@ -2385,13 +4635,7 @@
       </p:sp>
       <p:sp>
         <p:nvSpPr>
-          <p:cNvPr id="5" name="Date Placeholder 4">
-            <a:extLst>
-              <a:ext uri="{FF2B5EF4-FFF2-40B4-BE49-F238E27FC236}">
-                <a16:creationId xmlns:a16="http://schemas.microsoft.com/office/drawing/2014/main" id="{64DF6D46-9896-63ED-292C-D7848B5833CA}"/>
-              </a:ext>
-            </a:extLst>
-          </p:cNvPr>
+          <p:cNvPr id="5" name="Date Placeholder 4"/>
           <p:cNvSpPr>
             <a:spLocks noGrp="1"/>
           </p:cNvSpPr>
@@ -2414,13 +4658,7 @@
       </p:sp>
       <p:sp>
         <p:nvSpPr>
-          <p:cNvPr id="6" name="Footer Placeholder 5">
-            <a:extLst>
-              <a:ext uri="{FF2B5EF4-FFF2-40B4-BE49-F238E27FC236}">
-                <a16:creationId xmlns:a16="http://schemas.microsoft.com/office/drawing/2014/main" id="{112C2EF7-D354-E7AD-BAC3-06C189488B75}"/>
-              </a:ext>
-            </a:extLst>
-          </p:cNvPr>
+          <p:cNvPr id="6" name="Footer Placeholder 5"/>
           <p:cNvSpPr>
             <a:spLocks noGrp="1"/>
           </p:cNvSpPr>
@@ -2439,13 +4677,7 @@
       </p:sp>
       <p:sp>
         <p:nvSpPr>
-          <p:cNvPr id="7" name="Slide Number Placeholder 6">
-            <a:extLst>
-              <a:ext uri="{FF2B5EF4-FFF2-40B4-BE49-F238E27FC236}">
-                <a16:creationId xmlns:a16="http://schemas.microsoft.com/office/drawing/2014/main" id="{AE98FF05-5995-DF0C-7855-E0A59C67EC15}"/>
-              </a:ext>
-            </a:extLst>
-          </p:cNvPr>
+          <p:cNvPr id="7" name="Slide Number Placeholder 6"/>
           <p:cNvSpPr>
             <a:spLocks noGrp="1"/>
           </p:cNvSpPr>
@@ -2469,7 +4701,7 @@
     </p:spTree>
     <p:extLst>
       <p:ext uri="{BB962C8B-B14F-4D97-AF65-F5344CB8AC3E}">
-        <p14:creationId xmlns:p14="http://schemas.microsoft.com/office/powerpoint/2010/main" val="4149083122"/>
+        <p14:creationId xmlns:p14="http://schemas.microsoft.com/office/powerpoint/2010/main" val="1869698174"/>
       </p:ext>
     </p:extLst>
   </p:cSld>
@@ -2498,13 +4730,7 @@
       </p:grpSpPr>
       <p:sp>
         <p:nvSpPr>
-          <p:cNvPr id="2" name="Title 1">
-            <a:extLst>
-              <a:ext uri="{FF2B5EF4-FFF2-40B4-BE49-F238E27FC236}">
-                <a16:creationId xmlns:a16="http://schemas.microsoft.com/office/drawing/2014/main" id="{617B32AA-1A4D-544B-9C5C-91D29C8401E8}"/>
-              </a:ext>
-            </a:extLst>
-          </p:cNvPr>
+          <p:cNvPr id="2" name="Title 1"/>
           <p:cNvSpPr>
             <a:spLocks noGrp="1"/>
           </p:cNvSpPr>
@@ -2514,12 +4740,14 @@
         </p:nvSpPr>
         <p:spPr>
           <a:xfrm>
-            <a:off x="839788" y="457200"/>
-            <a:ext cx="3932237" cy="1600200"/>
+            <a:off x="917227" y="609600"/>
+            <a:ext cx="5929773" cy="2362200"/>
           </a:xfrm>
         </p:spPr>
         <p:txBody>
-          <a:bodyPr anchor="b"/>
+          <a:bodyPr anchor="b">
+            <a:normAutofit/>
+          </a:bodyPr>
           <a:lstStyle>
             <a:lvl1pPr>
               <a:defRPr sz="3200"/>
@@ -2530,21 +4758,15 @@
               <a:rPr lang="en-US"/>
               <a:t>Click to edit Master title style</a:t>
             </a:r>
-            <a:endParaRPr lang="en-IN"/>
-          </a:p>
-        </p:txBody>
-      </p:sp>
-      <p:sp>
-        <p:nvSpPr>
-          <p:cNvPr id="3" name="Picture Placeholder 2">
-            <a:extLst>
-              <a:ext uri="{FF2B5EF4-FFF2-40B4-BE49-F238E27FC236}">
-                <a16:creationId xmlns:a16="http://schemas.microsoft.com/office/drawing/2014/main" id="{43EBA2A9-CBBE-CC51-83CF-1C98C5252649}"/>
-              </a:ext>
-            </a:extLst>
-          </p:cNvPr>
-          <p:cNvSpPr>
-            <a:spLocks noGrp="1"/>
+            <a:endParaRPr lang="en-US" dirty="0"/>
+          </a:p>
+        </p:txBody>
+      </p:sp>
+      <p:sp>
+        <p:nvSpPr>
+          <p:cNvPr id="3" name="Picture Placeholder 2"/>
+          <p:cNvSpPr>
+            <a:spLocks noGrp="1" noChangeAspect="1"/>
           </p:cNvSpPr>
           <p:nvPr>
             <p:ph type="pic" idx="1"/>
@@ -2552,14 +4774,40 @@
         </p:nvSpPr>
         <p:spPr>
           <a:xfrm>
-            <a:off x="5183188" y="987425"/>
-            <a:ext cx="6172200" cy="4873625"/>
+            <a:off x="7424804" y="758881"/>
+            <a:ext cx="3255356" cy="4883038"/>
           </a:xfrm>
+          <a:noFill/>
+          <a:ln w="190500" cap="sq">
+            <a:solidFill>
+              <a:srgbClr val="FFFFFF"/>
+            </a:solidFill>
+            <a:miter lim="800000"/>
+          </a:ln>
+          <a:effectLst>
+            <a:outerShdw blurRad="55000" dist="18000" dir="5400000" algn="tl" rotWithShape="0">
+              <a:srgbClr val="000000">
+                <a:alpha val="40000"/>
+              </a:srgbClr>
+            </a:outerShdw>
+          </a:effectLst>
+          <a:scene3d>
+            <a:camera prst="orthographicFront"/>
+            <a:lightRig rig="twoPt" dir="t">
+              <a:rot lat="0" lon="0" rev="7200000"/>
+            </a:lightRig>
+          </a:scene3d>
+          <a:sp3d>
+            <a:bevelT w="25400" h="19050"/>
+            <a:contourClr>
+              <a:srgbClr val="FFFFFF"/>
+            </a:contourClr>
+          </a:sp3d>
         </p:spPr>
         <p:txBody>
-          <a:bodyPr/>
+          <a:bodyPr anchor="t"/>
           <a:lstStyle>
-            <a:lvl1pPr marL="0" indent="0">
+            <a:lvl1pPr marL="0" indent="0" algn="ctr">
               <a:buNone/>
               <a:defRPr sz="3200"/>
             </a:lvl1pPr>
@@ -2597,19 +4845,17 @@
             </a:lvl9pPr>
           </a:lstStyle>
           <a:p>
-            <a:endParaRPr lang="en-IN"/>
-          </a:p>
-        </p:txBody>
-      </p:sp>
-      <p:sp>
-        <p:nvSpPr>
-          <p:cNvPr id="4" name="Text Placeholder 3">
-            <a:extLst>
-              <a:ext uri="{FF2B5EF4-FFF2-40B4-BE49-F238E27FC236}">
-                <a16:creationId xmlns:a16="http://schemas.microsoft.com/office/drawing/2014/main" id="{603C33FC-4BF6-794B-EE28-2C3B93D53F5C}"/>
-              </a:ext>
-            </a:extLst>
-          </p:cNvPr>
+            <a:r>
+              <a:rPr lang="en-US"/>
+              <a:t>Click icon to add picture</a:t>
+            </a:r>
+            <a:endParaRPr lang="en-US" dirty="0"/>
+          </a:p>
+        </p:txBody>
+      </p:sp>
+      <p:sp>
+        <p:nvSpPr>
+          <p:cNvPr id="4" name="Text Placeholder 3"/>
           <p:cNvSpPr>
             <a:spLocks noGrp="1"/>
           </p:cNvSpPr>
@@ -2619,16 +4865,18 @@
         </p:nvSpPr>
         <p:spPr>
           <a:xfrm>
-            <a:off x="839788" y="2057400"/>
-            <a:ext cx="3932237" cy="3811588"/>
+            <a:off x="913794" y="2971800"/>
+            <a:ext cx="5934950" cy="2819400"/>
           </a:xfrm>
         </p:spPr>
         <p:txBody>
-          <a:bodyPr/>
+          <a:bodyPr>
+            <a:normAutofit/>
+          </a:bodyPr>
           <a:lstStyle>
-            <a:lvl1pPr marL="0" indent="0">
-              <a:buNone/>
-              <a:defRPr sz="1600"/>
+            <a:lvl1pPr marL="0" indent="0" algn="ctr">
+              <a:buNone/>
+              <a:defRPr sz="1800"/>
             </a:lvl1pPr>
             <a:lvl2pPr marL="457200" indent="0">
               <a:buNone/>
@@ -2674,13 +4922,7 @@
       </p:sp>
       <p:sp>
         <p:nvSpPr>
-          <p:cNvPr id="5" name="Date Placeholder 4">
-            <a:extLst>
-              <a:ext uri="{FF2B5EF4-FFF2-40B4-BE49-F238E27FC236}">
-                <a16:creationId xmlns:a16="http://schemas.microsoft.com/office/drawing/2014/main" id="{59451276-4B45-589C-B755-3292B1CE15F9}"/>
-              </a:ext>
-            </a:extLst>
-          </p:cNvPr>
+          <p:cNvPr id="5" name="Date Placeholder 4"/>
           <p:cNvSpPr>
             <a:spLocks noGrp="1"/>
           </p:cNvSpPr>
@@ -2703,13 +4945,7 @@
       </p:sp>
       <p:sp>
         <p:nvSpPr>
-          <p:cNvPr id="6" name="Footer Placeholder 5">
-            <a:extLst>
-              <a:ext uri="{FF2B5EF4-FFF2-40B4-BE49-F238E27FC236}">
-                <a16:creationId xmlns:a16="http://schemas.microsoft.com/office/drawing/2014/main" id="{177C6DB8-5DD4-683A-AF17-D0B0C2728BFD}"/>
-              </a:ext>
-            </a:extLst>
-          </p:cNvPr>
+          <p:cNvPr id="6" name="Footer Placeholder 5"/>
           <p:cNvSpPr>
             <a:spLocks noGrp="1"/>
           </p:cNvSpPr>
@@ -2728,13 +4964,7 @@
       </p:sp>
       <p:sp>
         <p:nvSpPr>
-          <p:cNvPr id="7" name="Slide Number Placeholder 6">
-            <a:extLst>
-              <a:ext uri="{FF2B5EF4-FFF2-40B4-BE49-F238E27FC236}">
-                <a16:creationId xmlns:a16="http://schemas.microsoft.com/office/drawing/2014/main" id="{7E5CD7E4-38FE-2BA8-559F-57A1FBD2490F}"/>
-              </a:ext>
-            </a:extLst>
-          </p:cNvPr>
+          <p:cNvPr id="7" name="Slide Number Placeholder 6"/>
           <p:cNvSpPr>
             <a:spLocks noGrp="1"/>
           </p:cNvSpPr>
@@ -2758,7 +4988,7 @@
     </p:spTree>
     <p:extLst>
       <p:ext uri="{BB962C8B-B14F-4D97-AF65-F5344CB8AC3E}">
-        <p14:creationId xmlns:p14="http://schemas.microsoft.com/office/powerpoint/2010/main" val="743866970"/>
+        <p14:creationId xmlns:p14="http://schemas.microsoft.com/office/powerpoint/2010/main" val="2928483857"/>
       </p:ext>
     </p:extLst>
   </p:cSld>
@@ -2772,8 +5002,8 @@
 <p:sldMaster xmlns:a="http://schemas.openxmlformats.org/drawingml/2006/main" xmlns:r="http://schemas.openxmlformats.org/officeDocument/2006/relationships" xmlns:p="http://schemas.openxmlformats.org/presentationml/2006/main">
   <p:cSld>
     <p:bg>
-      <p:bgRef idx="1001">
-        <a:schemeClr val="bg1"/>
+      <p:bgRef idx="1003">
+        <a:schemeClr val="bg2"/>
       </p:bgRef>
     </p:bg>
     <p:spTree>
@@ -2792,13 +5022,7 @@
       </p:grpSpPr>
       <p:sp>
         <p:nvSpPr>
-          <p:cNvPr id="2" name="Title Placeholder 1">
-            <a:extLst>
-              <a:ext uri="{FF2B5EF4-FFF2-40B4-BE49-F238E27FC236}">
-                <a16:creationId xmlns:a16="http://schemas.microsoft.com/office/drawing/2014/main" id="{3DCB0B3A-1999-071A-7056-5E0453021752}"/>
-              </a:ext>
-            </a:extLst>
-          </p:cNvPr>
+          <p:cNvPr id="2" name="Title Placeholder 1"/>
           <p:cNvSpPr>
             <a:spLocks noGrp="1"/>
           </p:cNvSpPr>
@@ -2808,8 +5032,8 @@
         </p:nvSpPr>
         <p:spPr>
           <a:xfrm>
-            <a:off x="838200" y="365125"/>
-            <a:ext cx="10515600" cy="1325563"/>
+            <a:off x="913795" y="609600"/>
+            <a:ext cx="10353761" cy="1326321"/>
           </a:xfrm>
           <a:prstGeom prst="rect">
             <a:avLst/>
@@ -2825,19 +5049,13 @@
               <a:rPr lang="en-US"/>
               <a:t>Click to edit Master title style</a:t>
             </a:r>
-            <a:endParaRPr lang="en-IN"/>
-          </a:p>
-        </p:txBody>
-      </p:sp>
-      <p:sp>
-        <p:nvSpPr>
-          <p:cNvPr id="3" name="Text Placeholder 2">
-            <a:extLst>
-              <a:ext uri="{FF2B5EF4-FFF2-40B4-BE49-F238E27FC236}">
-                <a16:creationId xmlns:a16="http://schemas.microsoft.com/office/drawing/2014/main" id="{A2B460C3-2392-15AB-63AC-2EE99568BE47}"/>
-              </a:ext>
-            </a:extLst>
-          </p:cNvPr>
+            <a:endParaRPr lang="en-US" dirty="0"/>
+          </a:p>
+        </p:txBody>
+      </p:sp>
+      <p:sp>
+        <p:nvSpPr>
+          <p:cNvPr id="3" name="Text Placeholder 2"/>
           <p:cNvSpPr>
             <a:spLocks noGrp="1"/>
           </p:cNvSpPr>
@@ -2847,8 +5065,8 @@
         </p:nvSpPr>
         <p:spPr>
           <a:xfrm>
-            <a:off x="838200" y="1825625"/>
-            <a:ext cx="10515600" cy="4351338"/>
+            <a:off x="913795" y="2096064"/>
+            <a:ext cx="10353762" cy="3695136"/>
           </a:xfrm>
           <a:prstGeom prst="rect">
             <a:avLst/>
@@ -2893,19 +5111,13 @@
               <a:rPr lang="en-US"/>
               <a:t>Fifth level</a:t>
             </a:r>
-            <a:endParaRPr lang="en-IN"/>
-          </a:p>
-        </p:txBody>
-      </p:sp>
-      <p:sp>
-        <p:nvSpPr>
-          <p:cNvPr id="4" name="Date Placeholder 3">
-            <a:extLst>
-              <a:ext uri="{FF2B5EF4-FFF2-40B4-BE49-F238E27FC236}">
-                <a16:creationId xmlns:a16="http://schemas.microsoft.com/office/drawing/2014/main" id="{ECB896BF-BC1E-8CE6-FCC1-4D73819E8CDC}"/>
-              </a:ext>
-            </a:extLst>
-          </p:cNvPr>
+            <a:endParaRPr lang="en-US" dirty="0"/>
+          </a:p>
+        </p:txBody>
+      </p:sp>
+      <p:sp>
+        <p:nvSpPr>
+          <p:cNvPr id="4" name="Date Placeholder 3"/>
           <p:cNvSpPr>
             <a:spLocks noGrp="1"/>
           </p:cNvSpPr>
@@ -2915,7 +5127,7 @@
         </p:nvSpPr>
         <p:spPr>
           <a:xfrm>
-            <a:off x="838200" y="6356350"/>
+            <a:off x="7678736" y="5883275"/>
             <a:ext cx="2743200" cy="365125"/>
           </a:xfrm>
           <a:prstGeom prst="rect">
@@ -2925,8 +5137,8 @@
         <p:txBody>
           <a:bodyPr vert="horz" lIns="91440" tIns="45720" rIns="91440" bIns="45720" rtlCol="0" anchor="ctr"/>
           <a:lstStyle>
-            <a:lvl1pPr algn="l">
-              <a:defRPr sz="1200">
+            <a:lvl1pPr algn="r">
+              <a:defRPr sz="1000">
                 <a:solidFill>
                   <a:schemeClr val="tx1">
                     <a:tint val="75000"/>
@@ -2946,13 +5158,7 @@
       </p:sp>
       <p:sp>
         <p:nvSpPr>
-          <p:cNvPr id="5" name="Footer Placeholder 4">
-            <a:extLst>
-              <a:ext uri="{FF2B5EF4-FFF2-40B4-BE49-F238E27FC236}">
-                <a16:creationId xmlns:a16="http://schemas.microsoft.com/office/drawing/2014/main" id="{F1A28D00-0C16-4939-BA7A-EB86E382B3A5}"/>
-              </a:ext>
-            </a:extLst>
-          </p:cNvPr>
+          <p:cNvPr id="5" name="Footer Placeholder 4"/>
           <p:cNvSpPr>
             <a:spLocks noGrp="1"/>
           </p:cNvSpPr>
@@ -2962,8 +5168,8 @@
         </p:nvSpPr>
         <p:spPr>
           <a:xfrm>
-            <a:off x="4038600" y="6356350"/>
-            <a:ext cx="4114800" cy="365125"/>
+            <a:off x="913794" y="5883275"/>
+            <a:ext cx="6672865" cy="365125"/>
           </a:xfrm>
           <a:prstGeom prst="rect">
             <a:avLst/>
@@ -2972,8 +5178,8 @@
         <p:txBody>
           <a:bodyPr vert="horz" lIns="91440" tIns="45720" rIns="91440" bIns="45720" rtlCol="0" anchor="ctr"/>
           <a:lstStyle>
-            <a:lvl1pPr algn="ctr">
-              <a:defRPr sz="1200">
+            <a:lvl1pPr algn="l">
+              <a:defRPr sz="1000">
                 <a:solidFill>
                   <a:schemeClr val="tx1">
                     <a:tint val="75000"/>
@@ -2989,13 +5195,7 @@
       </p:sp>
       <p:sp>
         <p:nvSpPr>
-          <p:cNvPr id="6" name="Slide Number Placeholder 5">
-            <a:extLst>
-              <a:ext uri="{FF2B5EF4-FFF2-40B4-BE49-F238E27FC236}">
-                <a16:creationId xmlns:a16="http://schemas.microsoft.com/office/drawing/2014/main" id="{E898D7AA-F913-7DAF-DEF4-059237EDEB54}"/>
-              </a:ext>
-            </a:extLst>
-          </p:cNvPr>
+          <p:cNvPr id="6" name="Slide Number Placeholder 5"/>
           <p:cNvSpPr>
             <a:spLocks noGrp="1"/>
           </p:cNvSpPr>
@@ -3005,8 +5205,8 @@
         </p:nvSpPr>
         <p:spPr>
           <a:xfrm>
-            <a:off x="8610600" y="6356350"/>
-            <a:ext cx="2743200" cy="365125"/>
+            <a:off x="10514011" y="5883275"/>
+            <a:ext cx="753545" cy="365125"/>
           </a:xfrm>
           <a:prstGeom prst="rect">
             <a:avLst/>
@@ -3016,7 +5216,7 @@
           <a:bodyPr vert="horz" lIns="91440" tIns="45720" rIns="91440" bIns="45720" rtlCol="0" anchor="ctr"/>
           <a:lstStyle>
             <a:lvl1pPr algn="r">
-              <a:defRPr sz="1200">
+              <a:defRPr sz="1000">
                 <a:solidFill>
                   <a:schemeClr val="tx1">
                     <a:tint val="75000"/>
@@ -3037,27 +5237,33 @@
     </p:spTree>
     <p:extLst>
       <p:ext uri="{BB962C8B-B14F-4D97-AF65-F5344CB8AC3E}">
-        <p14:creationId xmlns:p14="http://schemas.microsoft.com/office/powerpoint/2010/main" val="138309085"/>
+        <p14:creationId xmlns:p14="http://schemas.microsoft.com/office/powerpoint/2010/main" val="713972535"/>
       </p:ext>
     </p:extLst>
   </p:cSld>
-  <p:clrMap bg1="lt1" tx1="dk1" bg2="lt2" tx2="dk2" accent1="accent1" accent2="accent2" accent3="accent3" accent4="accent4" accent5="accent5" accent6="accent6" hlink="hlink" folHlink="folHlink"/>
+  <p:clrMap bg1="dk1" tx1="lt1" bg2="dk2" tx2="lt2" accent1="accent1" accent2="accent2" accent3="accent3" accent4="accent4" accent5="accent5" accent6="accent6" hlink="hlink" folHlink="folHlink"/>
   <p:sldLayoutIdLst>
-    <p:sldLayoutId id="2147483649" r:id="rId1"/>
-    <p:sldLayoutId id="2147483650" r:id="rId2"/>
-    <p:sldLayoutId id="2147483651" r:id="rId3"/>
-    <p:sldLayoutId id="2147483652" r:id="rId4"/>
-    <p:sldLayoutId id="2147483653" r:id="rId5"/>
-    <p:sldLayoutId id="2147483654" r:id="rId6"/>
-    <p:sldLayoutId id="2147483655" r:id="rId7"/>
-    <p:sldLayoutId id="2147483656" r:id="rId8"/>
-    <p:sldLayoutId id="2147483657" r:id="rId9"/>
-    <p:sldLayoutId id="2147483658" r:id="rId10"/>
-    <p:sldLayoutId id="2147483659" r:id="rId11"/>
+    <p:sldLayoutId id="2147483697" r:id="rId1"/>
+    <p:sldLayoutId id="2147483698" r:id="rId2"/>
+    <p:sldLayoutId id="2147483699" r:id="rId3"/>
+    <p:sldLayoutId id="2147483700" r:id="rId4"/>
+    <p:sldLayoutId id="2147483701" r:id="rId5"/>
+    <p:sldLayoutId id="2147483702" r:id="rId6"/>
+    <p:sldLayoutId id="2147483703" r:id="rId7"/>
+    <p:sldLayoutId id="2147483704" r:id="rId8"/>
+    <p:sldLayoutId id="2147483705" r:id="rId9"/>
+    <p:sldLayoutId id="2147483706" r:id="rId10"/>
+    <p:sldLayoutId id="2147483707" r:id="rId11"/>
+    <p:sldLayoutId id="2147483708" r:id="rId12"/>
+    <p:sldLayoutId id="2147483709" r:id="rId13"/>
+    <p:sldLayoutId id="2147483710" r:id="rId14"/>
+    <p:sldLayoutId id="2147483711" r:id="rId15"/>
+    <p:sldLayoutId id="2147483712" r:id="rId16"/>
+    <p:sldLayoutId id="2147483713" r:id="rId17"/>
   </p:sldLayoutIdLst>
   <p:txStyles>
     <p:titleStyle>
-      <a:lvl1pPr algn="l" defTabSz="914400" rtl="0" eaLnBrk="1" latinLnBrk="0" hangingPunct="1">
+      <a:lvl1pPr algn="ctr" defTabSz="914400" rtl="0" eaLnBrk="1" latinLnBrk="0" hangingPunct="1">
         <a:lnSpc>
           <a:spcPct val="90000"/>
         </a:lnSpc>
@@ -3065,10 +5271,17 @@
           <a:spcPct val="0"/>
         </a:spcBef>
         <a:buNone/>
-        <a:defRPr sz="4400" kern="1200">
+        <a:defRPr sz="3400" b="1" i="0" kern="1200" cap="all">
           <a:solidFill>
             <a:schemeClr val="tx1"/>
           </a:solidFill>
+          <a:effectLst>
+            <a:outerShdw blurRad="50800" dist="63500" dir="2700000" algn="tl" rotWithShape="0">
+              <a:srgbClr val="000000">
+                <a:alpha val="48000"/>
+              </a:srgbClr>
+            </a:outerShdw>
+          </a:effectLst>
           <a:latin typeface="+mj-lt"/>
           <a:ea typeface="+mj-ea"/>
           <a:cs typeface="+mj-cs"/>
@@ -3078,17 +5291,24 @@
     <p:bodyStyle>
       <a:lvl1pPr marL="228600" indent="-228600" algn="l" defTabSz="914400" rtl="0" eaLnBrk="1" latinLnBrk="0" hangingPunct="1">
         <a:lnSpc>
-          <a:spcPct val="90000"/>
+          <a:spcPct val="120000"/>
         </a:lnSpc>
         <a:spcBef>
           <a:spcPts val="1000"/>
         </a:spcBef>
         <a:buFont typeface="Arial" panose="020B0604020202020204" pitchFamily="34" charset="0"/>
         <a:buChar char="•"/>
-        <a:defRPr sz="2800" kern="1200">
+        <a:defRPr sz="2000" kern="1200">
           <a:solidFill>
             <a:schemeClr val="tx1"/>
           </a:solidFill>
+          <a:effectLst>
+            <a:outerShdw blurRad="50800" dist="38100" dir="2700000" algn="tl" rotWithShape="0">
+              <a:srgbClr val="000000">
+                <a:alpha val="48000"/>
+              </a:srgbClr>
+            </a:outerShdw>
+          </a:effectLst>
           <a:latin typeface="+mn-lt"/>
           <a:ea typeface="+mn-ea"/>
           <a:cs typeface="+mn-cs"/>
@@ -3096,43 +5316,7 @@
       </a:lvl1pPr>
       <a:lvl2pPr marL="685800" indent="-228600" algn="l" defTabSz="914400" rtl="0" eaLnBrk="1" latinLnBrk="0" hangingPunct="1">
         <a:lnSpc>
-          <a:spcPct val="90000"/>
-        </a:lnSpc>
-        <a:spcBef>
-          <a:spcPts val="500"/>
-        </a:spcBef>
-        <a:buFont typeface="Arial" panose="020B0604020202020204" pitchFamily="34" charset="0"/>
-        <a:buChar char="•"/>
-        <a:defRPr sz="2400" kern="1200">
-          <a:solidFill>
-            <a:schemeClr val="tx1"/>
-          </a:solidFill>
-          <a:latin typeface="+mn-lt"/>
-          <a:ea typeface="+mn-ea"/>
-          <a:cs typeface="+mn-cs"/>
-        </a:defRPr>
-      </a:lvl2pPr>
-      <a:lvl3pPr marL="1143000" indent="-228600" algn="l" defTabSz="914400" rtl="0" eaLnBrk="1" latinLnBrk="0" hangingPunct="1">
-        <a:lnSpc>
-          <a:spcPct val="90000"/>
-        </a:lnSpc>
-        <a:spcBef>
-          <a:spcPts val="500"/>
-        </a:spcBef>
-        <a:buFont typeface="Arial" panose="020B0604020202020204" pitchFamily="34" charset="0"/>
-        <a:buChar char="•"/>
-        <a:defRPr sz="2000" kern="1200">
-          <a:solidFill>
-            <a:schemeClr val="tx1"/>
-          </a:solidFill>
-          <a:latin typeface="+mn-lt"/>
-          <a:ea typeface="+mn-ea"/>
-          <a:cs typeface="+mn-cs"/>
-        </a:defRPr>
-      </a:lvl3pPr>
-      <a:lvl4pPr marL="1600200" indent="-228600" algn="l" defTabSz="914400" rtl="0" eaLnBrk="1" latinLnBrk="0" hangingPunct="1">
-        <a:lnSpc>
-          <a:spcPct val="90000"/>
+          <a:spcPct val="120000"/>
         </a:lnSpc>
         <a:spcBef>
           <a:spcPts val="500"/>
@@ -3143,6 +5327,63 @@
           <a:solidFill>
             <a:schemeClr val="tx1"/>
           </a:solidFill>
+          <a:effectLst>
+            <a:outerShdw blurRad="50800" dist="38100" dir="2700000" algn="tl" rotWithShape="0">
+              <a:srgbClr val="000000">
+                <a:alpha val="48000"/>
+              </a:srgbClr>
+            </a:outerShdw>
+          </a:effectLst>
+          <a:latin typeface="+mn-lt"/>
+          <a:ea typeface="+mn-ea"/>
+          <a:cs typeface="+mn-cs"/>
+        </a:defRPr>
+      </a:lvl2pPr>
+      <a:lvl3pPr marL="1143000" indent="-228600" algn="l" defTabSz="914400" rtl="0" eaLnBrk="1" latinLnBrk="0" hangingPunct="1">
+        <a:lnSpc>
+          <a:spcPct val="120000"/>
+        </a:lnSpc>
+        <a:spcBef>
+          <a:spcPts val="500"/>
+        </a:spcBef>
+        <a:buFont typeface="Arial" panose="020B0604020202020204" pitchFamily="34" charset="0"/>
+        <a:buChar char="•"/>
+        <a:defRPr sz="1600" kern="1200">
+          <a:solidFill>
+            <a:schemeClr val="tx1"/>
+          </a:solidFill>
+          <a:effectLst>
+            <a:outerShdw blurRad="50800" dist="38100" dir="2700000" algn="tl" rotWithShape="0">
+              <a:srgbClr val="000000">
+                <a:alpha val="48000"/>
+              </a:srgbClr>
+            </a:outerShdw>
+          </a:effectLst>
+          <a:latin typeface="+mn-lt"/>
+          <a:ea typeface="+mn-ea"/>
+          <a:cs typeface="+mn-cs"/>
+        </a:defRPr>
+      </a:lvl3pPr>
+      <a:lvl4pPr marL="1600200" indent="-228600" algn="l" defTabSz="914400" rtl="0" eaLnBrk="1" latinLnBrk="0" hangingPunct="1">
+        <a:lnSpc>
+          <a:spcPct val="120000"/>
+        </a:lnSpc>
+        <a:spcBef>
+          <a:spcPts val="500"/>
+        </a:spcBef>
+        <a:buFont typeface="Arial" panose="020B0604020202020204" pitchFamily="34" charset="0"/>
+        <a:buChar char="•"/>
+        <a:defRPr sz="1400" kern="1200">
+          <a:solidFill>
+            <a:schemeClr val="tx1"/>
+          </a:solidFill>
+          <a:effectLst>
+            <a:outerShdw blurRad="50800" dist="38100" dir="2700000" algn="tl" rotWithShape="0">
+              <a:srgbClr val="000000">
+                <a:alpha val="48000"/>
+              </a:srgbClr>
+            </a:outerShdw>
+          </a:effectLst>
           <a:latin typeface="+mn-lt"/>
           <a:ea typeface="+mn-ea"/>
           <a:cs typeface="+mn-cs"/>
@@ -3150,17 +5391,24 @@
       </a:lvl4pPr>
       <a:lvl5pPr marL="2057400" indent="-228600" algn="l" defTabSz="914400" rtl="0" eaLnBrk="1" latinLnBrk="0" hangingPunct="1">
         <a:lnSpc>
-          <a:spcPct val="90000"/>
+          <a:spcPct val="120000"/>
         </a:lnSpc>
         <a:spcBef>
           <a:spcPts val="500"/>
         </a:spcBef>
         <a:buFont typeface="Arial" panose="020B0604020202020204" pitchFamily="34" charset="0"/>
         <a:buChar char="•"/>
-        <a:defRPr sz="1800" kern="1200">
+        <a:defRPr sz="1200" kern="1200">
           <a:solidFill>
             <a:schemeClr val="tx1"/>
           </a:solidFill>
+          <a:effectLst>
+            <a:outerShdw blurRad="50800" dist="38100" dir="2700000" algn="tl" rotWithShape="0">
+              <a:srgbClr val="000000">
+                <a:alpha val="48000"/>
+              </a:srgbClr>
+            </a:outerShdw>
+          </a:effectLst>
           <a:latin typeface="+mn-lt"/>
           <a:ea typeface="+mn-ea"/>
           <a:cs typeface="+mn-cs"/>
@@ -3168,17 +5416,24 @@
       </a:lvl5pPr>
       <a:lvl6pPr marL="2514600" indent="-228600" algn="l" defTabSz="914400" rtl="0" eaLnBrk="1" latinLnBrk="0" hangingPunct="1">
         <a:lnSpc>
-          <a:spcPct val="90000"/>
+          <a:spcPct val="120000"/>
         </a:lnSpc>
         <a:spcBef>
           <a:spcPts val="500"/>
         </a:spcBef>
         <a:buFont typeface="Arial" panose="020B0604020202020204" pitchFamily="34" charset="0"/>
         <a:buChar char="•"/>
-        <a:defRPr sz="1800" kern="1200">
+        <a:defRPr sz="1200" kern="1200">
           <a:solidFill>
             <a:schemeClr val="tx1"/>
           </a:solidFill>
+          <a:effectLst>
+            <a:outerShdw blurRad="50800" dist="38100" dir="2700000" algn="tl" rotWithShape="0">
+              <a:srgbClr val="000000">
+                <a:alpha val="48000"/>
+              </a:srgbClr>
+            </a:outerShdw>
+          </a:effectLst>
           <a:latin typeface="+mn-lt"/>
           <a:ea typeface="+mn-ea"/>
           <a:cs typeface="+mn-cs"/>
@@ -3186,17 +5441,24 @@
       </a:lvl6pPr>
       <a:lvl7pPr marL="2971800" indent="-228600" algn="l" defTabSz="914400" rtl="0" eaLnBrk="1" latinLnBrk="0" hangingPunct="1">
         <a:lnSpc>
-          <a:spcPct val="90000"/>
+          <a:spcPct val="120000"/>
         </a:lnSpc>
         <a:spcBef>
           <a:spcPts val="500"/>
         </a:spcBef>
         <a:buFont typeface="Arial" panose="020B0604020202020204" pitchFamily="34" charset="0"/>
         <a:buChar char="•"/>
-        <a:defRPr sz="1800" kern="1200">
+        <a:defRPr sz="1200" kern="1200">
           <a:solidFill>
             <a:schemeClr val="tx1"/>
           </a:solidFill>
+          <a:effectLst>
+            <a:outerShdw blurRad="50800" dist="38100" dir="2700000" algn="tl" rotWithShape="0">
+              <a:srgbClr val="000000">
+                <a:alpha val="48000"/>
+              </a:srgbClr>
+            </a:outerShdw>
+          </a:effectLst>
           <a:latin typeface="+mn-lt"/>
           <a:ea typeface="+mn-ea"/>
           <a:cs typeface="+mn-cs"/>
@@ -3204,17 +5466,24 @@
       </a:lvl7pPr>
       <a:lvl8pPr marL="3429000" indent="-228600" algn="l" defTabSz="914400" rtl="0" eaLnBrk="1" latinLnBrk="0" hangingPunct="1">
         <a:lnSpc>
-          <a:spcPct val="90000"/>
+          <a:spcPct val="120000"/>
         </a:lnSpc>
         <a:spcBef>
           <a:spcPts val="500"/>
         </a:spcBef>
         <a:buFont typeface="Arial" panose="020B0604020202020204" pitchFamily="34" charset="0"/>
         <a:buChar char="•"/>
-        <a:defRPr sz="1800" kern="1200">
+        <a:defRPr sz="1200" kern="1200">
           <a:solidFill>
             <a:schemeClr val="tx1"/>
           </a:solidFill>
+          <a:effectLst>
+            <a:outerShdw blurRad="50800" dist="38100" dir="2700000" algn="tl" rotWithShape="0">
+              <a:srgbClr val="000000">
+                <a:alpha val="48000"/>
+              </a:srgbClr>
+            </a:outerShdw>
+          </a:effectLst>
           <a:latin typeface="+mn-lt"/>
           <a:ea typeface="+mn-ea"/>
           <a:cs typeface="+mn-cs"/>
@@ -3222,17 +5491,24 @@
       </a:lvl8pPr>
       <a:lvl9pPr marL="3886200" indent="-228600" algn="l" defTabSz="914400" rtl="0" eaLnBrk="1" latinLnBrk="0" hangingPunct="1">
         <a:lnSpc>
-          <a:spcPct val="90000"/>
+          <a:spcPct val="120000"/>
         </a:lnSpc>
         <a:spcBef>
           <a:spcPts val="500"/>
         </a:spcBef>
         <a:buFont typeface="Arial" panose="020B0604020202020204" pitchFamily="34" charset="0"/>
         <a:buChar char="•"/>
-        <a:defRPr sz="1800" kern="1200">
+        <a:defRPr sz="1200" kern="1200">
           <a:solidFill>
             <a:schemeClr val="tx1"/>
           </a:solidFill>
+          <a:effectLst>
+            <a:outerShdw blurRad="50800" dist="38100" dir="2700000" algn="tl" rotWithShape="0">
+              <a:srgbClr val="000000">
+                <a:alpha val="48000"/>
+              </a:srgbClr>
+            </a:outerShdw>
+          </a:effectLst>
           <a:latin typeface="+mn-lt"/>
           <a:ea typeface="+mn-ea"/>
           <a:cs typeface="+mn-cs"/>
@@ -3373,7 +5649,9 @@
         </p:nvSpPr>
         <p:spPr/>
         <p:txBody>
-          <a:bodyPr/>
+          <a:bodyPr>
+            <a:normAutofit fontScale="90000"/>
+          </a:bodyPr>
           <a:lstStyle/>
           <a:p>
             <a:r>
@@ -3409,7 +5687,9 @@
         </p:nvSpPr>
         <p:spPr/>
         <p:txBody>
-          <a:bodyPr/>
+          <a:bodyPr>
+            <a:normAutofit fontScale="92500" lnSpcReduction="20000"/>
+          </a:bodyPr>
           <a:lstStyle/>
           <a:p>
             <a:pPr algn="l"/>
@@ -3515,15 +5795,14 @@
               </a:ext>
             </a:extLst>
           </a:blip>
-          <a:srcRect/>
           <a:stretch>
             <a:fillRect/>
           </a:stretch>
         </p:blipFill>
         <p:spPr bwMode="auto">
           <a:xfrm>
-            <a:off x="3052094" y="1825625"/>
-            <a:ext cx="6087811" cy="4351338"/>
+            <a:off x="3505972" y="2095500"/>
+            <a:ext cx="5170530" cy="3695700"/>
           </a:xfrm>
           <a:prstGeom prst="rect">
             <a:avLst/>
@@ -3587,6 +5866,7 @@
           <a:bodyPr/>
           <a:lstStyle/>
           <a:p>
+            <a:pPr algn="l"/>
             <a:r>
               <a:rPr lang="en-US" dirty="0"/>
               <a:t>Activity Diagram</a:t>
@@ -3626,7 +5906,7 @@
         </p:blipFill>
         <p:spPr bwMode="auto">
           <a:xfrm>
-            <a:off x="5534108" y="0"/>
+            <a:off x="6090675" y="0"/>
             <a:ext cx="4833506" cy="6740149"/>
           </a:xfrm>
           <a:prstGeom prst="rect">
@@ -4175,6 +6455,153 @@
 </p:sld>
 </file>
 
+<file path=ppt/slides/slide15.xml><?xml version="1.0" encoding="utf-8"?>
+<p:sld xmlns:a="http://schemas.openxmlformats.org/drawingml/2006/main" xmlns:r="http://schemas.openxmlformats.org/officeDocument/2006/relationships" xmlns:p="http://schemas.openxmlformats.org/presentationml/2006/main">
+  <p:cSld>
+    <p:spTree>
+      <p:nvGrpSpPr>
+        <p:cNvPr id="1" name=""/>
+        <p:cNvGrpSpPr/>
+        <p:nvPr/>
+      </p:nvGrpSpPr>
+      <p:grpSpPr>
+        <a:xfrm>
+          <a:off x="0" y="0"/>
+          <a:ext cx="0" cy="0"/>
+          <a:chOff x="0" y="0"/>
+          <a:chExt cx="0" cy="0"/>
+        </a:xfrm>
+      </p:grpSpPr>
+      <p:sp>
+        <p:nvSpPr>
+          <p:cNvPr id="2" name="Title 1">
+            <a:extLst>
+              <a:ext uri="{FF2B5EF4-FFF2-40B4-BE49-F238E27FC236}">
+                <a16:creationId xmlns:a16="http://schemas.microsoft.com/office/drawing/2014/main" id="{C4148F14-460A-93E9-3FE6-972680767817}"/>
+              </a:ext>
+            </a:extLst>
+          </p:cNvPr>
+          <p:cNvSpPr>
+            <a:spLocks noGrp="1"/>
+          </p:cNvSpPr>
+          <p:nvPr>
+            <p:ph type="title"/>
+          </p:nvPr>
+        </p:nvSpPr>
+        <p:spPr/>
+        <p:txBody>
+          <a:bodyPr/>
+          <a:lstStyle/>
+          <a:p>
+            <a:r>
+              <a:rPr lang="en-US" dirty="0"/>
+              <a:t>Conclusion and future scope</a:t>
+            </a:r>
+            <a:endParaRPr lang="en-IN" dirty="0"/>
+          </a:p>
+        </p:txBody>
+      </p:sp>
+      <p:sp>
+        <p:nvSpPr>
+          <p:cNvPr id="3" name="Content Placeholder 2">
+            <a:extLst>
+              <a:ext uri="{FF2B5EF4-FFF2-40B4-BE49-F238E27FC236}">
+                <a16:creationId xmlns:a16="http://schemas.microsoft.com/office/drawing/2014/main" id="{166961C5-4D9A-D7C9-92E6-508676C8CE16}"/>
+              </a:ext>
+            </a:extLst>
+          </p:cNvPr>
+          <p:cNvSpPr>
+            <a:spLocks noGrp="1"/>
+          </p:cNvSpPr>
+          <p:nvPr>
+            <p:ph idx="1"/>
+          </p:nvPr>
+        </p:nvSpPr>
+        <p:spPr>
+          <a:xfrm>
+            <a:off x="652007" y="2096064"/>
+            <a:ext cx="10543430" cy="4583032"/>
+          </a:xfrm>
+        </p:spPr>
+        <p:txBody>
+          <a:bodyPr>
+            <a:normAutofit/>
+          </a:bodyPr>
+          <a:lstStyle/>
+          <a:p>
+            <a:r>
+              <a:rPr lang="en-US" dirty="0"/>
+              <a:t>Allows users to navigate the traveling process independently.</a:t>
+            </a:r>
+          </a:p>
+          <a:p>
+            <a:r>
+              <a:rPr lang="en-US" dirty="0"/>
+              <a:t>Provides recommendations for great places to visit.</a:t>
+            </a:r>
+          </a:p>
+          <a:p>
+            <a:r>
+              <a:rPr lang="en-US" dirty="0"/>
+              <a:t>Offers routes for travel.</a:t>
+            </a:r>
+          </a:p>
+          <a:p>
+            <a:r>
+              <a:rPr lang="en-US" dirty="0"/>
+              <a:t>Includes live support for user navigation during travels.</a:t>
+            </a:r>
+          </a:p>
+          <a:p>
+            <a:r>
+              <a:rPr lang="en-US" dirty="0"/>
+              <a:t>Future Scope:</a:t>
+            </a:r>
+          </a:p>
+          <a:p>
+            <a:pPr lvl="1"/>
+            <a:r>
+              <a:rPr lang="en-US" dirty="0"/>
+              <a:t>Upgrade the machine learning model.</a:t>
+            </a:r>
+          </a:p>
+          <a:p>
+            <a:pPr lvl="1"/>
+            <a:r>
+              <a:rPr lang="en-US" dirty="0"/>
+              <a:t>Add a collaborative model to enhance output refinement.</a:t>
+            </a:r>
+          </a:p>
+          <a:p>
+            <a:pPr lvl="1"/>
+            <a:r>
+              <a:rPr lang="en-US" dirty="0"/>
+              <a:t>Integrate additional functions to centralize all travel-related information within the app.</a:t>
+            </a:r>
+          </a:p>
+          <a:p>
+            <a:pPr lvl="1"/>
+            <a:r>
+              <a:rPr lang="en-US" dirty="0"/>
+              <a:t>Aim to cover all aspects of traveling and touring within the application.</a:t>
+            </a:r>
+            <a:endParaRPr lang="en-IN" dirty="0"/>
+          </a:p>
+        </p:txBody>
+      </p:sp>
+    </p:spTree>
+    <p:extLst>
+      <p:ext uri="{BB962C8B-B14F-4D97-AF65-F5344CB8AC3E}">
+        <p14:creationId xmlns:p14="http://schemas.microsoft.com/office/powerpoint/2010/main" val="2468336892"/>
+      </p:ext>
+    </p:extLst>
+  </p:cSld>
+  <p:clrMapOvr>
+    <a:masterClrMapping/>
+  </p:clrMapOvr>
+</p:sld>
+</file>
+
 <file path=ppt/slides/slide2.xml><?xml version="1.0" encoding="utf-8"?>
 <p:sld xmlns:a="http://schemas.openxmlformats.org/drawingml/2006/main" xmlns:r="http://schemas.openxmlformats.org/officeDocument/2006/relationships" xmlns:p="http://schemas.openxmlformats.org/presentationml/2006/main">
   <p:cSld>
@@ -4240,7 +6667,7 @@
         <p:spPr/>
         <p:txBody>
           <a:bodyPr>
-            <a:normAutofit fontScale="77500" lnSpcReduction="20000"/>
+            <a:normAutofit fontScale="62500" lnSpcReduction="20000"/>
           </a:bodyPr>
           <a:lstStyle/>
           <a:p>
@@ -4496,7 +6923,7 @@
         <p:spPr/>
         <p:txBody>
           <a:bodyPr>
-            <a:normAutofit fontScale="55000" lnSpcReduction="20000"/>
+            <a:normAutofit fontScale="32500" lnSpcReduction="20000"/>
           </a:bodyPr>
           <a:lstStyle/>
           <a:p>
@@ -5721,6 +8148,7 @@
           <a:bodyPr/>
           <a:lstStyle/>
           <a:p>
+            <a:pPr algn="l"/>
             <a:r>
               <a:rPr lang="en-US" dirty="0"/>
               <a:t>Pert Chart</a:t>
@@ -5911,9 +8339,9 @@
 </file>
 
 <file path=ppt/theme/theme1.xml><?xml version="1.0" encoding="utf-8"?>
-<a:theme xmlns:a="http://schemas.openxmlformats.org/drawingml/2006/main" name="Office Theme">
+<a:theme xmlns:a="http://schemas.openxmlformats.org/drawingml/2006/main" name="Damask">
   <a:themeElements>
-    <a:clrScheme name="Office">
+    <a:clrScheme name="Damask">
       <a:dk1>
         <a:sysClr val="windowText" lastClr="000000"/>
       </a:dk1>
@@ -5921,44 +8349,44 @@
         <a:sysClr val="window" lastClr="FFFFFF"/>
       </a:lt1>
       <a:dk2>
-        <a:srgbClr val="44546A"/>
+        <a:srgbClr val="2A5B7F"/>
       </a:dk2>
       <a:lt2>
-        <a:srgbClr val="E7E6E6"/>
+        <a:srgbClr val="ABDAFC"/>
       </a:lt2>
       <a:accent1>
-        <a:srgbClr val="4472C4"/>
+        <a:srgbClr val="9EC544"/>
       </a:accent1>
       <a:accent2>
-        <a:srgbClr val="ED7D31"/>
+        <a:srgbClr val="50BEA3"/>
       </a:accent2>
       <a:accent3>
-        <a:srgbClr val="A5A5A5"/>
+        <a:srgbClr val="4A9CCC"/>
       </a:accent3>
       <a:accent4>
-        <a:srgbClr val="FFC000"/>
+        <a:srgbClr val="9A66CA"/>
       </a:accent4>
       <a:accent5>
-        <a:srgbClr val="5B9BD5"/>
+        <a:srgbClr val="C54F71"/>
       </a:accent5>
       <a:accent6>
-        <a:srgbClr val="70AD47"/>
+        <a:srgbClr val="DE9C3C"/>
       </a:accent6>
       <a:hlink>
-        <a:srgbClr val="0563C1"/>
+        <a:srgbClr val="6BA9DA"/>
       </a:hlink>
       <a:folHlink>
-        <a:srgbClr val="954F72"/>
+        <a:srgbClr val="A0BCD3"/>
       </a:folHlink>
     </a:clrScheme>
-    <a:fontScheme name="Office">
+    <a:fontScheme name="Damask">
       <a:majorFont>
-        <a:latin typeface="Calibri Light" panose="020F0302020204030204"/>
+        <a:latin typeface="Bookman Old Style" panose="02050604050505020204"/>
         <a:ea typeface=""/>
         <a:cs typeface=""/>
-        <a:font script="Jpan" typeface="游ゴシック Light"/>
+        <a:font script="Jpan" typeface="ＭＳ Ｐゴシック"/>
         <a:font script="Hang" typeface="맑은 고딕"/>
-        <a:font script="Hans" typeface="等线 Light"/>
+        <a:font script="Hans" typeface="宋体"/>
         <a:font script="Hant" typeface="新細明體"/>
         <a:font script="Arab" typeface="Times New Roman"/>
         <a:font script="Hebr" typeface="Times New Roman"/>
@@ -5986,31 +8414,14 @@
         <a:font script="Viet" typeface="Times New Roman"/>
         <a:font script="Uigh" typeface="Microsoft Uighur"/>
         <a:font script="Geor" typeface="Sylfaen"/>
-        <a:font script="Armn" typeface="Arial"/>
-        <a:font script="Bugi" typeface="Leelawadee UI"/>
-        <a:font script="Bopo" typeface="Microsoft JhengHei"/>
-        <a:font script="Java" typeface="Javanese Text"/>
-        <a:font script="Lisu" typeface="Segoe UI"/>
-        <a:font script="Mymr" typeface="Myanmar Text"/>
-        <a:font script="Nkoo" typeface="Ebrima"/>
-        <a:font script="Olck" typeface="Nirmala UI"/>
-        <a:font script="Osma" typeface="Ebrima"/>
-        <a:font script="Phag" typeface="Phagspa"/>
-        <a:font script="Syrn" typeface="Estrangelo Edessa"/>
-        <a:font script="Syrj" typeface="Estrangelo Edessa"/>
-        <a:font script="Syre" typeface="Estrangelo Edessa"/>
-        <a:font script="Sora" typeface="Nirmala UI"/>
-        <a:font script="Tale" typeface="Microsoft Tai Le"/>
-        <a:font script="Talu" typeface="Microsoft New Tai Lue"/>
-        <a:font script="Tfng" typeface="Ebrima"/>
       </a:majorFont>
       <a:minorFont>
-        <a:latin typeface="Calibri" panose="020F0502020204030204"/>
+        <a:latin typeface="Rockwell" panose="02060603020205020403"/>
         <a:ea typeface=""/>
         <a:cs typeface=""/>
-        <a:font script="Jpan" typeface="游ゴシック"/>
+        <a:font script="Jpan" typeface="ＭＳ Ｐゴシック"/>
         <a:font script="Hang" typeface="맑은 고딕"/>
-        <a:font script="Hans" typeface="等线"/>
+        <a:font script="Hans" typeface="宋体"/>
         <a:font script="Hant" typeface="新細明體"/>
         <a:font script="Arab" typeface="Arial"/>
         <a:font script="Hebr" typeface="Arial"/>
@@ -6038,26 +8449,9 @@
         <a:font script="Viet" typeface="Arial"/>
         <a:font script="Uigh" typeface="Microsoft Uighur"/>
         <a:font script="Geor" typeface="Sylfaen"/>
-        <a:font script="Armn" typeface="Arial"/>
-        <a:font script="Bugi" typeface="Leelawadee UI"/>
-        <a:font script="Bopo" typeface="Microsoft JhengHei"/>
-        <a:font script="Java" typeface="Javanese Text"/>
-        <a:font script="Lisu" typeface="Segoe UI"/>
-        <a:font script="Mymr" typeface="Myanmar Text"/>
-        <a:font script="Nkoo" typeface="Ebrima"/>
-        <a:font script="Olck" typeface="Nirmala UI"/>
-        <a:font script="Osma" typeface="Ebrima"/>
-        <a:font script="Phag" typeface="Phagspa"/>
-        <a:font script="Syrn" typeface="Estrangelo Edessa"/>
-        <a:font script="Syrj" typeface="Estrangelo Edessa"/>
-        <a:font script="Syre" typeface="Estrangelo Edessa"/>
-        <a:font script="Sora" typeface="Nirmala UI"/>
-        <a:font script="Tale" typeface="Microsoft Tai Le"/>
-        <a:font script="Talu" typeface="Microsoft New Tai Lue"/>
-        <a:font script="Tfng" typeface="Ebrima"/>
       </a:minorFont>
     </a:fontScheme>
-    <a:fmtScheme name="Office">
+    <a:fmtScheme name="Damask">
       <a:fillStyleLst>
         <a:solidFill>
           <a:schemeClr val="phClr"/>
@@ -6066,23 +8460,16 @@
           <a:gsLst>
             <a:gs pos="0">
               <a:schemeClr val="phClr">
+                <a:tint val="48000"/>
+                <a:satMod val="105000"/>
                 <a:lumMod val="110000"/>
-                <a:satMod val="105000"/>
-                <a:tint val="67000"/>
-              </a:schemeClr>
-            </a:gs>
-            <a:gs pos="50000">
-              <a:schemeClr val="phClr">
-                <a:lumMod val="105000"/>
-                <a:satMod val="103000"/>
-                <a:tint val="73000"/>
               </a:schemeClr>
             </a:gs>
             <a:gs pos="100000">
               <a:schemeClr val="phClr">
-                <a:lumMod val="105000"/>
+                <a:tint val="78000"/>
                 <a:satMod val="109000"/>
-                <a:tint val="81000"/>
+                <a:lumMod val="100000"/>
               </a:schemeClr>
             </a:gs>
           </a:gsLst>
@@ -6092,23 +8479,23 @@
           <a:gsLst>
             <a:gs pos="0">
               <a:schemeClr val="phClr">
-                <a:satMod val="103000"/>
-                <a:lumMod val="102000"/>
                 <a:tint val="94000"/>
+                <a:satMod val="100000"/>
+                <a:lumMod val="104000"/>
               </a:schemeClr>
             </a:gs>
-            <a:gs pos="50000">
+            <a:gs pos="69000">
               <a:schemeClr val="phClr">
-                <a:satMod val="110000"/>
-                <a:lumMod val="100000"/>
-                <a:shade val="100000"/>
+                <a:shade val="86000"/>
+                <a:satMod val="130000"/>
+                <a:lumMod val="102000"/>
               </a:schemeClr>
             </a:gs>
             <a:gs pos="100000">
               <a:schemeClr val="phClr">
-                <a:lumMod val="99000"/>
-                <a:satMod val="120000"/>
-                <a:shade val="78000"/>
+                <a:shade val="72000"/>
+                <a:satMod val="130000"/>
+                <a:lumMod val="100000"/>
               </a:schemeClr>
             </a:gs>
           </a:gsLst>
@@ -6116,26 +8503,23 @@
         </a:gradFill>
       </a:fillStyleLst>
       <a:lnStyleLst>
-        <a:ln w="6350" cap="flat" cmpd="sng" algn="ctr">
-          <a:solidFill>
-            <a:schemeClr val="phClr"/>
-          </a:solidFill>
-          <a:prstDash val="solid"/>
-          <a:miter lim="800000"/>
-        </a:ln>
         <a:ln w="12700" cap="flat" cmpd="sng" algn="ctr">
           <a:solidFill>
             <a:schemeClr val="phClr"/>
           </a:solidFill>
           <a:prstDash val="solid"/>
-          <a:miter lim="800000"/>
         </a:ln>
         <a:ln w="19050" cap="flat" cmpd="sng" algn="ctr">
           <a:solidFill>
             <a:schemeClr val="phClr"/>
           </a:solidFill>
           <a:prstDash val="solid"/>
-          <a:miter lim="800000"/>
+        </a:ln>
+        <a:ln w="25400" cap="flat" cmpd="sng" algn="ctr">
+          <a:solidFill>
+            <a:schemeClr val="phClr"/>
+          </a:solidFill>
+          <a:prstDash val="solid"/>
         </a:ln>
       </a:lnStyleLst>
       <a:effectStyleLst>
@@ -6143,16 +8527,31 @@
           <a:effectLst/>
         </a:effectStyle>
         <a:effectStyle>
-          <a:effectLst/>
+          <a:effectLst>
+            <a:outerShdw blurRad="50800" dist="38100" dir="5400000" sy="96000" rotWithShape="0">
+              <a:srgbClr val="000000">
+                <a:alpha val="54000"/>
+              </a:srgbClr>
+            </a:outerShdw>
+          </a:effectLst>
         </a:effectStyle>
         <a:effectStyle>
           <a:effectLst>
-            <a:outerShdw blurRad="57150" dist="19050" dir="5400000" algn="ctr" rotWithShape="0">
+            <a:outerShdw blurRad="76200" dist="38100" dir="5400000" algn="ctr" rotWithShape="0">
               <a:srgbClr val="000000">
-                <a:alpha val="63000"/>
+                <a:alpha val="76000"/>
               </a:srgbClr>
             </a:outerShdw>
           </a:effectLst>
+          <a:scene3d>
+            <a:camera prst="orthographicFront">
+              <a:rot lat="0" lon="0" rev="0"/>
+            </a:camera>
+            <a:lightRig rig="balanced" dir="t"/>
+          </a:scene3d>
+          <a:sp3d prstMaterial="matte">
+            <a:bevelT w="25400" h="25400" prst="relaxedInset"/>
+          </a:sp3d>
         </a:effectStyle>
       </a:effectStyleLst>
       <a:bgFillStyleLst>
@@ -6165,33 +8564,23 @@
             <a:satMod val="170000"/>
           </a:schemeClr>
         </a:solidFill>
-        <a:gradFill rotWithShape="1">
-          <a:gsLst>
-            <a:gs pos="0">
+        <a:blipFill rotWithShape="1">
+          <a:blip xmlns:r="http://schemas.openxmlformats.org/officeDocument/2006/relationships" r:embed="rId1">
+            <a:duotone>
               <a:schemeClr val="phClr">
-                <a:tint val="93000"/>
-                <a:satMod val="150000"/>
-                <a:shade val="98000"/>
-                <a:lumMod val="102000"/>
+                <a:shade val="18000"/>
+                <a:satMod val="160000"/>
+                <a:lumMod val="28000"/>
               </a:schemeClr>
-            </a:gs>
-            <a:gs pos="50000">
               <a:schemeClr val="phClr">
-                <a:tint val="98000"/>
-                <a:satMod val="130000"/>
-                <a:shade val="90000"/>
-                <a:lumMod val="103000"/>
+                <a:tint val="95000"/>
+                <a:satMod val="160000"/>
+                <a:lumMod val="116000"/>
               </a:schemeClr>
-            </a:gs>
-            <a:gs pos="100000">
-              <a:schemeClr val="phClr">
-                <a:shade val="63000"/>
-                <a:satMod val="120000"/>
-              </a:schemeClr>
-            </a:gs>
-          </a:gsLst>
-          <a:lin ang="5400000" scaled="0"/>
-        </a:gradFill>
+            </a:duotone>
+          </a:blip>
+          <a:stretch/>
+        </a:blipFill>
       </a:bgFillStyleLst>
     </a:fmtScheme>
   </a:themeElements>
@@ -6199,7 +8588,7 @@
   <a:extraClrSchemeLst/>
   <a:extLst>
     <a:ext uri="{05A4C25C-085E-4340-85A3-A5531E510DB2}">
-      <thm15:themeFamily xmlns:thm15="http://schemas.microsoft.com/office/thememl/2012/main" name="Office Theme" id="{62F939B6-93AF-4DB8-9C6B-D6C7DFDC589F}" vid="{4A3C46E8-61CC-4603-A589-7422A47A8E4A}"/>
+      <thm15:themeFamily xmlns:thm15="http://schemas.microsoft.com/office/thememl/2012/main" name="Damask" id="{F9A299A0-33D0-4E0F-9F3F-7163E3744208}" vid="{746EEEEA-FB6A-406B-B510-531588D54811}"/>
     </a:ext>
   </a:extLst>
 </a:theme>

--- a/Report/Tourism Recommendation Application.pptx
+++ b/Report/Tourism Recommendation Application.pptx
@@ -5656,9 +5656,6 @@
           <a:p>
             <a:r>
               <a:rPr lang="en-IN" sz="6000" dirty="0">
-                <a:solidFill>
-                  <a:srgbClr val="000000"/>
-                </a:solidFill>
                 <a:effectLst/>
                 <a:latin typeface="Times New Roman" panose="02020603050405020304" pitchFamily="18" charset="0"/>
                 <a:ea typeface="Times New Roman" panose="02020603050405020304" pitchFamily="18" charset="0"/>
@@ -5688,21 +5685,21 @@
         <p:spPr/>
         <p:txBody>
           <a:bodyPr>
-            <a:normAutofit fontScale="92500" lnSpcReduction="20000"/>
+            <a:normAutofit/>
           </a:bodyPr>
           <a:lstStyle/>
           <a:p>
             <a:pPr algn="l"/>
             <a:r>
               <a:rPr lang="en-US" dirty="0"/>
-              <a:t>Guide: Ruchi Sawhney				By: Ankit Alex Minz</a:t>
+              <a:t>Guide: Ruchi Sawhney			By: Ankit Alex Minz</a:t>
             </a:r>
           </a:p>
           <a:p>
             <a:pPr algn="l"/>
             <a:r>
               <a:rPr lang="en-US" dirty="0"/>
-              <a:t>							Dibya Bharat </a:t>
+              <a:t>						Dibya Bharat </a:t>
             </a:r>
             <a:r>
               <a:rPr lang="en-US" dirty="0" err="1"/>
@@ -6667,16 +6664,13 @@
         <p:spPr/>
         <p:txBody>
           <a:bodyPr>
-            <a:normAutofit fontScale="62500" lnSpcReduction="20000"/>
+            <a:normAutofit fontScale="85000" lnSpcReduction="10000"/>
           </a:bodyPr>
           <a:lstStyle/>
           <a:p>
             <a:pPr algn="l"/>
             <a:r>
               <a:rPr lang="en-US" b="1" i="0" dirty="0">
-                <a:solidFill>
-                  <a:srgbClr val="0D0D0D"/>
-                </a:solidFill>
                 <a:effectLst/>
                 <a:latin typeface="ui-sans-serif"/>
               </a:rPr>
@@ -6684,15 +6678,9 @@
             </a:r>
           </a:p>
           <a:p>
-            <a:pPr algn="l">
-              <a:buFont typeface="Arial" panose="020B0604020202020204" pitchFamily="34" charset="0"/>
-              <a:buChar char="•"/>
-            </a:pPr>
+            <a:pPr lvl="1"/>
             <a:r>
               <a:rPr lang="en-US" b="0" i="0" dirty="0">
-                <a:solidFill>
-                  <a:srgbClr val="0D0D0D"/>
-                </a:solidFill>
                 <a:effectLst/>
                 <a:latin typeface="ui-sans-serif"/>
               </a:rPr>
@@ -6700,15 +6688,9 @@
             </a:r>
           </a:p>
           <a:p>
-            <a:pPr algn="l">
-              <a:buFont typeface="Arial" panose="020B0604020202020204" pitchFamily="34" charset="0"/>
-              <a:buChar char="•"/>
-            </a:pPr>
+            <a:pPr lvl="1"/>
             <a:r>
               <a:rPr lang="en-US" b="0" i="0" dirty="0">
-                <a:solidFill>
-                  <a:srgbClr val="0D0D0D"/>
-                </a:solidFill>
                 <a:effectLst/>
                 <a:latin typeface="ui-sans-serif"/>
               </a:rPr>
@@ -6716,15 +6698,9 @@
             </a:r>
           </a:p>
           <a:p>
-            <a:pPr algn="l">
-              <a:buFont typeface="Arial" panose="020B0604020202020204" pitchFamily="34" charset="0"/>
-              <a:buChar char="•"/>
-            </a:pPr>
+            <a:pPr lvl="1"/>
             <a:r>
               <a:rPr lang="en-US" b="0" i="0" dirty="0">
-                <a:solidFill>
-                  <a:srgbClr val="0D0D0D"/>
-                </a:solidFill>
                 <a:effectLst/>
                 <a:latin typeface="ui-sans-serif"/>
               </a:rPr>
@@ -6732,15 +6708,9 @@
             </a:r>
           </a:p>
           <a:p>
-            <a:pPr algn="l">
-              <a:buFont typeface="Arial" panose="020B0604020202020204" pitchFamily="34" charset="0"/>
-              <a:buChar char="•"/>
-            </a:pPr>
+            <a:pPr lvl="1"/>
             <a:r>
               <a:rPr lang="en-US" b="0" i="0" dirty="0">
-                <a:solidFill>
-                  <a:srgbClr val="0D0D0D"/>
-                </a:solidFill>
                 <a:effectLst/>
                 <a:latin typeface="ui-sans-serif"/>
               </a:rPr>
@@ -6748,15 +6718,9 @@
             </a:r>
           </a:p>
           <a:p>
-            <a:pPr algn="l">
-              <a:buFont typeface="Arial" panose="020B0604020202020204" pitchFamily="34" charset="0"/>
-              <a:buChar char="•"/>
-            </a:pPr>
+            <a:pPr lvl="1"/>
             <a:r>
               <a:rPr lang="en-US" b="0" i="0" dirty="0">
-                <a:solidFill>
-                  <a:srgbClr val="0D0D0D"/>
-                </a:solidFill>
                 <a:effectLst/>
                 <a:latin typeface="ui-sans-serif"/>
               </a:rPr>
@@ -6767,9 +6731,6 @@
             <a:pPr algn="l"/>
             <a:r>
               <a:rPr lang="en-US" b="1" i="0" dirty="0">
-                <a:solidFill>
-                  <a:srgbClr val="0D0D0D"/>
-                </a:solidFill>
                 <a:effectLst/>
                 <a:latin typeface="ui-sans-serif"/>
               </a:rPr>
@@ -6777,15 +6738,9 @@
             </a:r>
           </a:p>
           <a:p>
-            <a:pPr algn="l">
-              <a:buFont typeface="Arial" panose="020B0604020202020204" pitchFamily="34" charset="0"/>
-              <a:buChar char="•"/>
-            </a:pPr>
+            <a:pPr lvl="1"/>
             <a:r>
               <a:rPr lang="en-US" b="0" i="0" dirty="0">
-                <a:solidFill>
-                  <a:srgbClr val="0D0D0D"/>
-                </a:solidFill>
                 <a:effectLst/>
                 <a:latin typeface="ui-sans-serif"/>
               </a:rPr>
@@ -6793,15 +6748,9 @@
             </a:r>
           </a:p>
           <a:p>
-            <a:pPr algn="l">
-              <a:buFont typeface="Arial" panose="020B0604020202020204" pitchFamily="34" charset="0"/>
-              <a:buChar char="•"/>
-            </a:pPr>
+            <a:pPr lvl="1"/>
             <a:r>
               <a:rPr lang="en-US" b="0" i="0" dirty="0">
-                <a:solidFill>
-                  <a:srgbClr val="0D0D0D"/>
-                </a:solidFill>
                 <a:effectLst/>
                 <a:latin typeface="ui-sans-serif"/>
               </a:rPr>
@@ -6809,15 +6758,9 @@
             </a:r>
           </a:p>
           <a:p>
-            <a:pPr algn="l">
-              <a:buFont typeface="Arial" panose="020B0604020202020204" pitchFamily="34" charset="0"/>
-              <a:buChar char="•"/>
-            </a:pPr>
+            <a:pPr lvl="1"/>
             <a:r>
               <a:rPr lang="en-US" b="0" i="0" dirty="0">
-                <a:solidFill>
-                  <a:srgbClr val="0D0D0D"/>
-                </a:solidFill>
                 <a:effectLst/>
                 <a:latin typeface="ui-sans-serif"/>
               </a:rPr>
@@ -6825,15 +6768,9 @@
             </a:r>
           </a:p>
           <a:p>
-            <a:pPr algn="l">
-              <a:buFont typeface="Arial" panose="020B0604020202020204" pitchFamily="34" charset="0"/>
-              <a:buChar char="•"/>
-            </a:pPr>
+            <a:pPr lvl="1"/>
             <a:r>
               <a:rPr lang="en-US" b="0" i="0" dirty="0">
-                <a:solidFill>
-                  <a:srgbClr val="0D0D0D"/>
-                </a:solidFill>
                 <a:effectLst/>
                 <a:latin typeface="ui-sans-serif"/>
               </a:rPr>
@@ -6920,35 +6857,31 @@
             <p:ph idx="1"/>
           </p:nvPr>
         </p:nvSpPr>
-        <p:spPr/>
+        <p:spPr>
+          <a:xfrm>
+            <a:off x="913795" y="2096063"/>
+            <a:ext cx="11052918" cy="4678447"/>
+          </a:xfrm>
+        </p:spPr>
         <p:txBody>
           <a:bodyPr>
-            <a:normAutofit fontScale="32500" lnSpcReduction="20000"/>
+            <a:normAutofit fontScale="70000" lnSpcReduction="20000"/>
           </a:bodyPr>
           <a:lstStyle/>
           <a:p>
             <a:pPr algn="l"/>
             <a:r>
-              <a:rPr lang="en-US" b="1" i="0" dirty="0">
-                <a:solidFill>
-                  <a:srgbClr val="0D0D0D"/>
-                </a:solidFill>
+              <a:rPr lang="en-US" sz="2300" b="1" i="0" dirty="0">
                 <a:effectLst/>
                 <a:latin typeface="ui-sans-serif"/>
               </a:rPr>
-              <a:t>Problem</a:t>
-            </a:r>
-          </a:p>
-          <a:p>
-            <a:pPr algn="l">
-              <a:buFont typeface="Arial" panose="020B0604020202020204" pitchFamily="34" charset="0"/>
-              <a:buChar char="•"/>
-            </a:pPr>
-            <a:r>
-              <a:rPr lang="en-US" b="0" i="0" dirty="0">
-                <a:solidFill>
-                  <a:srgbClr val="0D0D0D"/>
-                </a:solidFill>
+              <a:t>Problem:</a:t>
+            </a:r>
+          </a:p>
+          <a:p>
+            <a:pPr lvl="1"/>
+            <a:r>
+              <a:rPr lang="en-US" sz="2100" b="0" i="0" dirty="0">
                 <a:effectLst/>
                 <a:latin typeface="ui-sans-serif"/>
               </a:rPr>
@@ -6956,15 +6889,9 @@
             </a:r>
           </a:p>
           <a:p>
-            <a:pPr algn="l">
-              <a:buFont typeface="Arial" panose="020B0604020202020204" pitchFamily="34" charset="0"/>
-              <a:buChar char="•"/>
-            </a:pPr>
-            <a:r>
-              <a:rPr lang="en-US" b="0" i="0" dirty="0">
-                <a:solidFill>
-                  <a:srgbClr val="0D0D0D"/>
-                </a:solidFill>
+            <a:pPr lvl="1"/>
+            <a:r>
+              <a:rPr lang="en-US" sz="2100" b="0" i="0" dirty="0">
                 <a:effectLst/>
                 <a:latin typeface="ui-sans-serif"/>
               </a:rPr>
@@ -6972,15 +6899,9 @@
             </a:r>
           </a:p>
           <a:p>
-            <a:pPr algn="l">
-              <a:buFont typeface="Arial" panose="020B0604020202020204" pitchFamily="34" charset="0"/>
-              <a:buChar char="•"/>
-            </a:pPr>
-            <a:r>
-              <a:rPr lang="en-US" b="0" i="0" dirty="0">
-                <a:solidFill>
-                  <a:srgbClr val="0D0D0D"/>
-                </a:solidFill>
+            <a:pPr lvl="1"/>
+            <a:r>
+              <a:rPr lang="en-US" sz="2100" b="0" i="0" dirty="0">
                 <a:effectLst/>
                 <a:latin typeface="ui-sans-serif"/>
               </a:rPr>
@@ -6988,15 +6909,9 @@
             </a:r>
           </a:p>
           <a:p>
-            <a:pPr algn="l">
-              <a:buFont typeface="Arial" panose="020B0604020202020204" pitchFamily="34" charset="0"/>
-              <a:buChar char="•"/>
-            </a:pPr>
-            <a:r>
-              <a:rPr lang="en-US" b="0" i="0" dirty="0">
-                <a:solidFill>
-                  <a:srgbClr val="0D0D0D"/>
-                </a:solidFill>
+            <a:pPr lvl="1"/>
+            <a:r>
+              <a:rPr lang="en-US" sz="2100" b="0" i="0" dirty="0">
                 <a:effectLst/>
                 <a:latin typeface="ui-sans-serif"/>
               </a:rPr>
@@ -7006,26 +6921,17 @@
           <a:p>
             <a:pPr algn="l"/>
             <a:r>
-              <a:rPr lang="en-US" b="1" i="0" dirty="0">
-                <a:solidFill>
-                  <a:srgbClr val="0D0D0D"/>
-                </a:solidFill>
+              <a:rPr lang="en-US" sz="2300" b="1" i="0" dirty="0">
                 <a:effectLst/>
                 <a:latin typeface="ui-sans-serif"/>
               </a:rPr>
-              <a:t>Background</a:t>
-            </a:r>
-          </a:p>
-          <a:p>
-            <a:pPr algn="l">
-              <a:buFont typeface="Arial" panose="020B0604020202020204" pitchFamily="34" charset="0"/>
-              <a:buChar char="•"/>
-            </a:pPr>
-            <a:r>
-              <a:rPr lang="en-US" b="0" i="0" dirty="0">
-                <a:solidFill>
-                  <a:srgbClr val="0D0D0D"/>
-                </a:solidFill>
+              <a:t>Background:</a:t>
+            </a:r>
+          </a:p>
+          <a:p>
+            <a:pPr lvl="1"/>
+            <a:r>
+              <a:rPr lang="en-US" sz="2100" b="0" i="0" dirty="0">
                 <a:effectLst/>
                 <a:latin typeface="ui-sans-serif"/>
               </a:rPr>
@@ -7033,15 +6939,9 @@
             </a:r>
           </a:p>
           <a:p>
-            <a:pPr algn="l">
-              <a:buFont typeface="Arial" panose="020B0604020202020204" pitchFamily="34" charset="0"/>
-              <a:buChar char="•"/>
-            </a:pPr>
-            <a:r>
-              <a:rPr lang="en-US" b="0" i="0" dirty="0">
-                <a:solidFill>
-                  <a:srgbClr val="0D0D0D"/>
-                </a:solidFill>
+            <a:pPr lvl="1"/>
+            <a:r>
+              <a:rPr lang="en-US" sz="2100" b="0" i="0" dirty="0">
                 <a:effectLst/>
                 <a:latin typeface="ui-sans-serif"/>
               </a:rPr>
@@ -7049,15 +6949,9 @@
             </a:r>
           </a:p>
           <a:p>
-            <a:pPr algn="l">
-              <a:buFont typeface="Arial" panose="020B0604020202020204" pitchFamily="34" charset="0"/>
-              <a:buChar char="•"/>
-            </a:pPr>
-            <a:r>
-              <a:rPr lang="en-US" b="0" i="0" dirty="0">
-                <a:solidFill>
-                  <a:srgbClr val="0D0D0D"/>
-                </a:solidFill>
+            <a:pPr lvl="1"/>
+            <a:r>
+              <a:rPr lang="en-US" sz="2100" b="0" i="0" dirty="0">
                 <a:effectLst/>
                 <a:latin typeface="ui-sans-serif"/>
               </a:rPr>
@@ -7065,15 +6959,9 @@
             </a:r>
           </a:p>
           <a:p>
-            <a:pPr algn="l">
-              <a:buFont typeface="Arial" panose="020B0604020202020204" pitchFamily="34" charset="0"/>
-              <a:buChar char="•"/>
-            </a:pPr>
-            <a:r>
-              <a:rPr lang="en-US" b="0" i="0" dirty="0">
-                <a:solidFill>
-                  <a:srgbClr val="0D0D0D"/>
-                </a:solidFill>
+            <a:pPr lvl="1"/>
+            <a:r>
+              <a:rPr lang="en-US" sz="2100" b="0" i="0" dirty="0">
                 <a:effectLst/>
                 <a:latin typeface="ui-sans-serif"/>
               </a:rPr>
@@ -7083,26 +6971,17 @@
           <a:p>
             <a:pPr algn="l"/>
             <a:r>
-              <a:rPr lang="en-US" b="1" i="0" dirty="0">
-                <a:solidFill>
-                  <a:srgbClr val="0D0D0D"/>
-                </a:solidFill>
+              <a:rPr lang="en-US" sz="2300" b="1" i="0" dirty="0">
                 <a:effectLst/>
                 <a:latin typeface="ui-sans-serif"/>
               </a:rPr>
-              <a:t>Relevance</a:t>
-            </a:r>
-          </a:p>
-          <a:p>
-            <a:pPr algn="l">
-              <a:buFont typeface="Arial" panose="020B0604020202020204" pitchFamily="34" charset="0"/>
-              <a:buChar char="•"/>
-            </a:pPr>
-            <a:r>
-              <a:rPr lang="en-US" b="0" i="0" dirty="0">
-                <a:solidFill>
-                  <a:srgbClr val="0D0D0D"/>
-                </a:solidFill>
+              <a:t>Relevance:</a:t>
+            </a:r>
+          </a:p>
+          <a:p>
+            <a:pPr lvl="1"/>
+            <a:r>
+              <a:rPr lang="en-US" sz="2100" b="0" i="0" dirty="0">
                 <a:effectLst/>
                 <a:latin typeface="ui-sans-serif"/>
               </a:rPr>
@@ -7110,15 +6989,9 @@
             </a:r>
           </a:p>
           <a:p>
-            <a:pPr algn="l">
-              <a:buFont typeface="Arial" panose="020B0604020202020204" pitchFamily="34" charset="0"/>
-              <a:buChar char="•"/>
-            </a:pPr>
-            <a:r>
-              <a:rPr lang="en-US" b="0" i="0" dirty="0">
-                <a:solidFill>
-                  <a:srgbClr val="0D0D0D"/>
-                </a:solidFill>
+            <a:pPr lvl="1"/>
+            <a:r>
+              <a:rPr lang="en-US" sz="2100" b="0" i="0" dirty="0">
                 <a:effectLst/>
                 <a:latin typeface="ui-sans-serif"/>
               </a:rPr>
@@ -7126,15 +6999,9 @@
             </a:r>
           </a:p>
           <a:p>
-            <a:pPr algn="l">
-              <a:buFont typeface="Arial" panose="020B0604020202020204" pitchFamily="34" charset="0"/>
-              <a:buChar char="•"/>
-            </a:pPr>
-            <a:r>
-              <a:rPr lang="en-US" b="0" i="0" dirty="0">
-                <a:solidFill>
-                  <a:srgbClr val="0D0D0D"/>
-                </a:solidFill>
+            <a:pPr lvl="1"/>
+            <a:r>
+              <a:rPr lang="en-US" sz="2100" b="0" i="0" dirty="0">
                 <a:effectLst/>
                 <a:latin typeface="ui-sans-serif"/>
               </a:rPr>
@@ -7142,15 +7009,9 @@
             </a:r>
           </a:p>
           <a:p>
-            <a:pPr algn="l">
-              <a:buFont typeface="Arial" panose="020B0604020202020204" pitchFamily="34" charset="0"/>
-              <a:buChar char="•"/>
-            </a:pPr>
-            <a:r>
-              <a:rPr lang="en-US" b="0" i="0" dirty="0">
-                <a:solidFill>
-                  <a:srgbClr val="0D0D0D"/>
-                </a:solidFill>
+            <a:pPr lvl="1"/>
+            <a:r>
+              <a:rPr lang="en-US" sz="2100" b="0" i="0" dirty="0">
                 <a:effectLst/>
                 <a:latin typeface="ui-sans-serif"/>
               </a:rPr>
@@ -7270,7 +7131,7 @@
             </a:endParaRPr>
           </a:p>
           <a:p>
-            <a:pPr algn="just">
+            <a:pPr lvl="1" algn="just">
               <a:lnSpc>
                 <a:spcPct val="200000"/>
               </a:lnSpc>
@@ -7282,7 +7143,7 @@
               </a:spcAft>
             </a:pPr>
             <a:r>
-              <a:rPr lang="en-IN" sz="1800" kern="100" dirty="0">
+              <a:rPr lang="en-IN" sz="1600" kern="100" dirty="0">
                 <a:effectLst/>
                 <a:latin typeface="Times New Roman" panose="02020603050405020304" pitchFamily="18" charset="0"/>
                 <a:ea typeface="Calibri" panose="020F0502020204030204" pitchFamily="34" charset="0"/>
@@ -7290,7 +7151,7 @@
               </a:rPr>
               <a:t>Windows 10 or above</a:t>
             </a:r>
-            <a:endParaRPr lang="en-IN" sz="1800" kern="100" dirty="0">
+            <a:endParaRPr lang="en-IN" sz="1600" kern="100" dirty="0">
               <a:effectLst/>
               <a:latin typeface="Calibri" panose="020F0502020204030204" pitchFamily="34" charset="0"/>
               <a:ea typeface="Calibri" panose="020F0502020204030204" pitchFamily="34" charset="0"/>
@@ -7298,7 +7159,7 @@
             </a:endParaRPr>
           </a:p>
           <a:p>
-            <a:pPr algn="just">
+            <a:pPr lvl="1" algn="just">
               <a:lnSpc>
                 <a:spcPct val="200000"/>
               </a:lnSpc>
@@ -7310,7 +7171,7 @@
               </a:spcAft>
             </a:pPr>
             <a:r>
-              <a:rPr lang="en-IN" sz="1800" kern="100" dirty="0">
+              <a:rPr lang="en-IN" sz="1600" kern="100" dirty="0">
                 <a:effectLst/>
                 <a:latin typeface="Times New Roman" panose="02020603050405020304" pitchFamily="18" charset="0"/>
                 <a:ea typeface="Calibri" panose="020F0502020204030204" pitchFamily="34" charset="0"/>
@@ -7318,7 +7179,7 @@
               </a:rPr>
               <a:t>RAM: 16 or above</a:t>
             </a:r>
-            <a:endParaRPr lang="en-IN" sz="1800" kern="100" dirty="0">
+            <a:endParaRPr lang="en-IN" sz="1600" kern="100" dirty="0">
               <a:effectLst/>
               <a:latin typeface="Calibri" panose="020F0502020204030204" pitchFamily="34" charset="0"/>
               <a:ea typeface="Calibri" panose="020F0502020204030204" pitchFamily="34" charset="0"/>
@@ -7326,7 +7187,7 @@
             </a:endParaRPr>
           </a:p>
           <a:p>
-            <a:pPr algn="just">
+            <a:pPr lvl="1" algn="just">
               <a:lnSpc>
                 <a:spcPct val="200000"/>
               </a:lnSpc>
@@ -7338,7 +7199,7 @@
               </a:spcAft>
             </a:pPr>
             <a:r>
-              <a:rPr lang="en-IN" sz="1800" kern="100" dirty="0">
+              <a:rPr lang="en-IN" sz="1600" kern="100" dirty="0">
                 <a:effectLst/>
                 <a:latin typeface="Times New Roman" panose="02020603050405020304" pitchFamily="18" charset="0"/>
                 <a:ea typeface="Calibri" panose="020F0502020204030204" pitchFamily="34" charset="0"/>
@@ -7347,7 +7208,7 @@
               <a:t>Processor: Intel core i5 5</a:t>
             </a:r>
             <a:r>
-              <a:rPr lang="en-IN" sz="1800" kern="100" baseline="30000" dirty="0">
+              <a:rPr lang="en-IN" sz="1600" kern="100" baseline="30000" dirty="0">
                 <a:effectLst/>
                 <a:latin typeface="Times New Roman" panose="02020603050405020304" pitchFamily="18" charset="0"/>
                 <a:ea typeface="Calibri" panose="020F0502020204030204" pitchFamily="34" charset="0"/>
@@ -7356,7 +7217,7 @@
               <a:t>th</a:t>
             </a:r>
             <a:r>
-              <a:rPr lang="en-IN" sz="1800" kern="100" dirty="0">
+              <a:rPr lang="en-IN" sz="1600" kern="100" dirty="0">
                 <a:effectLst/>
                 <a:latin typeface="Times New Roman" panose="02020603050405020304" pitchFamily="18" charset="0"/>
                 <a:ea typeface="Calibri" panose="020F0502020204030204" pitchFamily="34" charset="0"/>
@@ -7364,7 +7225,7 @@
               </a:rPr>
               <a:t> Gen or above</a:t>
             </a:r>
-            <a:endParaRPr lang="en-IN" sz="1800" kern="100" dirty="0">
+            <a:endParaRPr lang="en-IN" sz="1600" kern="100" dirty="0">
               <a:effectLst/>
               <a:latin typeface="Calibri" panose="020F0502020204030204" pitchFamily="34" charset="0"/>
               <a:ea typeface="Calibri" panose="020F0502020204030204" pitchFamily="34" charset="0"/>
@@ -7372,7 +7233,7 @@
             </a:endParaRPr>
           </a:p>
           <a:p>
-            <a:pPr algn="just">
+            <a:pPr lvl="1" algn="just">
               <a:lnSpc>
                 <a:spcPct val="200000"/>
               </a:lnSpc>
@@ -7384,7 +7245,7 @@
               </a:spcAft>
             </a:pPr>
             <a:r>
-              <a:rPr lang="en-IN" sz="1800" kern="100" dirty="0">
+              <a:rPr lang="en-IN" sz="1600" kern="100" dirty="0">
                 <a:effectLst/>
                 <a:latin typeface="Times New Roman" panose="02020603050405020304" pitchFamily="18" charset="0"/>
                 <a:ea typeface="Calibri" panose="020F0502020204030204" pitchFamily="34" charset="0"/>
@@ -7392,7 +7253,7 @@
               </a:rPr>
               <a:t>Android device: 4GB Ram, Version: 11+</a:t>
             </a:r>
-            <a:endParaRPr lang="en-IN" sz="1800" kern="100" dirty="0">
+            <a:endParaRPr lang="en-IN" sz="1600" kern="100" dirty="0">
               <a:effectLst/>
               <a:latin typeface="Calibri" panose="020F0502020204030204" pitchFamily="34" charset="0"/>
               <a:ea typeface="Calibri" panose="020F0502020204030204" pitchFamily="34" charset="0"/>
@@ -7452,13 +7313,13 @@
         </p:nvSpPr>
         <p:spPr>
           <a:xfrm>
-            <a:off x="838200" y="1253331"/>
-            <a:ext cx="10515600" cy="4351338"/>
+            <a:off x="564543" y="771277"/>
+            <a:ext cx="11179533" cy="5589766"/>
           </a:xfrm>
         </p:spPr>
         <p:txBody>
           <a:bodyPr>
-            <a:normAutofit fontScale="55000" lnSpcReduction="20000"/>
+            <a:normAutofit fontScale="85000" lnSpcReduction="20000"/>
           </a:bodyPr>
           <a:lstStyle/>
           <a:p>
@@ -7490,7 +7351,7 @@
             </a:endParaRPr>
           </a:p>
           <a:p>
-            <a:pPr algn="just">
+            <a:pPr lvl="1" algn="just">
               <a:lnSpc>
                 <a:spcPct val="200000"/>
               </a:lnSpc>
@@ -7502,7 +7363,7 @@
               </a:spcAft>
             </a:pPr>
             <a:r>
-              <a:rPr lang="en-IN" sz="1800" kern="100" dirty="0">
+              <a:rPr lang="en-IN" sz="1600" kern="100" dirty="0">
                 <a:effectLst/>
                 <a:latin typeface="Times New Roman" panose="02020603050405020304" pitchFamily="18" charset="0"/>
                 <a:ea typeface="Calibri" panose="020F0502020204030204" pitchFamily="34" charset="0"/>
@@ -7510,7 +7371,7 @@
               </a:rPr>
               <a:t>Android Studio</a:t>
             </a:r>
-            <a:endParaRPr lang="en-IN" sz="1800" kern="100" dirty="0">
+            <a:endParaRPr lang="en-IN" sz="1600" kern="100" dirty="0">
               <a:effectLst/>
               <a:latin typeface="Calibri" panose="020F0502020204030204" pitchFamily="34" charset="0"/>
               <a:ea typeface="Calibri" panose="020F0502020204030204" pitchFamily="34" charset="0"/>
@@ -7518,7 +7379,7 @@
             </a:endParaRPr>
           </a:p>
           <a:p>
-            <a:pPr algn="just">
+            <a:pPr lvl="1" algn="just">
               <a:lnSpc>
                 <a:spcPct val="200000"/>
               </a:lnSpc>
@@ -7530,7 +7391,7 @@
               </a:spcAft>
             </a:pPr>
             <a:r>
-              <a:rPr lang="en-IN" sz="1800" kern="100" dirty="0">
+              <a:rPr lang="en-IN" sz="1600" kern="100" dirty="0">
                 <a:effectLst/>
                 <a:latin typeface="Times New Roman" panose="02020603050405020304" pitchFamily="18" charset="0"/>
                 <a:ea typeface="Calibri" panose="020F0502020204030204" pitchFamily="34" charset="0"/>
@@ -7538,7 +7399,7 @@
               </a:rPr>
               <a:t>Java</a:t>
             </a:r>
-            <a:endParaRPr lang="en-IN" sz="1800" kern="100" dirty="0">
+            <a:endParaRPr lang="en-IN" sz="1600" kern="100" dirty="0">
               <a:effectLst/>
               <a:latin typeface="Calibri" panose="020F0502020204030204" pitchFamily="34" charset="0"/>
               <a:ea typeface="Calibri" panose="020F0502020204030204" pitchFamily="34" charset="0"/>
@@ -7546,7 +7407,7 @@
             </a:endParaRPr>
           </a:p>
           <a:p>
-            <a:pPr algn="just">
+            <a:pPr lvl="1" algn="just">
               <a:lnSpc>
                 <a:spcPct val="200000"/>
               </a:lnSpc>
@@ -7558,7 +7419,7 @@
               </a:spcAft>
             </a:pPr>
             <a:r>
-              <a:rPr lang="en-IN" sz="1800" kern="100" dirty="0">
+              <a:rPr lang="en-IN" sz="1600" kern="100" dirty="0">
                 <a:effectLst/>
                 <a:latin typeface="Times New Roman" panose="02020603050405020304" pitchFamily="18" charset="0"/>
                 <a:ea typeface="Calibri" panose="020F0502020204030204" pitchFamily="34" charset="0"/>
@@ -7566,7 +7427,7 @@
               </a:rPr>
               <a:t>Python</a:t>
             </a:r>
-            <a:endParaRPr lang="en-IN" sz="1800" kern="100" dirty="0">
+            <a:endParaRPr lang="en-IN" sz="1600" kern="100" dirty="0">
               <a:effectLst/>
               <a:latin typeface="Calibri" panose="020F0502020204030204" pitchFamily="34" charset="0"/>
               <a:ea typeface="Calibri" panose="020F0502020204030204" pitchFamily="34" charset="0"/>
@@ -7574,7 +7435,7 @@
             </a:endParaRPr>
           </a:p>
           <a:p>
-            <a:pPr algn="just">
+            <a:pPr lvl="1" algn="just">
               <a:lnSpc>
                 <a:spcPct val="200000"/>
               </a:lnSpc>
@@ -7586,7 +7447,7 @@
               </a:spcAft>
             </a:pPr>
             <a:r>
-              <a:rPr lang="en-IN" sz="1800" kern="100" dirty="0">
+              <a:rPr lang="en-IN" sz="1600" kern="100" dirty="0">
                 <a:effectLst/>
                 <a:latin typeface="Times New Roman" panose="02020603050405020304" pitchFamily="18" charset="0"/>
                 <a:ea typeface="Calibri" panose="020F0502020204030204" pitchFamily="34" charset="0"/>
@@ -7594,7 +7455,7 @@
               </a:rPr>
               <a:t>Jupyter Notebook</a:t>
             </a:r>
-            <a:endParaRPr lang="en-IN" sz="1800" kern="100" dirty="0">
+            <a:endParaRPr lang="en-IN" sz="1600" kern="100" dirty="0">
               <a:effectLst/>
               <a:latin typeface="Calibri" panose="020F0502020204030204" pitchFamily="34" charset="0"/>
               <a:ea typeface="Calibri" panose="020F0502020204030204" pitchFamily="34" charset="0"/>
@@ -7602,7 +7463,7 @@
             </a:endParaRPr>
           </a:p>
           <a:p>
-            <a:pPr algn="just">
+            <a:pPr lvl="1" algn="just">
               <a:lnSpc>
                 <a:spcPct val="200000"/>
               </a:lnSpc>
@@ -7614,7 +7475,7 @@
               </a:spcAft>
             </a:pPr>
             <a:r>
-              <a:rPr lang="en-IN" sz="1800" kern="100" dirty="0">
+              <a:rPr lang="en-IN" sz="1600" kern="100" dirty="0">
                 <a:effectLst/>
                 <a:latin typeface="Times New Roman" panose="02020603050405020304" pitchFamily="18" charset="0"/>
                 <a:ea typeface="Calibri" panose="020F0502020204030204" pitchFamily="34" charset="0"/>
@@ -7622,7 +7483,7 @@
               </a:rPr>
               <a:t>Android Virtual Device or Emulator</a:t>
             </a:r>
-            <a:endParaRPr lang="en-IN" sz="1800" kern="100" dirty="0">
+            <a:endParaRPr lang="en-IN" sz="1600" kern="100" dirty="0">
               <a:effectLst/>
               <a:latin typeface="Calibri" panose="020F0502020204030204" pitchFamily="34" charset="0"/>
               <a:ea typeface="Calibri" panose="020F0502020204030204" pitchFamily="34" charset="0"/>
@@ -7630,7 +7491,7 @@
             </a:endParaRPr>
           </a:p>
           <a:p>
-            <a:pPr algn="just">
+            <a:pPr lvl="1" algn="just">
               <a:lnSpc>
                 <a:spcPct val="200000"/>
               </a:lnSpc>
@@ -7642,7 +7503,7 @@
               </a:spcAft>
             </a:pPr>
             <a:r>
-              <a:rPr lang="en-IN" sz="1800" kern="100" dirty="0">
+              <a:rPr lang="en-IN" sz="1600" kern="100" dirty="0">
                 <a:effectLst/>
                 <a:latin typeface="Times New Roman" panose="02020603050405020304" pitchFamily="18" charset="0"/>
                 <a:ea typeface="Calibri" panose="020F0502020204030204" pitchFamily="34" charset="0"/>
@@ -7650,7 +7511,7 @@
               </a:rPr>
               <a:t>XML for UI</a:t>
             </a:r>
-            <a:endParaRPr lang="en-IN" sz="1800" kern="100" dirty="0">
+            <a:endParaRPr lang="en-IN" sz="1600" kern="100" dirty="0">
               <a:effectLst/>
               <a:latin typeface="Calibri" panose="020F0502020204030204" pitchFamily="34" charset="0"/>
               <a:ea typeface="Calibri" panose="020F0502020204030204" pitchFamily="34" charset="0"/>
@@ -7658,7 +7519,7 @@
             </a:endParaRPr>
           </a:p>
           <a:p>
-            <a:pPr algn="just">
+            <a:pPr lvl="1" algn="just">
               <a:lnSpc>
                 <a:spcPct val="200000"/>
               </a:lnSpc>
@@ -7670,7 +7531,7 @@
               </a:spcAft>
             </a:pPr>
             <a:r>
-              <a:rPr lang="en-IN" sz="1800" kern="100" dirty="0">
+              <a:rPr lang="en-IN" sz="1600" kern="100" dirty="0">
                 <a:effectLst/>
                 <a:latin typeface="Times New Roman" panose="02020603050405020304" pitchFamily="18" charset="0"/>
                 <a:ea typeface="Calibri" panose="020F0502020204030204" pitchFamily="34" charset="0"/>
@@ -7678,7 +7539,7 @@
               </a:rPr>
               <a:t>Database using Firebase</a:t>
             </a:r>
-            <a:endParaRPr lang="en-IN" sz="1800" kern="100" dirty="0">
+            <a:endParaRPr lang="en-IN" sz="1600" kern="100" dirty="0">
               <a:effectLst/>
               <a:latin typeface="Calibri" panose="020F0502020204030204" pitchFamily="34" charset="0"/>
               <a:ea typeface="Calibri" panose="020F0502020204030204" pitchFamily="34" charset="0"/>
@@ -7686,7 +7547,7 @@
             </a:endParaRPr>
           </a:p>
           <a:p>
-            <a:pPr algn="just">
+            <a:pPr lvl="1" algn="just">
               <a:lnSpc>
                 <a:spcPct val="200000"/>
               </a:lnSpc>
@@ -7698,7 +7559,7 @@
               </a:spcAft>
             </a:pPr>
             <a:r>
-              <a:rPr lang="en-IN" sz="1800" kern="100" dirty="0">
+              <a:rPr lang="en-IN" sz="1600" kern="100" dirty="0">
                 <a:effectLst/>
                 <a:latin typeface="Times New Roman" panose="02020603050405020304" pitchFamily="18" charset="0"/>
                 <a:ea typeface="Calibri" panose="020F0502020204030204" pitchFamily="34" charset="0"/>
@@ -7706,7 +7567,7 @@
               </a:rPr>
               <a:t>Version Control System (Git)</a:t>
             </a:r>
-            <a:endParaRPr lang="en-IN" sz="1800" kern="100" dirty="0">
+            <a:endParaRPr lang="en-IN" sz="1600" kern="100" dirty="0">
               <a:effectLst/>
               <a:latin typeface="Calibri" panose="020F0502020204030204" pitchFamily="34" charset="0"/>
               <a:ea typeface="Calibri" panose="020F0502020204030204" pitchFamily="34" charset="0"/>
@@ -7714,7 +7575,7 @@
             </a:endParaRPr>
           </a:p>
           <a:p>
-            <a:pPr algn="just">
+            <a:pPr lvl="1" algn="just">
               <a:lnSpc>
                 <a:spcPct val="200000"/>
               </a:lnSpc>
@@ -7726,7 +7587,7 @@
               </a:spcAft>
             </a:pPr>
             <a:r>
-              <a:rPr lang="en-IN" sz="1800" kern="100" dirty="0">
+              <a:rPr lang="en-IN" sz="1600" kern="100" dirty="0">
                 <a:effectLst/>
                 <a:latin typeface="Times New Roman" panose="02020603050405020304" pitchFamily="18" charset="0"/>
                 <a:ea typeface="Calibri" panose="020F0502020204030204" pitchFamily="34" charset="0"/>
@@ -7735,7 +7596,7 @@
               <a:t>Machine learning with </a:t>
             </a:r>
             <a:r>
-              <a:rPr lang="en-IN" sz="1800" kern="100" dirty="0" err="1">
+              <a:rPr lang="en-IN" sz="1600" kern="100" dirty="0" err="1">
                 <a:effectLst/>
                 <a:latin typeface="Times New Roman" panose="02020603050405020304" pitchFamily="18" charset="0"/>
                 <a:ea typeface="Calibri" panose="020F0502020204030204" pitchFamily="34" charset="0"/>
@@ -7743,7 +7604,7 @@
               </a:rPr>
               <a:t>Tensorflow</a:t>
             </a:r>
-            <a:endParaRPr lang="en-IN" sz="1800" kern="100" dirty="0">
+            <a:endParaRPr lang="en-IN" sz="1600" kern="100" dirty="0">
               <a:effectLst/>
               <a:latin typeface="Calibri" panose="020F0502020204030204" pitchFamily="34" charset="0"/>
               <a:ea typeface="Calibri" panose="020F0502020204030204" pitchFamily="34" charset="0"/>
@@ -7833,16 +7694,13 @@
         <p:spPr/>
         <p:txBody>
           <a:bodyPr>
-            <a:normAutofit fontScale="77500" lnSpcReduction="20000"/>
+            <a:normAutofit fontScale="92500" lnSpcReduction="20000"/>
           </a:bodyPr>
           <a:lstStyle/>
           <a:p>
             <a:pPr algn="l"/>
             <a:r>
               <a:rPr lang="en-US" b="1" i="0" dirty="0">
-                <a:solidFill>
-                  <a:srgbClr val="0D0D0D"/>
-                </a:solidFill>
                 <a:effectLst/>
                 <a:latin typeface="ui-sans-serif"/>
               </a:rPr>
@@ -7850,15 +7708,9 @@
             </a:r>
           </a:p>
           <a:p>
-            <a:pPr algn="l">
-              <a:buFont typeface="Arial" panose="020B0604020202020204" pitchFamily="34" charset="0"/>
-              <a:buChar char="•"/>
-            </a:pPr>
+            <a:pPr lvl="1"/>
             <a:r>
               <a:rPr lang="en-US" b="0" i="0" dirty="0">
-                <a:solidFill>
-                  <a:srgbClr val="0D0D0D"/>
-                </a:solidFill>
                 <a:effectLst/>
                 <a:latin typeface="ui-sans-serif"/>
               </a:rPr>
@@ -7866,15 +7718,9 @@
             </a:r>
           </a:p>
           <a:p>
-            <a:pPr algn="l">
-              <a:buFont typeface="Arial" panose="020B0604020202020204" pitchFamily="34" charset="0"/>
-              <a:buChar char="•"/>
-            </a:pPr>
+            <a:pPr lvl="1"/>
             <a:r>
               <a:rPr lang="en-US" b="0" i="0" dirty="0">
-                <a:solidFill>
-                  <a:srgbClr val="0D0D0D"/>
-                </a:solidFill>
                 <a:effectLst/>
                 <a:latin typeface="ui-sans-serif"/>
               </a:rPr>
@@ -7882,15 +7728,9 @@
             </a:r>
           </a:p>
           <a:p>
-            <a:pPr algn="l">
-              <a:buFont typeface="Arial" panose="020B0604020202020204" pitchFamily="34" charset="0"/>
-              <a:buChar char="•"/>
-            </a:pPr>
+            <a:pPr lvl="1"/>
             <a:r>
               <a:rPr lang="en-US" b="0" i="0" dirty="0">
-                <a:solidFill>
-                  <a:srgbClr val="0D0D0D"/>
-                </a:solidFill>
                 <a:effectLst/>
                 <a:latin typeface="ui-sans-serif"/>
               </a:rPr>
@@ -7901,9 +7741,6 @@
             <a:pPr algn="l"/>
             <a:r>
               <a:rPr lang="en-US" b="1" i="0" dirty="0">
-                <a:solidFill>
-                  <a:srgbClr val="0D0D0D"/>
-                </a:solidFill>
                 <a:effectLst/>
                 <a:latin typeface="ui-sans-serif"/>
               </a:rPr>
@@ -7911,15 +7748,9 @@
             </a:r>
           </a:p>
           <a:p>
-            <a:pPr algn="l">
-              <a:buFont typeface="Arial" panose="020B0604020202020204" pitchFamily="34" charset="0"/>
-              <a:buChar char="•"/>
-            </a:pPr>
+            <a:pPr lvl="1"/>
             <a:r>
               <a:rPr lang="en-US" b="0" i="0" dirty="0">
-                <a:solidFill>
-                  <a:srgbClr val="0D0D0D"/>
-                </a:solidFill>
                 <a:effectLst/>
                 <a:latin typeface="ui-sans-serif"/>
               </a:rPr>
@@ -7927,15 +7758,9 @@
             </a:r>
           </a:p>
           <a:p>
-            <a:pPr algn="l">
-              <a:buFont typeface="Arial" panose="020B0604020202020204" pitchFamily="34" charset="0"/>
-              <a:buChar char="•"/>
-            </a:pPr>
+            <a:pPr lvl="1"/>
             <a:r>
               <a:rPr lang="en-US" b="0" i="0" dirty="0">
-                <a:solidFill>
-                  <a:srgbClr val="0D0D0D"/>
-                </a:solidFill>
                 <a:effectLst/>
                 <a:latin typeface="ui-sans-serif"/>
               </a:rPr>
@@ -7943,15 +7768,9 @@
             </a:r>
           </a:p>
           <a:p>
-            <a:pPr algn="l">
-              <a:buFont typeface="Arial" panose="020B0604020202020204" pitchFamily="34" charset="0"/>
-              <a:buChar char="•"/>
-            </a:pPr>
+            <a:pPr lvl="1"/>
             <a:r>
               <a:rPr lang="en-US" b="0" i="0" dirty="0">
-                <a:solidFill>
-                  <a:srgbClr val="0D0D0D"/>
-                </a:solidFill>
                 <a:effectLst/>
                 <a:latin typeface="ui-sans-serif"/>
               </a:rPr>
@@ -7962,9 +7781,6 @@
             <a:pPr algn="l"/>
             <a:r>
               <a:rPr lang="en-US" b="1" i="0" dirty="0">
-                <a:solidFill>
-                  <a:srgbClr val="0D0D0D"/>
-                </a:solidFill>
                 <a:effectLst/>
                 <a:latin typeface="ui-sans-serif"/>
               </a:rPr>
@@ -7972,15 +7788,9 @@
             </a:r>
           </a:p>
           <a:p>
-            <a:pPr algn="l">
-              <a:buFont typeface="Arial" panose="020B0604020202020204" pitchFamily="34" charset="0"/>
-              <a:buChar char="•"/>
-            </a:pPr>
+            <a:pPr lvl="1"/>
             <a:r>
               <a:rPr lang="en-US" b="0" i="0" dirty="0">
-                <a:solidFill>
-                  <a:srgbClr val="0D0D0D"/>
-                </a:solidFill>
                 <a:effectLst/>
                 <a:latin typeface="ui-sans-serif"/>
               </a:rPr>

--- a/Report/Tourism Recommendation Application.pptx
+++ b/Report/Tourism Recommendation Application.pptx
@@ -118,6 +118,11 @@
       </a:defRPr>
     </a:lvl9pPr>
   </p:defaultTextStyle>
+  <p:extLst>
+    <p:ext uri="{EFAFB233-063F-42B5-8137-9DF3F51BA10A}">
+      <p15:sldGuideLst xmlns:p15="http://schemas.microsoft.com/office/powerpoint/2012/main"/>
+    </p:ext>
+  </p:extLst>
 </p:presentation>
 </file>
 
@@ -5691,21 +5696,33 @@
           <a:p>
             <a:pPr algn="l"/>
             <a:r>
-              <a:rPr lang="en-US" dirty="0"/>
+              <a:rPr lang="en-US" dirty="0">
+                <a:latin typeface="Times New Roman" panose="02020603050405020304" pitchFamily="18" charset="0"/>
+                <a:cs typeface="Times New Roman" panose="02020603050405020304" pitchFamily="18" charset="0"/>
+              </a:rPr>
               <a:t>Guide: Ruchi Sawhney			By: Ankit Alex Minz</a:t>
             </a:r>
           </a:p>
           <a:p>
             <a:pPr algn="l"/>
             <a:r>
-              <a:rPr lang="en-US" dirty="0"/>
+              <a:rPr lang="en-US" dirty="0">
+                <a:latin typeface="Times New Roman" panose="02020603050405020304" pitchFamily="18" charset="0"/>
+                <a:cs typeface="Times New Roman" panose="02020603050405020304" pitchFamily="18" charset="0"/>
+              </a:rPr>
               <a:t>						Dibya Bharat </a:t>
             </a:r>
             <a:r>
-              <a:rPr lang="en-US" dirty="0" err="1"/>
+              <a:rPr lang="en-US" dirty="0" err="1">
+                <a:latin typeface="Times New Roman" panose="02020603050405020304" pitchFamily="18" charset="0"/>
+                <a:cs typeface="Times New Roman" panose="02020603050405020304" pitchFamily="18" charset="0"/>
+              </a:rPr>
               <a:t>Khatua</a:t>
             </a:r>
-            <a:endParaRPr lang="en-IN" dirty="0"/>
+            <a:endParaRPr lang="en-IN" dirty="0">
+              <a:latin typeface="Times New Roman" panose="02020603050405020304" pitchFamily="18" charset="0"/>
+              <a:cs typeface="Times New Roman" panose="02020603050405020304" pitchFamily="18" charset="0"/>
+            </a:endParaRPr>
           </a:p>
         </p:txBody>
       </p:sp>
@@ -5761,10 +5778,16 @@
           <a:lstStyle/>
           <a:p>
             <a:r>
-              <a:rPr lang="en-US" dirty="0"/>
+              <a:rPr lang="en-US" dirty="0">
+                <a:latin typeface="Times New Roman" panose="02020603050405020304" pitchFamily="18" charset="0"/>
+                <a:cs typeface="Times New Roman" panose="02020603050405020304" pitchFamily="18" charset="0"/>
+              </a:rPr>
               <a:t>Data Flow Diagram</a:t>
             </a:r>
-            <a:endParaRPr lang="en-IN" dirty="0"/>
+            <a:endParaRPr lang="en-IN" dirty="0">
+              <a:latin typeface="Times New Roman" panose="02020603050405020304" pitchFamily="18" charset="0"/>
+              <a:cs typeface="Times New Roman" panose="02020603050405020304" pitchFamily="18" charset="0"/>
+            </a:endParaRPr>
           </a:p>
         </p:txBody>
       </p:sp>
@@ -5798,8 +5821,8 @@
         </p:blipFill>
         <p:spPr bwMode="auto">
           <a:xfrm>
-            <a:off x="3505972" y="2095500"/>
-            <a:ext cx="5170530" cy="3695700"/>
+            <a:off x="2870732" y="1728127"/>
+            <a:ext cx="6439886" cy="4602988"/>
           </a:xfrm>
           <a:prstGeom prst="rect">
             <a:avLst/>
@@ -5865,10 +5888,16 @@
           <a:p>
             <a:pPr algn="l"/>
             <a:r>
-              <a:rPr lang="en-US" dirty="0"/>
+              <a:rPr lang="en-US" dirty="0">
+                <a:latin typeface="Times New Roman" panose="02020603050405020304" pitchFamily="18" charset="0"/>
+                <a:cs typeface="Times New Roman" panose="02020603050405020304" pitchFamily="18" charset="0"/>
+              </a:rPr>
               <a:t>Activity Diagram</a:t>
             </a:r>
-            <a:endParaRPr lang="en-IN" dirty="0"/>
+            <a:endParaRPr lang="en-IN" dirty="0">
+              <a:latin typeface="Times New Roman" panose="02020603050405020304" pitchFamily="18" charset="0"/>
+              <a:cs typeface="Times New Roman" panose="02020603050405020304" pitchFamily="18" charset="0"/>
+            </a:endParaRPr>
           </a:p>
         </p:txBody>
       </p:sp>
@@ -5967,10 +5996,16 @@
           <a:lstStyle/>
           <a:p>
             <a:r>
-              <a:rPr lang="en-US" dirty="0"/>
-              <a:t>Application Look</a:t>
-            </a:r>
-            <a:endParaRPr lang="en-IN" dirty="0"/>
+              <a:rPr lang="en-US" dirty="0">
+                <a:latin typeface="Times New Roman" panose="02020603050405020304" pitchFamily="18" charset="0"/>
+                <a:cs typeface="Times New Roman" panose="02020603050405020304" pitchFamily="18" charset="0"/>
+              </a:rPr>
+              <a:t>Application User interface</a:t>
+            </a:r>
+            <a:endParaRPr lang="en-IN" dirty="0">
+              <a:latin typeface="Times New Roman" panose="02020603050405020304" pitchFamily="18" charset="0"/>
+              <a:cs typeface="Times New Roman" panose="02020603050405020304" pitchFamily="18" charset="0"/>
+            </a:endParaRPr>
           </a:p>
         </p:txBody>
       </p:sp>
@@ -6003,8 +6038,8 @@
         </p:blipFill>
         <p:spPr bwMode="auto">
           <a:xfrm>
-            <a:off x="2953246" y="1690688"/>
-            <a:ext cx="1960650" cy="4351338"/>
+            <a:off x="3763784" y="1632309"/>
+            <a:ext cx="2256790" cy="4616091"/>
           </a:xfrm>
           <a:prstGeom prst="rect">
             <a:avLst/>
@@ -6044,8 +6079,8 @@
         </p:blipFill>
         <p:spPr>
           <a:xfrm>
-            <a:off x="5025182" y="1690688"/>
-            <a:ext cx="2041525" cy="3600450"/>
+            <a:off x="6442368" y="1632309"/>
+            <a:ext cx="2041525" cy="4616091"/>
           </a:xfrm>
           <a:prstGeom prst="rect">
             <a:avLst/>
@@ -6079,8 +6114,8 @@
         </p:blipFill>
         <p:spPr bwMode="auto">
           <a:xfrm>
-            <a:off x="522826" y="1492250"/>
-            <a:ext cx="2256790" cy="5000625"/>
+            <a:off x="1205196" y="1632309"/>
+            <a:ext cx="2136794" cy="4616091"/>
           </a:xfrm>
           <a:prstGeom prst="rect">
             <a:avLst/>
@@ -6100,10 +6135,10 @@
       </p:pic>
       <p:pic>
         <p:nvPicPr>
-          <p:cNvPr id="7" name="Picture 6">
+          <p:cNvPr id="8" name="Content Placeholder 3">
             <a:extLst>
               <a:ext uri="{FF2B5EF4-FFF2-40B4-BE49-F238E27FC236}">
-                <a16:creationId xmlns:a16="http://schemas.microsoft.com/office/drawing/2014/main" id="{5C5C2C65-3CFC-628C-9DC2-9B9951EB5EC0}"/>
+                <a16:creationId xmlns:a16="http://schemas.microsoft.com/office/drawing/2014/main" id="{CB16DB55-3690-45F8-AA77-F7BD270EF18A}"/>
               </a:ext>
             </a:extLst>
           </p:cNvPr>
@@ -6113,19 +6148,32 @@
           <p:nvPr/>
         </p:nvPicPr>
         <p:blipFill>
-          <a:blip r:embed="rId5"/>
+          <a:blip r:embed="rId5" cstate="print">
+            <a:extLst>
+              <a:ext uri="{28A0092B-C50C-407E-A947-70E740481C1C}">
+                <a14:useLocalDpi xmlns:a14="http://schemas.microsoft.com/office/drawing/2010/main" val="0"/>
+              </a:ext>
+            </a:extLst>
+          </a:blip>
+          <a:srcRect/>
           <a:stretch>
             <a:fillRect/>
           </a:stretch>
         </p:blipFill>
-        <p:spPr>
+        <p:spPr bwMode="auto">
           <a:xfrm>
-            <a:off x="7177993" y="1682205"/>
-            <a:ext cx="3905250" cy="1171575"/>
+            <a:off x="8905687" y="1632309"/>
+            <a:ext cx="2041525" cy="4535101"/>
           </a:xfrm>
           <a:prstGeom prst="rect">
             <a:avLst/>
           </a:prstGeom>
+          <a:noFill/>
+          <a:ln>
+            <a:solidFill>
+              <a:schemeClr val="tx1"/>
+            </a:solidFill>
+          </a:ln>
         </p:spPr>
       </p:pic>
     </p:spTree>
@@ -6160,81 +6208,6 @@
       </p:grpSpPr>
       <p:pic>
         <p:nvPicPr>
-          <p:cNvPr id="4" name="Content Placeholder 3">
-            <a:extLst>
-              <a:ext uri="{FF2B5EF4-FFF2-40B4-BE49-F238E27FC236}">
-                <a16:creationId xmlns:a16="http://schemas.microsoft.com/office/drawing/2014/main" id="{E04843E2-8A81-84C7-020C-2F8DD91CC2B4}"/>
-              </a:ext>
-            </a:extLst>
-          </p:cNvPr>
-          <p:cNvPicPr>
-            <a:picLocks noGrp="1" noChangeAspect="1"/>
-          </p:cNvPicPr>
-          <p:nvPr>
-            <p:ph idx="1"/>
-          </p:nvPr>
-        </p:nvPicPr>
-        <p:blipFill>
-          <a:blip r:embed="rId2" cstate="print">
-            <a:extLst>
-              <a:ext uri="{28A0092B-C50C-407E-A947-70E740481C1C}">
-                <a14:useLocalDpi xmlns:a14="http://schemas.microsoft.com/office/drawing/2010/main" val="0"/>
-              </a:ext>
-            </a:extLst>
-          </a:blip>
-          <a:srcRect/>
-          <a:stretch>
-            <a:fillRect/>
-          </a:stretch>
-        </p:blipFill>
-        <p:spPr bwMode="auto">
-          <a:xfrm>
-            <a:off x="627434" y="1044707"/>
-            <a:ext cx="1745673" cy="3877887"/>
-          </a:xfrm>
-          <a:prstGeom prst="rect">
-            <a:avLst/>
-          </a:prstGeom>
-          <a:noFill/>
-          <a:ln>
-            <a:solidFill>
-              <a:schemeClr val="tx1"/>
-            </a:solidFill>
-          </a:ln>
-        </p:spPr>
-      </p:pic>
-      <p:pic>
-        <p:nvPicPr>
-          <p:cNvPr id="5" name="Picture 4">
-            <a:extLst>
-              <a:ext uri="{FF2B5EF4-FFF2-40B4-BE49-F238E27FC236}">
-                <a16:creationId xmlns:a16="http://schemas.microsoft.com/office/drawing/2014/main" id="{78F38164-51B7-684E-A348-0ADB1811AB76}"/>
-              </a:ext>
-            </a:extLst>
-          </p:cNvPr>
-          <p:cNvPicPr>
-            <a:picLocks noChangeAspect="1"/>
-          </p:cNvPicPr>
-          <p:nvPr/>
-        </p:nvPicPr>
-        <p:blipFill>
-          <a:blip r:embed="rId3"/>
-          <a:stretch>
-            <a:fillRect/>
-          </a:stretch>
-        </p:blipFill>
-        <p:spPr>
-          <a:xfrm>
-            <a:off x="2604740" y="1044707"/>
-            <a:ext cx="2447925" cy="3590925"/>
-          </a:xfrm>
-          <a:prstGeom prst="rect">
-            <a:avLst/>
-          </a:prstGeom>
-        </p:spPr>
-      </p:pic>
-      <p:pic>
-        <p:nvPicPr>
           <p:cNvPr id="6" name="Picture 5">
             <a:extLst>
               <a:ext uri="{FF2B5EF4-FFF2-40B4-BE49-F238E27FC236}">
@@ -6248,7 +6221,7 @@
           <p:nvPr/>
         </p:nvPicPr>
         <p:blipFill>
-          <a:blip r:embed="rId4" cstate="print">
+          <a:blip r:embed="rId2" cstate="print">
             <a:extLst>
               <a:ext uri="{28A0092B-C50C-407E-A947-70E740481C1C}">
                 <a14:useLocalDpi xmlns:a14="http://schemas.microsoft.com/office/drawing/2010/main" val="0"/>
@@ -6261,8 +6234,8 @@
         </p:blipFill>
         <p:spPr>
           <a:xfrm>
-            <a:off x="5273696" y="1044707"/>
-            <a:ext cx="1929130" cy="4287520"/>
+            <a:off x="9024502" y="1154849"/>
+            <a:ext cx="2431858" cy="4927963"/>
           </a:xfrm>
           <a:prstGeom prst="rect">
             <a:avLst/>
@@ -6289,15 +6262,15 @@
           <p:nvPr/>
         </p:nvPicPr>
         <p:blipFill>
-          <a:blip r:embed="rId5"/>
+          <a:blip r:embed="rId3"/>
           <a:stretch>
             <a:fillRect/>
           </a:stretch>
         </p:blipFill>
         <p:spPr>
           <a:xfrm>
-            <a:off x="7423857" y="1100413"/>
-            <a:ext cx="1905000" cy="3877945"/>
+            <a:off x="3664141" y="1175042"/>
+            <a:ext cx="2431859" cy="4950454"/>
           </a:xfrm>
           <a:prstGeom prst="rect">
             <a:avLst/>
@@ -6319,21 +6292,110 @@
           <p:nvPr/>
         </p:nvPicPr>
         <p:blipFill>
-          <a:blip r:embed="rId6"/>
+          <a:blip r:embed="rId4"/>
           <a:stretch>
             <a:fillRect/>
           </a:stretch>
         </p:blipFill>
         <p:spPr>
           <a:xfrm>
-            <a:off x="9533701" y="1154850"/>
-            <a:ext cx="1809750" cy="3657600"/>
+            <a:off x="6334461" y="1192812"/>
+            <a:ext cx="2431858" cy="4914913"/>
           </a:xfrm>
           <a:prstGeom prst="rect">
             <a:avLst/>
           </a:prstGeom>
         </p:spPr>
       </p:pic>
+      <p:pic>
+        <p:nvPicPr>
+          <p:cNvPr id="10" name="Picture 9">
+            <a:extLst>
+              <a:ext uri="{FF2B5EF4-FFF2-40B4-BE49-F238E27FC236}">
+                <a16:creationId xmlns:a16="http://schemas.microsoft.com/office/drawing/2014/main" id="{6D44FBBB-9EC0-4B19-8124-8189EC5F0DB9}"/>
+              </a:ext>
+            </a:extLst>
+          </p:cNvPr>
+          <p:cNvPicPr>
+            <a:picLocks noChangeAspect="1"/>
+          </p:cNvPicPr>
+          <p:nvPr/>
+        </p:nvPicPr>
+        <p:blipFill>
+          <a:blip r:embed="rId5">
+            <a:extLst>
+              <a:ext uri="{28A0092B-C50C-407E-A947-70E740481C1C}">
+                <a14:useLocalDpi xmlns:a14="http://schemas.microsoft.com/office/drawing/2010/main" val="0"/>
+              </a:ext>
+            </a:extLst>
+          </a:blip>
+          <a:stretch>
+            <a:fillRect/>
+          </a:stretch>
+        </p:blipFill>
+        <p:spPr>
+          <a:xfrm>
+            <a:off x="993822" y="1154849"/>
+            <a:ext cx="2431858" cy="4994490"/>
+          </a:xfrm>
+          <a:prstGeom prst="rect">
+            <a:avLst/>
+          </a:prstGeom>
+        </p:spPr>
+      </p:pic>
+      <p:sp>
+        <p:nvSpPr>
+          <p:cNvPr id="11" name="Rectangle 10">
+            <a:extLst>
+              <a:ext uri="{FF2B5EF4-FFF2-40B4-BE49-F238E27FC236}">
+                <a16:creationId xmlns:a16="http://schemas.microsoft.com/office/drawing/2014/main" id="{716C6F2A-FF80-40B3-AFD4-D594E4564C37}"/>
+              </a:ext>
+            </a:extLst>
+          </p:cNvPr>
+          <p:cNvSpPr/>
+          <p:nvPr/>
+        </p:nvSpPr>
+        <p:spPr>
+          <a:xfrm>
+            <a:off x="1134500" y="2940911"/>
+            <a:ext cx="1111349" cy="196947"/>
+          </a:xfrm>
+          <a:prstGeom prst="rect">
+            <a:avLst/>
+          </a:prstGeom>
+          <a:ln>
+            <a:solidFill>
+              <a:schemeClr val="tx1"/>
+            </a:solidFill>
+          </a:ln>
+        </p:spPr>
+        <p:style>
+          <a:lnRef idx="2">
+            <a:schemeClr val="accent6"/>
+          </a:lnRef>
+          <a:fillRef idx="1">
+            <a:schemeClr val="lt1"/>
+          </a:fillRef>
+          <a:effectRef idx="0">
+            <a:schemeClr val="accent6"/>
+          </a:effectRef>
+          <a:fontRef idx="minor">
+            <a:schemeClr val="dk1"/>
+          </a:fontRef>
+        </p:style>
+        <p:txBody>
+          <a:bodyPr rtlCol="0" anchor="ctr"/>
+          <a:lstStyle/>
+          <a:p>
+            <a:pPr algn="ctr"/>
+            <a:r>
+              <a:rPr lang="en-US" sz="1100" dirty="0"/>
+              <a:t>98387163XX</a:t>
+            </a:r>
+            <a:endParaRPr lang="en-IN" sz="1100" dirty="0"/>
+          </a:p>
+        </p:txBody>
+      </p:sp>
     </p:spTree>
     <p:extLst>
       <p:ext uri="{BB962C8B-B14F-4D97-AF65-F5344CB8AC3E}">
@@ -6388,8 +6450,8 @@
         </p:blipFill>
         <p:spPr>
           <a:xfrm>
-            <a:off x="721290" y="1583469"/>
-            <a:ext cx="2257425" cy="2705100"/>
+            <a:off x="3116626" y="3429000"/>
+            <a:ext cx="2059052" cy="2467387"/>
           </a:xfrm>
           <a:prstGeom prst="rect">
             <a:avLst/>
@@ -6425,8 +6487,8 @@
         </p:blipFill>
         <p:spPr bwMode="auto">
           <a:xfrm>
-            <a:off x="8586331" y="1195636"/>
-            <a:ext cx="1809750" cy="4021455"/>
+            <a:off x="913695" y="1280042"/>
+            <a:ext cx="2025908" cy="4501780"/>
           </a:xfrm>
           <a:prstGeom prst="rect">
             <a:avLst/>
@@ -6437,6 +6499,36 @@
               <a:schemeClr val="tx1"/>
             </a:solidFill>
           </a:ln>
+        </p:spPr>
+      </p:pic>
+      <p:pic>
+        <p:nvPicPr>
+          <p:cNvPr id="3" name="Picture 2">
+            <a:extLst>
+              <a:ext uri="{FF2B5EF4-FFF2-40B4-BE49-F238E27FC236}">
+                <a16:creationId xmlns:a16="http://schemas.microsoft.com/office/drawing/2014/main" id="{C8868552-F0B0-4312-BB03-1DF5E1F2FD51}"/>
+              </a:ext>
+            </a:extLst>
+          </p:cNvPr>
+          <p:cNvPicPr>
+            <a:picLocks noChangeAspect="1"/>
+          </p:cNvPicPr>
+          <p:nvPr/>
+        </p:nvPicPr>
+        <p:blipFill>
+          <a:blip r:embed="rId4"/>
+          <a:stretch>
+            <a:fillRect/>
+          </a:stretch>
+        </p:blipFill>
+        <p:spPr>
+          <a:xfrm>
+            <a:off x="3116626" y="1280042"/>
+            <a:ext cx="8620125" cy="1981200"/>
+          </a:xfrm>
+          <a:prstGeom prst="rect">
+            <a:avLst/>
+          </a:prstGeom>
         </p:spPr>
       </p:pic>
     </p:spTree>
@@ -6491,10 +6583,16 @@
           <a:lstStyle/>
           <a:p>
             <a:r>
-              <a:rPr lang="en-US" dirty="0"/>
+              <a:rPr lang="en-US" dirty="0">
+                <a:latin typeface="Times New Roman" panose="02020603050405020304" pitchFamily="18" charset="0"/>
+                <a:cs typeface="Times New Roman" panose="02020603050405020304" pitchFamily="18" charset="0"/>
+              </a:rPr>
               <a:t>Conclusion and future scope</a:t>
             </a:r>
-            <a:endParaRPr lang="en-IN" dirty="0"/>
+            <a:endParaRPr lang="en-IN" dirty="0">
+              <a:latin typeface="Times New Roman" panose="02020603050405020304" pitchFamily="18" charset="0"/>
+              <a:cs typeface="Times New Roman" panose="02020603050405020304" pitchFamily="18" charset="0"/>
+            </a:endParaRPr>
           </a:p>
         </p:txBody>
       </p:sp>
@@ -6527,62 +6625,95 @@
           <a:lstStyle/>
           <a:p>
             <a:r>
-              <a:rPr lang="en-US" dirty="0"/>
+              <a:rPr lang="en-US" dirty="0">
+                <a:latin typeface="Times New Roman" panose="02020603050405020304" pitchFamily="18" charset="0"/>
+                <a:cs typeface="Times New Roman" panose="02020603050405020304" pitchFamily="18" charset="0"/>
+              </a:rPr>
               <a:t>Allows users to navigate the traveling process independently.</a:t>
             </a:r>
           </a:p>
           <a:p>
             <a:r>
-              <a:rPr lang="en-US" dirty="0"/>
+              <a:rPr lang="en-US" dirty="0">
+                <a:latin typeface="Times New Roman" panose="02020603050405020304" pitchFamily="18" charset="0"/>
+                <a:cs typeface="Times New Roman" panose="02020603050405020304" pitchFamily="18" charset="0"/>
+              </a:rPr>
               <a:t>Provides recommendations for great places to visit.</a:t>
             </a:r>
           </a:p>
           <a:p>
             <a:r>
-              <a:rPr lang="en-US" dirty="0"/>
+              <a:rPr lang="en-US" dirty="0">
+                <a:latin typeface="Times New Roman" panose="02020603050405020304" pitchFamily="18" charset="0"/>
+                <a:cs typeface="Times New Roman" panose="02020603050405020304" pitchFamily="18" charset="0"/>
+              </a:rPr>
               <a:t>Offers routes for travel.</a:t>
             </a:r>
           </a:p>
           <a:p>
             <a:r>
-              <a:rPr lang="en-US" dirty="0"/>
+              <a:rPr lang="en-US" dirty="0">
+                <a:latin typeface="Times New Roman" panose="02020603050405020304" pitchFamily="18" charset="0"/>
+                <a:cs typeface="Times New Roman" panose="02020603050405020304" pitchFamily="18" charset="0"/>
+              </a:rPr>
               <a:t>Includes live support for user navigation during travels.</a:t>
             </a:r>
           </a:p>
           <a:p>
-            <a:r>
-              <a:rPr lang="en-US" dirty="0"/>
+            <a:pPr marL="0" indent="0">
+              <a:buNone/>
+            </a:pPr>
+            <a:r>
+              <a:rPr lang="en-US" b="1" dirty="0">
+                <a:latin typeface="Times New Roman" panose="02020603050405020304" pitchFamily="18" charset="0"/>
+                <a:cs typeface="Times New Roman" panose="02020603050405020304" pitchFamily="18" charset="0"/>
+              </a:rPr>
               <a:t>Future Scope:</a:t>
             </a:r>
           </a:p>
           <a:p>
             <a:pPr lvl="1"/>
             <a:r>
-              <a:rPr lang="en-US" dirty="0"/>
+              <a:rPr lang="en-US" dirty="0">
+                <a:latin typeface="Times New Roman" panose="02020603050405020304" pitchFamily="18" charset="0"/>
+                <a:cs typeface="Times New Roman" panose="02020603050405020304" pitchFamily="18" charset="0"/>
+              </a:rPr>
               <a:t>Upgrade the machine learning model.</a:t>
             </a:r>
           </a:p>
           <a:p>
             <a:pPr lvl="1"/>
             <a:r>
-              <a:rPr lang="en-US" dirty="0"/>
+              <a:rPr lang="en-US" dirty="0">
+                <a:latin typeface="Times New Roman" panose="02020603050405020304" pitchFamily="18" charset="0"/>
+                <a:cs typeface="Times New Roman" panose="02020603050405020304" pitchFamily="18" charset="0"/>
+              </a:rPr>
               <a:t>Add a collaborative model to enhance output refinement.</a:t>
             </a:r>
           </a:p>
           <a:p>
             <a:pPr lvl="1"/>
             <a:r>
-              <a:rPr lang="en-US" dirty="0"/>
+              <a:rPr lang="en-US" dirty="0">
+                <a:latin typeface="Times New Roman" panose="02020603050405020304" pitchFamily="18" charset="0"/>
+                <a:cs typeface="Times New Roman" panose="02020603050405020304" pitchFamily="18" charset="0"/>
+              </a:rPr>
               <a:t>Integrate additional functions to centralize all travel-related information within the app.</a:t>
             </a:r>
           </a:p>
           <a:p>
             <a:pPr lvl="1"/>
             <a:r>
-              <a:rPr lang="en-US" dirty="0"/>
+              <a:rPr lang="en-US" dirty="0">
+                <a:latin typeface="Times New Roman" panose="02020603050405020304" pitchFamily="18" charset="0"/>
+                <a:cs typeface="Times New Roman" panose="02020603050405020304" pitchFamily="18" charset="0"/>
+              </a:rPr>
               <a:t>Aim to cover all aspects of traveling and touring within the application.</a:t>
             </a:r>
-            <a:endParaRPr lang="en-IN" dirty="0"/>
+            <a:endParaRPr lang="en-IN" dirty="0">
+              <a:latin typeface="Times New Roman" panose="02020603050405020304" pitchFamily="18" charset="0"/>
+              <a:cs typeface="Times New Roman" panose="02020603050405020304" pitchFamily="18" charset="0"/>
+            </a:endParaRPr>
           </a:p>
         </p:txBody>
       </p:sp>
@@ -6638,10 +6769,16 @@
           <a:lstStyle/>
           <a:p>
             <a:r>
-              <a:rPr lang="en-US" dirty="0"/>
+              <a:rPr lang="en-US" dirty="0">
+                <a:latin typeface="Times New Roman" panose="02020603050405020304" pitchFamily="18" charset="0"/>
+                <a:cs typeface="Times New Roman" panose="02020603050405020304" pitchFamily="18" charset="0"/>
+              </a:rPr>
               <a:t>Objective and Scope</a:t>
             </a:r>
-            <a:endParaRPr lang="en-IN" dirty="0"/>
+            <a:endParaRPr lang="en-IN" dirty="0">
+              <a:latin typeface="Times New Roman" panose="02020603050405020304" pitchFamily="18" charset="0"/>
+              <a:cs typeface="Times New Roman" panose="02020603050405020304" pitchFamily="18" charset="0"/>
+            </a:endParaRPr>
           </a:p>
         </p:txBody>
       </p:sp>
@@ -6661,18 +6798,26 @@
             <p:ph idx="1"/>
           </p:nvPr>
         </p:nvSpPr>
-        <p:spPr/>
+        <p:spPr>
+          <a:xfrm>
+            <a:off x="913795" y="2096064"/>
+            <a:ext cx="10353762" cy="4403210"/>
+          </a:xfrm>
+        </p:spPr>
         <p:txBody>
           <a:bodyPr>
-            <a:normAutofit fontScale="85000" lnSpcReduction="10000"/>
+            <a:normAutofit/>
           </a:bodyPr>
           <a:lstStyle/>
           <a:p>
-            <a:pPr algn="l"/>
-            <a:r>
-              <a:rPr lang="en-US" b="1" i="0" dirty="0">
+            <a:pPr marL="0" indent="0" algn="l">
+              <a:buNone/>
+            </a:pPr>
+            <a:r>
+              <a:rPr lang="en-US" sz="1800" b="1" i="0" dirty="0">
                 <a:effectLst/>
-                <a:latin typeface="ui-sans-serif"/>
+                <a:latin typeface="Times New Roman" panose="02020603050405020304" pitchFamily="18" charset="0"/>
+                <a:cs typeface="Times New Roman" panose="02020603050405020304" pitchFamily="18" charset="0"/>
               </a:rPr>
               <a:t>Objective</a:t>
             </a:r>
@@ -6680,9 +6825,10 @@
           <a:p>
             <a:pPr lvl="1"/>
             <a:r>
-              <a:rPr lang="en-US" b="0" i="0" dirty="0">
+              <a:rPr lang="en-US" sz="1600" b="0" i="0" dirty="0">
                 <a:effectLst/>
-                <a:latin typeface="ui-sans-serif"/>
+                <a:latin typeface="Times New Roman" panose="02020603050405020304" pitchFamily="18" charset="0"/>
+                <a:cs typeface="Times New Roman" panose="02020603050405020304" pitchFamily="18" charset="0"/>
               </a:rPr>
               <a:t>Create a Tourism Recommendation App.</a:t>
             </a:r>
@@ -6690,9 +6836,10 @@
           <a:p>
             <a:pPr lvl="1"/>
             <a:r>
-              <a:rPr lang="en-US" b="0" i="0" dirty="0">
+              <a:rPr lang="en-US" sz="1600" b="0" i="0" dirty="0">
                 <a:effectLst/>
-                <a:latin typeface="ui-sans-serif"/>
+                <a:latin typeface="Times New Roman" panose="02020603050405020304" pitchFamily="18" charset="0"/>
+                <a:cs typeface="Times New Roman" panose="02020603050405020304" pitchFamily="18" charset="0"/>
               </a:rPr>
               <a:t>Collect user information about their vacation preferences.</a:t>
             </a:r>
@@ -6700,9 +6847,10 @@
           <a:p>
             <a:pPr lvl="1"/>
             <a:r>
-              <a:rPr lang="en-US" b="0" i="0" dirty="0">
+              <a:rPr lang="en-US" sz="1600" b="0" i="0" dirty="0">
                 <a:effectLst/>
-                <a:latin typeface="ui-sans-serif"/>
+                <a:latin typeface="Times New Roman" panose="02020603050405020304" pitchFamily="18" charset="0"/>
+                <a:cs typeface="Times New Roman" panose="02020603050405020304" pitchFamily="18" charset="0"/>
               </a:rPr>
               <a:t>Provide a customized travel plan.</a:t>
             </a:r>
@@ -6710,9 +6858,10 @@
           <a:p>
             <a:pPr lvl="1"/>
             <a:r>
-              <a:rPr lang="en-US" b="0" i="0" dirty="0">
+              <a:rPr lang="en-US" sz="1600" b="0" i="0" dirty="0">
                 <a:effectLst/>
-                <a:latin typeface="ui-sans-serif"/>
+                <a:latin typeface="Times New Roman" panose="02020603050405020304" pitchFamily="18" charset="0"/>
+                <a:cs typeface="Times New Roman" panose="02020603050405020304" pitchFamily="18" charset="0"/>
               </a:rPr>
               <a:t>Include details such as hotel pricing, travel costs, travel routes, etc.</a:t>
             </a:r>
@@ -6720,19 +6869,23 @@
           <a:p>
             <a:pPr lvl="1"/>
             <a:r>
-              <a:rPr lang="en-US" b="0" i="0" dirty="0">
+              <a:rPr lang="en-US" sz="1600" b="0" i="0" dirty="0">
                 <a:effectLst/>
-                <a:latin typeface="ui-sans-serif"/>
+                <a:latin typeface="Times New Roman" panose="02020603050405020304" pitchFamily="18" charset="0"/>
+                <a:cs typeface="Times New Roman" panose="02020603050405020304" pitchFamily="18" charset="0"/>
               </a:rPr>
               <a:t>Offer live reporting on traffic and current pricing.</a:t>
             </a:r>
           </a:p>
           <a:p>
-            <a:pPr algn="l"/>
-            <a:r>
-              <a:rPr lang="en-US" b="1" i="0" dirty="0">
+            <a:pPr marL="0" indent="0" algn="l">
+              <a:buNone/>
+            </a:pPr>
+            <a:r>
+              <a:rPr lang="en-US" sz="1800" b="1" i="0" dirty="0">
                 <a:effectLst/>
-                <a:latin typeface="ui-sans-serif"/>
+                <a:latin typeface="Times New Roman" panose="02020603050405020304" pitchFamily="18" charset="0"/>
+                <a:cs typeface="Times New Roman" panose="02020603050405020304" pitchFamily="18" charset="0"/>
               </a:rPr>
               <a:t>Scope</a:t>
             </a:r>
@@ -6740,9 +6893,10 @@
           <a:p>
             <a:pPr lvl="1"/>
             <a:r>
-              <a:rPr lang="en-US" b="0" i="0" dirty="0">
+              <a:rPr lang="en-US" sz="1600" b="0" i="0" dirty="0">
                 <a:effectLst/>
-                <a:latin typeface="ui-sans-serif"/>
+                <a:latin typeface="Times New Roman" panose="02020603050405020304" pitchFamily="18" charset="0"/>
+                <a:cs typeface="Times New Roman" panose="02020603050405020304" pitchFamily="18" charset="0"/>
               </a:rPr>
               <a:t>Develop and implement recommendation algorithms.</a:t>
             </a:r>
@@ -6750,9 +6904,10 @@
           <a:p>
             <a:pPr lvl="1"/>
             <a:r>
-              <a:rPr lang="en-US" b="0" i="0" dirty="0">
+              <a:rPr lang="en-US" sz="1600" b="0" i="0" dirty="0">
                 <a:effectLst/>
-                <a:latin typeface="ui-sans-serif"/>
+                <a:latin typeface="Times New Roman" panose="02020603050405020304" pitchFamily="18" charset="0"/>
+                <a:cs typeface="Times New Roman" panose="02020603050405020304" pitchFamily="18" charset="0"/>
               </a:rPr>
               <a:t>Tailor plans and services based on user details and interests.</a:t>
             </a:r>
@@ -6760,9 +6915,10 @@
           <a:p>
             <a:pPr lvl="1"/>
             <a:r>
-              <a:rPr lang="en-US" b="0" i="0" dirty="0">
+              <a:rPr lang="en-US" sz="1600" b="0" i="0" dirty="0">
                 <a:effectLst/>
-                <a:latin typeface="ui-sans-serif"/>
+                <a:latin typeface="Times New Roman" panose="02020603050405020304" pitchFamily="18" charset="0"/>
+                <a:cs typeface="Times New Roman" panose="02020603050405020304" pitchFamily="18" charset="0"/>
               </a:rPr>
               <a:t>Include recommendations for pricing, travel, hotels, eateries, and other necessities.</a:t>
             </a:r>
@@ -6770,15 +6926,19 @@
           <a:p>
             <a:pPr lvl="1"/>
             <a:r>
-              <a:rPr lang="en-US" b="0" i="0" dirty="0">
+              <a:rPr lang="en-US" sz="1600" b="0" i="0" dirty="0">
                 <a:effectLst/>
-                <a:latin typeface="ui-sans-serif"/>
+                <a:latin typeface="Times New Roman" panose="02020603050405020304" pitchFamily="18" charset="0"/>
+                <a:cs typeface="Times New Roman" panose="02020603050405020304" pitchFamily="18" charset="0"/>
               </a:rPr>
               <a:t>Provide live location services for nearby necessities during the user's travel.</a:t>
             </a:r>
           </a:p>
           <a:p>
-            <a:endParaRPr lang="en-IN" dirty="0"/>
+            <a:endParaRPr lang="en-IN" sz="1800" dirty="0">
+              <a:latin typeface="Times New Roman" panose="02020603050405020304" pitchFamily="18" charset="0"/>
+              <a:cs typeface="Times New Roman" panose="02020603050405020304" pitchFamily="18" charset="0"/>
+            </a:endParaRPr>
           </a:p>
         </p:txBody>
       </p:sp>
@@ -6834,10 +6994,16 @@
           <a:lstStyle/>
           <a:p>
             <a:r>
-              <a:rPr lang="en-US" dirty="0"/>
+              <a:rPr lang="en-US" dirty="0">
+                <a:latin typeface="Times New Roman" panose="02020603050405020304" pitchFamily="18" charset="0"/>
+                <a:cs typeface="Times New Roman" panose="02020603050405020304" pitchFamily="18" charset="0"/>
+              </a:rPr>
               <a:t>Problem Statement</a:t>
             </a:r>
-            <a:endParaRPr lang="en-IN" dirty="0"/>
+            <a:endParaRPr lang="en-IN" dirty="0">
+              <a:latin typeface="Times New Roman" panose="02020603050405020304" pitchFamily="18" charset="0"/>
+              <a:cs typeface="Times New Roman" panose="02020603050405020304" pitchFamily="18" charset="0"/>
+            </a:endParaRPr>
           </a:p>
         </p:txBody>
       </p:sp>
@@ -6859,7 +7025,7 @@
         </p:nvSpPr>
         <p:spPr>
           <a:xfrm>
-            <a:off x="913795" y="2096063"/>
+            <a:off x="913795" y="1758438"/>
             <a:ext cx="11052918" cy="4678447"/>
           </a:xfrm>
         </p:spPr>
@@ -6869,11 +7035,14 @@
           </a:bodyPr>
           <a:lstStyle/>
           <a:p>
-            <a:pPr algn="l"/>
+            <a:pPr marL="0" indent="0" algn="l">
+              <a:buNone/>
+            </a:pPr>
             <a:r>
               <a:rPr lang="en-US" sz="2300" b="1" i="0" dirty="0">
                 <a:effectLst/>
-                <a:latin typeface="ui-sans-serif"/>
+                <a:latin typeface="Times New Roman" panose="02020603050405020304" pitchFamily="18" charset="0"/>
+                <a:cs typeface="Times New Roman" panose="02020603050405020304" pitchFamily="18" charset="0"/>
               </a:rPr>
               <a:t>Problem:</a:t>
             </a:r>
@@ -6883,7 +7052,8 @@
             <a:r>
               <a:rPr lang="en-US" sz="2100" b="0" i="0" dirty="0">
                 <a:effectLst/>
-                <a:latin typeface="ui-sans-serif"/>
+                <a:latin typeface="Times New Roman" panose="02020603050405020304" pitchFamily="18" charset="0"/>
+                <a:cs typeface="Times New Roman" panose="02020603050405020304" pitchFamily="18" charset="0"/>
               </a:rPr>
               <a:t>Traditional tourism apps provide fixed plans with set schedules.</a:t>
             </a:r>
@@ -6893,7 +7063,8 @@
             <a:r>
               <a:rPr lang="en-US" sz="2100" b="0" i="0" dirty="0">
                 <a:effectLst/>
-                <a:latin typeface="ui-sans-serif"/>
+                <a:latin typeface="Times New Roman" panose="02020603050405020304" pitchFamily="18" charset="0"/>
+                <a:cs typeface="Times New Roman" panose="02020603050405020304" pitchFamily="18" charset="0"/>
               </a:rPr>
               <a:t>Travelers have limited control over their itinerary.</a:t>
             </a:r>
@@ -6903,7 +7074,8 @@
             <a:r>
               <a:rPr lang="en-US" sz="2100" b="0" i="0" dirty="0">
                 <a:effectLst/>
-                <a:latin typeface="ui-sans-serif"/>
+                <a:latin typeface="Times New Roman" panose="02020603050405020304" pitchFamily="18" charset="0"/>
+                <a:cs typeface="Times New Roman" panose="02020603050405020304" pitchFamily="18" charset="0"/>
               </a:rPr>
               <a:t>Need for an app that allows flexible, self-guided travel.</a:t>
             </a:r>
@@ -6913,17 +7085,21 @@
             <a:r>
               <a:rPr lang="en-US" sz="2100" b="0" i="0" dirty="0">
                 <a:effectLst/>
-                <a:latin typeface="ui-sans-serif"/>
+                <a:latin typeface="Times New Roman" panose="02020603050405020304" pitchFamily="18" charset="0"/>
+                <a:cs typeface="Times New Roman" panose="02020603050405020304" pitchFamily="18" charset="0"/>
               </a:rPr>
               <a:t>App should recommend landmarks, general pricing of amenities, etc.</a:t>
             </a:r>
           </a:p>
           <a:p>
-            <a:pPr algn="l"/>
+            <a:pPr marL="0" indent="0" algn="l">
+              <a:buNone/>
+            </a:pPr>
             <a:r>
               <a:rPr lang="en-US" sz="2300" b="1" i="0" dirty="0">
                 <a:effectLst/>
-                <a:latin typeface="ui-sans-serif"/>
+                <a:latin typeface="Times New Roman" panose="02020603050405020304" pitchFamily="18" charset="0"/>
+                <a:cs typeface="Times New Roman" panose="02020603050405020304" pitchFamily="18" charset="0"/>
               </a:rPr>
               <a:t>Background:</a:t>
             </a:r>
@@ -6933,7 +7109,8 @@
             <a:r>
               <a:rPr lang="en-US" sz="2100" b="0" i="0" dirty="0">
                 <a:effectLst/>
-                <a:latin typeface="ui-sans-serif"/>
+                <a:latin typeface="Times New Roman" panose="02020603050405020304" pitchFamily="18" charset="0"/>
+                <a:cs typeface="Times New Roman" panose="02020603050405020304" pitchFamily="18" charset="0"/>
               </a:rPr>
               <a:t>Some travelers prefer planning their vacations independently.</a:t>
             </a:r>
@@ -6943,7 +7120,8 @@
             <a:r>
               <a:rPr lang="en-US" sz="2100" b="0" i="0" dirty="0">
                 <a:effectLst/>
-                <a:latin typeface="ui-sans-serif"/>
+                <a:latin typeface="Times New Roman" panose="02020603050405020304" pitchFamily="18" charset="0"/>
+                <a:cs typeface="Times New Roman" panose="02020603050405020304" pitchFamily="18" charset="0"/>
               </a:rPr>
               <a:t>Requires detailed research for safe and satisfying travel.</a:t>
             </a:r>
@@ -6953,7 +7131,8 @@
             <a:r>
               <a:rPr lang="en-US" sz="2100" b="0" i="0" dirty="0">
                 <a:effectLst/>
-                <a:latin typeface="ui-sans-serif"/>
+                <a:latin typeface="Times New Roman" panose="02020603050405020304" pitchFamily="18" charset="0"/>
+                <a:cs typeface="Times New Roman" panose="02020603050405020304" pitchFamily="18" charset="0"/>
               </a:rPr>
               <a:t>Information is scattered across the internet or requires local communication.</a:t>
             </a:r>
@@ -6963,17 +7142,21 @@
             <a:r>
               <a:rPr lang="en-US" sz="2100" b="0" i="0" dirty="0">
                 <a:effectLst/>
-                <a:latin typeface="ui-sans-serif"/>
+                <a:latin typeface="Times New Roman" panose="02020603050405020304" pitchFamily="18" charset="0"/>
+                <a:cs typeface="Times New Roman" panose="02020603050405020304" pitchFamily="18" charset="0"/>
               </a:rPr>
               <a:t>Need for a centralized source of live and regularly updated travel information.</a:t>
             </a:r>
           </a:p>
           <a:p>
-            <a:pPr algn="l"/>
+            <a:pPr marL="0" indent="0" algn="l">
+              <a:buNone/>
+            </a:pPr>
             <a:r>
               <a:rPr lang="en-US" sz="2300" b="1" i="0" dirty="0">
                 <a:effectLst/>
-                <a:latin typeface="ui-sans-serif"/>
+                <a:latin typeface="Times New Roman" panose="02020603050405020304" pitchFamily="18" charset="0"/>
+                <a:cs typeface="Times New Roman" panose="02020603050405020304" pitchFamily="18" charset="0"/>
               </a:rPr>
               <a:t>Relevance:</a:t>
             </a:r>
@@ -6983,7 +7166,8 @@
             <a:r>
               <a:rPr lang="en-US" sz="2100" b="0" i="0" dirty="0">
                 <a:effectLst/>
-                <a:latin typeface="ui-sans-serif"/>
+                <a:latin typeface="Times New Roman" panose="02020603050405020304" pitchFamily="18" charset="0"/>
+                <a:cs typeface="Times New Roman" panose="02020603050405020304" pitchFamily="18" charset="0"/>
               </a:rPr>
               <a:t>Keeps users informed about various aspects of self-guided travel.</a:t>
             </a:r>
@@ -6993,7 +7177,8 @@
             <a:r>
               <a:rPr lang="en-US" sz="2100" b="0" i="0" dirty="0">
                 <a:effectLst/>
-                <a:latin typeface="ui-sans-serif"/>
+                <a:latin typeface="Times New Roman" panose="02020603050405020304" pitchFamily="18" charset="0"/>
+                <a:cs typeface="Times New Roman" panose="02020603050405020304" pitchFamily="18" charset="0"/>
               </a:rPr>
               <a:t>Provides updated information on hotel and travel pricing.</a:t>
             </a:r>
@@ -7003,7 +7188,8 @@
             <a:r>
               <a:rPr lang="en-US" sz="2100" b="0" i="0" dirty="0">
                 <a:effectLst/>
-                <a:latin typeface="ui-sans-serif"/>
+                <a:latin typeface="Times New Roman" panose="02020603050405020304" pitchFamily="18" charset="0"/>
+                <a:cs typeface="Times New Roman" panose="02020603050405020304" pitchFamily="18" charset="0"/>
               </a:rPr>
               <a:t>Offers live traffic updates for planned travel routes.</a:t>
             </a:r>
@@ -7013,13 +7199,17 @@
             <a:r>
               <a:rPr lang="en-US" sz="2100" b="0" i="0" dirty="0">
                 <a:effectLst/>
-                <a:latin typeface="ui-sans-serif"/>
+                <a:latin typeface="Times New Roman" panose="02020603050405020304" pitchFamily="18" charset="0"/>
+                <a:cs typeface="Times New Roman" panose="02020603050405020304" pitchFamily="18" charset="0"/>
               </a:rPr>
               <a:t>Eliminates the need for assistance from tourism agencies.</a:t>
             </a:r>
           </a:p>
           <a:p>
-            <a:endParaRPr lang="en-IN" dirty="0"/>
+            <a:endParaRPr lang="en-IN" dirty="0">
+              <a:latin typeface="Times New Roman" panose="02020603050405020304" pitchFamily="18" charset="0"/>
+              <a:cs typeface="Times New Roman" panose="02020603050405020304" pitchFamily="18" charset="0"/>
+            </a:endParaRPr>
           </a:p>
         </p:txBody>
       </p:sp>
@@ -7075,10 +7265,16 @@
           <a:lstStyle/>
           <a:p>
             <a:r>
-              <a:rPr lang="en-US" dirty="0"/>
+              <a:rPr lang="en-US" dirty="0">
+                <a:latin typeface="Times New Roman" panose="02020603050405020304" pitchFamily="18" charset="0"/>
+                <a:cs typeface="Times New Roman" panose="02020603050405020304" pitchFamily="18" charset="0"/>
+              </a:rPr>
               <a:t>Hardware &amp; Software Requirements</a:t>
             </a:r>
-            <a:endParaRPr lang="en-IN" dirty="0"/>
+            <a:endParaRPr lang="en-IN" dirty="0">
+              <a:latin typeface="Times New Roman" panose="02020603050405020304" pitchFamily="18" charset="0"/>
+              <a:cs typeface="Times New Roman" panose="02020603050405020304" pitchFamily="18" charset="0"/>
+            </a:endParaRPr>
           </a:p>
         </p:txBody>
       </p:sp>
@@ -7098,12 +7294,48 @@
             <p:ph idx="1"/>
           </p:nvPr>
         </p:nvSpPr>
-        <p:spPr/>
-        <p:txBody>
-          <a:bodyPr/>
-          <a:lstStyle/>
-          <a:p>
-            <a:pPr>
+        <p:spPr>
+          <a:xfrm>
+            <a:off x="1152946" y="1935921"/>
+            <a:ext cx="4333454" cy="3695136"/>
+          </a:xfrm>
+        </p:spPr>
+        <p:txBody>
+          <a:bodyPr>
+            <a:normAutofit/>
+          </a:bodyPr>
+          <a:lstStyle/>
+          <a:p>
+            <a:pPr marL="0" indent="0">
+              <a:lnSpc>
+                <a:spcPct val="200000"/>
+              </a:lnSpc>
+              <a:spcBef>
+                <a:spcPts val="600"/>
+              </a:spcBef>
+              <a:spcAft>
+                <a:spcPts val="600"/>
+              </a:spcAft>
+              <a:buNone/>
+            </a:pPr>
+            <a:r>
+              <a:rPr lang="en-IN" sz="1800" b="1" kern="100" dirty="0">
+                <a:effectLst/>
+                <a:latin typeface="Times New Roman" panose="02020603050405020304" pitchFamily="18" charset="0"/>
+                <a:ea typeface="Times New Roman" panose="02020603050405020304" pitchFamily="18" charset="0"/>
+                <a:cs typeface="Times New Roman" panose="02020603050405020304" pitchFamily="18" charset="0"/>
+              </a:rPr>
+              <a:t>Hardware Requirements:</a:t>
+            </a:r>
+            <a:endParaRPr lang="en-IN" sz="1800" b="1" kern="100" dirty="0">
+              <a:effectLst/>
+              <a:latin typeface="Calibri Light" panose="020F0302020204030204" pitchFamily="34" charset="0"/>
+              <a:ea typeface="Times New Roman" panose="02020603050405020304" pitchFamily="18" charset="0"/>
+              <a:cs typeface="Times New Roman" panose="02020603050405020304" pitchFamily="18" charset="0"/>
+            </a:endParaRPr>
+          </a:p>
+          <a:p>
+            <a:pPr lvl="1">
               <a:lnSpc>
                 <a:spcPct val="200000"/>
               </a:lnSpc>
@@ -7115,23 +7347,23 @@
               </a:spcAft>
             </a:pPr>
             <a:r>
-              <a:rPr lang="en-IN" sz="1800" b="1" u="sng" kern="100" dirty="0">
+              <a:rPr lang="en-IN" sz="1600" kern="100" dirty="0">
                 <a:effectLst/>
                 <a:latin typeface="Times New Roman" panose="02020603050405020304" pitchFamily="18" charset="0"/>
-                <a:ea typeface="Times New Roman" panose="02020603050405020304" pitchFamily="18" charset="0"/>
+                <a:ea typeface="Calibri" panose="020F0502020204030204" pitchFamily="34" charset="0"/>
                 <a:cs typeface="Times New Roman" panose="02020603050405020304" pitchFamily="18" charset="0"/>
               </a:rPr>
-              <a:t>3.1 Hardware Requirements:</a:t>
-            </a:r>
-            <a:endParaRPr lang="en-IN" sz="1800" b="1" kern="100" dirty="0">
+              <a:t>Windows 10 or above</a:t>
+            </a:r>
+            <a:endParaRPr lang="en-IN" sz="1600" kern="100" dirty="0">
               <a:effectLst/>
-              <a:latin typeface="Calibri Light" panose="020F0302020204030204" pitchFamily="34" charset="0"/>
-              <a:ea typeface="Times New Roman" panose="02020603050405020304" pitchFamily="18" charset="0"/>
+              <a:latin typeface="Calibri" panose="020F0502020204030204" pitchFamily="34" charset="0"/>
+              <a:ea typeface="Calibri" panose="020F0502020204030204" pitchFamily="34" charset="0"/>
               <a:cs typeface="Times New Roman" panose="02020603050405020304" pitchFamily="18" charset="0"/>
             </a:endParaRPr>
           </a:p>
           <a:p>
-            <a:pPr lvl="1" algn="just">
+            <a:pPr lvl="1">
               <a:lnSpc>
                 <a:spcPct val="200000"/>
               </a:lnSpc>
@@ -7149,7 +7381,7 @@
                 <a:ea typeface="Calibri" panose="020F0502020204030204" pitchFamily="34" charset="0"/>
                 <a:cs typeface="Times New Roman" panose="02020603050405020304" pitchFamily="18" charset="0"/>
               </a:rPr>
-              <a:t>Windows 10 or above</a:t>
+              <a:t>RAM: 16 or above</a:t>
             </a:r>
             <a:endParaRPr lang="en-IN" sz="1600" kern="100" dirty="0">
               <a:effectLst/>
@@ -7159,7 +7391,7 @@
             </a:endParaRPr>
           </a:p>
           <a:p>
-            <a:pPr lvl="1" algn="just">
+            <a:pPr lvl="1">
               <a:lnSpc>
                 <a:spcPct val="200000"/>
               </a:lnSpc>
@@ -7177,34 +7409,6 @@
                 <a:ea typeface="Calibri" panose="020F0502020204030204" pitchFamily="34" charset="0"/>
                 <a:cs typeface="Times New Roman" panose="02020603050405020304" pitchFamily="18" charset="0"/>
               </a:rPr>
-              <a:t>RAM: 16 or above</a:t>
-            </a:r>
-            <a:endParaRPr lang="en-IN" sz="1600" kern="100" dirty="0">
-              <a:effectLst/>
-              <a:latin typeface="Calibri" panose="020F0502020204030204" pitchFamily="34" charset="0"/>
-              <a:ea typeface="Calibri" panose="020F0502020204030204" pitchFamily="34" charset="0"/>
-              <a:cs typeface="Times New Roman" panose="02020603050405020304" pitchFamily="18" charset="0"/>
-            </a:endParaRPr>
-          </a:p>
-          <a:p>
-            <a:pPr lvl="1" algn="just">
-              <a:lnSpc>
-                <a:spcPct val="200000"/>
-              </a:lnSpc>
-              <a:spcBef>
-                <a:spcPts val="600"/>
-              </a:spcBef>
-              <a:spcAft>
-                <a:spcPts val="600"/>
-              </a:spcAft>
-            </a:pPr>
-            <a:r>
-              <a:rPr lang="en-IN" sz="1600" kern="100" dirty="0">
-                <a:effectLst/>
-                <a:latin typeface="Times New Roman" panose="02020603050405020304" pitchFamily="18" charset="0"/>
-                <a:ea typeface="Calibri" panose="020F0502020204030204" pitchFamily="34" charset="0"/>
-                <a:cs typeface="Times New Roman" panose="02020603050405020304" pitchFamily="18" charset="0"/>
-              </a:rPr>
               <a:t>Processor: Intel core i5 5</a:t>
             </a:r>
             <a:r>
@@ -7233,7 +7437,7 @@
             </a:endParaRPr>
           </a:p>
           <a:p>
-            <a:pPr lvl="1" algn="just">
+            <a:pPr lvl="1">
               <a:lnSpc>
                 <a:spcPct val="200000"/>
               </a:lnSpc>
@@ -7323,7 +7527,7 @@
           </a:bodyPr>
           <a:lstStyle/>
           <a:p>
-            <a:pPr>
+            <a:pPr marL="0" indent="0">
               <a:lnSpc>
                 <a:spcPct val="200000"/>
               </a:lnSpc>
@@ -7333,15 +7537,16 @@
               <a:spcAft>
                 <a:spcPts val="600"/>
               </a:spcAft>
+              <a:buNone/>
             </a:pPr>
             <a:r>
-              <a:rPr lang="en-IN" sz="1800" b="1" u="sng" kern="100" dirty="0">
+              <a:rPr lang="en-IN" sz="1800" b="1" kern="100" dirty="0">
                 <a:effectLst/>
                 <a:latin typeface="Times New Roman" panose="02020603050405020304" pitchFamily="18" charset="0"/>
                 <a:ea typeface="Times New Roman" panose="02020603050405020304" pitchFamily="18" charset="0"/>
                 <a:cs typeface="Times New Roman" panose="02020603050405020304" pitchFamily="18" charset="0"/>
               </a:rPr>
-              <a:t>3.2 Software Requirements:</a:t>
+              <a:t>Software Requirements:</a:t>
             </a:r>
             <a:endParaRPr lang="en-IN" sz="1800" b="1" kern="100" dirty="0">
               <a:effectLst/>
@@ -7537,7 +7742,7 @@
                 <a:ea typeface="Calibri" panose="020F0502020204030204" pitchFamily="34" charset="0"/>
                 <a:cs typeface="Times New Roman" panose="02020603050405020304" pitchFamily="18" charset="0"/>
               </a:rPr>
-              <a:t>Database using Firebase</a:t>
+              <a:t>Firebase</a:t>
             </a:r>
             <a:endParaRPr lang="en-IN" sz="1600" kern="100" dirty="0">
               <a:effectLst/>
@@ -7593,16 +7798,7 @@
                 <a:ea typeface="Calibri" panose="020F0502020204030204" pitchFamily="34" charset="0"/>
                 <a:cs typeface="Times New Roman" panose="02020603050405020304" pitchFamily="18" charset="0"/>
               </a:rPr>
-              <a:t>Machine learning with </a:t>
-            </a:r>
-            <a:r>
-              <a:rPr lang="en-IN" sz="1600" kern="100" dirty="0" err="1">
-                <a:effectLst/>
-                <a:latin typeface="Times New Roman" panose="02020603050405020304" pitchFamily="18" charset="0"/>
-                <a:ea typeface="Calibri" panose="020F0502020204030204" pitchFamily="34" charset="0"/>
-                <a:cs typeface="Times New Roman" panose="02020603050405020304" pitchFamily="18" charset="0"/>
-              </a:rPr>
-              <a:t>Tensorflow</a:t>
+              <a:t>Machine learning with TensorFlow</a:t>
             </a:r>
             <a:endParaRPr lang="en-IN" sz="1600" kern="100" dirty="0">
               <a:effectLst/>
@@ -7668,10 +7864,16 @@
           <a:lstStyle/>
           <a:p>
             <a:r>
-              <a:rPr lang="en-US" dirty="0"/>
+              <a:rPr lang="en-US" dirty="0">
+                <a:latin typeface="Times New Roman" panose="02020603050405020304" pitchFamily="18" charset="0"/>
+                <a:cs typeface="Times New Roman" panose="02020603050405020304" pitchFamily="18" charset="0"/>
+              </a:rPr>
               <a:t>System Analysis &amp; Design</a:t>
             </a:r>
-            <a:endParaRPr lang="en-IN" dirty="0"/>
+            <a:endParaRPr lang="en-IN" dirty="0">
+              <a:latin typeface="Times New Roman" panose="02020603050405020304" pitchFamily="18" charset="0"/>
+              <a:cs typeface="Times New Roman" panose="02020603050405020304" pitchFamily="18" charset="0"/>
+            </a:endParaRPr>
           </a:p>
         </p:txBody>
       </p:sp>
@@ -7698,11 +7900,14 @@
           </a:bodyPr>
           <a:lstStyle/>
           <a:p>
-            <a:pPr algn="l"/>
+            <a:pPr marL="0" indent="0" algn="l">
+              <a:buNone/>
+            </a:pPr>
             <a:r>
               <a:rPr lang="en-US" b="1" i="0" dirty="0">
                 <a:effectLst/>
-                <a:latin typeface="ui-sans-serif"/>
+                <a:latin typeface="Times New Roman" panose="02020603050405020304" pitchFamily="18" charset="0"/>
+                <a:cs typeface="Times New Roman" panose="02020603050405020304" pitchFamily="18" charset="0"/>
               </a:rPr>
               <a:t>Iterative Waterfall Model Overview</a:t>
             </a:r>
@@ -7712,7 +7917,8 @@
             <a:r>
               <a:rPr lang="en-US" b="0" i="0" dirty="0">
                 <a:effectLst/>
-                <a:latin typeface="ui-sans-serif"/>
+                <a:latin typeface="Times New Roman" panose="02020603050405020304" pitchFamily="18" charset="0"/>
+                <a:cs typeface="Times New Roman" panose="02020603050405020304" pitchFamily="18" charset="0"/>
               </a:rPr>
               <a:t>Combines sequential steps of the traditional Waterfall Model with iterative design flexibility.</a:t>
             </a:r>
@@ -7722,7 +7928,8 @@
             <a:r>
               <a:rPr lang="en-US" b="0" i="0" dirty="0">
                 <a:effectLst/>
-                <a:latin typeface="ui-sans-serif"/>
+                <a:latin typeface="Times New Roman" panose="02020603050405020304" pitchFamily="18" charset="0"/>
+                <a:cs typeface="Times New Roman" panose="02020603050405020304" pitchFamily="18" charset="0"/>
               </a:rPr>
               <a:t>Allows improvements and changes at each development stage.</a:t>
             </a:r>
@@ -7732,17 +7939,21 @@
             <a:r>
               <a:rPr lang="en-US" b="0" i="0" dirty="0">
                 <a:effectLst/>
-                <a:latin typeface="ui-sans-serif"/>
+                <a:latin typeface="Times New Roman" panose="02020603050405020304" pitchFamily="18" charset="0"/>
+                <a:cs typeface="Times New Roman" panose="02020603050405020304" pitchFamily="18" charset="0"/>
               </a:rPr>
               <a:t>Provides feedback paths from each phase to preceding phases, unlike the classical waterfall model.</a:t>
             </a:r>
           </a:p>
           <a:p>
-            <a:pPr algn="l"/>
+            <a:pPr marL="0" indent="0" algn="l">
+              <a:buNone/>
+            </a:pPr>
             <a:r>
               <a:rPr lang="en-US" b="1" i="0" dirty="0">
                 <a:effectLst/>
-                <a:latin typeface="ui-sans-serif"/>
+                <a:latin typeface="Times New Roman" panose="02020603050405020304" pitchFamily="18" charset="0"/>
+                <a:cs typeface="Times New Roman" panose="02020603050405020304" pitchFamily="18" charset="0"/>
               </a:rPr>
               <a:t>Error Detection and Correction</a:t>
             </a:r>
@@ -7752,7 +7963,8 @@
             <a:r>
               <a:rPr lang="en-US" b="0" i="0" dirty="0">
                 <a:effectLst/>
-                <a:latin typeface="ui-sans-serif"/>
+                <a:latin typeface="Times New Roman" panose="02020603050405020304" pitchFamily="18" charset="0"/>
+                <a:cs typeface="Times New Roman" panose="02020603050405020304" pitchFamily="18" charset="0"/>
               </a:rPr>
               <a:t>Feedback paths enable correction of errors in the phase where they were committed.</a:t>
             </a:r>
@@ -7762,7 +7974,8 @@
             <a:r>
               <a:rPr lang="en-US" b="0" i="0" dirty="0">
                 <a:effectLst/>
-                <a:latin typeface="ui-sans-serif"/>
+                <a:latin typeface="Times New Roman" panose="02020603050405020304" pitchFamily="18" charset="0"/>
+                <a:cs typeface="Times New Roman" panose="02020603050405020304" pitchFamily="18" charset="0"/>
               </a:rPr>
               <a:t>Changes are reflected in subsequent phases.</a:t>
             </a:r>
@@ -7772,17 +7985,21 @@
             <a:r>
               <a:rPr lang="en-US" b="0" i="0" dirty="0">
                 <a:effectLst/>
-                <a:latin typeface="ui-sans-serif"/>
+                <a:latin typeface="Times New Roman" panose="02020603050405020304" pitchFamily="18" charset="0"/>
+                <a:cs typeface="Times New Roman" panose="02020603050405020304" pitchFamily="18" charset="0"/>
               </a:rPr>
               <a:t>No feedback path to the feasibility study stage since projects are not easily abandoned.</a:t>
             </a:r>
           </a:p>
           <a:p>
-            <a:pPr algn="l"/>
+            <a:pPr marL="0" indent="0" algn="l">
+              <a:buNone/>
+            </a:pPr>
             <a:r>
               <a:rPr lang="en-US" b="1" i="0" dirty="0">
                 <a:effectLst/>
-                <a:latin typeface="ui-sans-serif"/>
+                <a:latin typeface="Times New Roman" panose="02020603050405020304" pitchFamily="18" charset="0"/>
+                <a:cs typeface="Times New Roman" panose="02020603050405020304" pitchFamily="18" charset="0"/>
               </a:rPr>
               <a:t>Benefits</a:t>
             </a:r>
@@ -7792,13 +8009,17 @@
             <a:r>
               <a:rPr lang="en-US" b="0" i="0" dirty="0">
                 <a:effectLst/>
-                <a:latin typeface="ui-sans-serif"/>
+                <a:latin typeface="Times New Roman" panose="02020603050405020304" pitchFamily="18" charset="0"/>
+                <a:cs typeface="Times New Roman" panose="02020603050405020304" pitchFamily="18" charset="0"/>
               </a:rPr>
               <a:t>Detecting and correcting errors within the same phase reduces effort and time required.</a:t>
             </a:r>
           </a:p>
           <a:p>
-            <a:endParaRPr lang="en-IN" dirty="0"/>
+            <a:endParaRPr lang="en-IN" dirty="0">
+              <a:latin typeface="Times New Roman" panose="02020603050405020304" pitchFamily="18" charset="0"/>
+              <a:cs typeface="Times New Roman" panose="02020603050405020304" pitchFamily="18" charset="0"/>
+            </a:endParaRPr>
           </a:p>
         </p:txBody>
       </p:sp>
@@ -7854,10 +8075,16 @@
           <a:lstStyle/>
           <a:p>
             <a:r>
-              <a:rPr lang="en-US" dirty="0"/>
+              <a:rPr lang="en-US" dirty="0">
+                <a:latin typeface="Times New Roman" panose="02020603050405020304" pitchFamily="18" charset="0"/>
+                <a:cs typeface="Times New Roman" panose="02020603050405020304" pitchFamily="18" charset="0"/>
+              </a:rPr>
               <a:t>Use Case Diagram</a:t>
             </a:r>
-            <a:endParaRPr lang="en-IN" dirty="0"/>
+            <a:endParaRPr lang="en-IN" dirty="0">
+              <a:latin typeface="Times New Roman" panose="02020603050405020304" pitchFamily="18" charset="0"/>
+              <a:cs typeface="Times New Roman" panose="02020603050405020304" pitchFamily="18" charset="0"/>
+            </a:endParaRPr>
           </a:p>
         </p:txBody>
       </p:sp>
@@ -7890,8 +8117,8 @@
         </p:blipFill>
         <p:spPr bwMode="auto">
           <a:xfrm>
-            <a:off x="954157" y="1415331"/>
-            <a:ext cx="7863840" cy="5170389"/>
+            <a:off x="2619790" y="1646215"/>
+            <a:ext cx="6941770" cy="4602185"/>
           </a:xfrm>
           <a:prstGeom prst="rect">
             <a:avLst/>
@@ -7960,35 +8187,16 @@
           <a:p>
             <a:pPr algn="l"/>
             <a:r>
-              <a:rPr lang="en-US" dirty="0"/>
+              <a:rPr lang="en-US" dirty="0">
+                <a:latin typeface="Times New Roman" panose="02020603050405020304" pitchFamily="18" charset="0"/>
+                <a:cs typeface="Times New Roman" panose="02020603050405020304" pitchFamily="18" charset="0"/>
+              </a:rPr>
               <a:t>Pert Chart</a:t>
             </a:r>
-            <a:endParaRPr lang="en-IN" dirty="0"/>
-          </a:p>
-        </p:txBody>
-      </p:sp>
-      <p:sp>
-        <p:nvSpPr>
-          <p:cNvPr id="3" name="Content Placeholder 2">
-            <a:extLst>
-              <a:ext uri="{FF2B5EF4-FFF2-40B4-BE49-F238E27FC236}">
-                <a16:creationId xmlns:a16="http://schemas.microsoft.com/office/drawing/2014/main" id="{1059E867-E53A-27A3-7FFE-38AD30C5FABF}"/>
-              </a:ext>
-            </a:extLst>
-          </p:cNvPr>
-          <p:cNvSpPr>
-            <a:spLocks noGrp="1"/>
-          </p:cNvSpPr>
-          <p:nvPr>
-            <p:ph idx="1"/>
-          </p:nvPr>
-        </p:nvSpPr>
-        <p:spPr/>
-        <p:txBody>
-          <a:bodyPr/>
-          <a:lstStyle/>
-          <a:p>
-            <a:endParaRPr lang="en-IN" dirty="0"/>
+            <a:endParaRPr lang="en-IN" dirty="0">
+              <a:latin typeface="Times New Roman" panose="02020603050405020304" pitchFamily="18" charset="0"/>
+              <a:cs typeface="Times New Roman" panose="02020603050405020304" pitchFamily="18" charset="0"/>
+            </a:endParaRPr>
           </a:p>
         </p:txBody>
       </p:sp>
@@ -8085,10 +8293,16 @@
           <a:lstStyle/>
           <a:p>
             <a:r>
-              <a:rPr lang="en-US" dirty="0"/>
+              <a:rPr lang="en-US" dirty="0">
+                <a:latin typeface="Times New Roman" panose="02020603050405020304" pitchFamily="18" charset="0"/>
+                <a:cs typeface="Times New Roman" panose="02020603050405020304" pitchFamily="18" charset="0"/>
+              </a:rPr>
               <a:t>Entity Relationship Diagram</a:t>
             </a:r>
-            <a:endParaRPr lang="en-IN" dirty="0"/>
+            <a:endParaRPr lang="en-IN" dirty="0">
+              <a:latin typeface="Times New Roman" panose="02020603050405020304" pitchFamily="18" charset="0"/>
+              <a:cs typeface="Times New Roman" panose="02020603050405020304" pitchFamily="18" charset="0"/>
+            </a:endParaRPr>
           </a:p>
         </p:txBody>
       </p:sp>
@@ -8123,7 +8337,7 @@
         </p:blipFill>
         <p:spPr bwMode="auto">
           <a:xfrm>
-            <a:off x="1113182" y="1825625"/>
+            <a:off x="2011655" y="1741219"/>
             <a:ext cx="8158039" cy="4667250"/>
           </a:xfrm>
           <a:prstGeom prst="rect">

--- a/Report/Tourism Recommendation Application.pptx
+++ b/Report/Tourism Recommendation Application.pptx
@@ -19,7 +19,8 @@
     <p:sldId id="267" r:id="rId13"/>
     <p:sldId id="268" r:id="rId14"/>
     <p:sldId id="269" r:id="rId15"/>
-    <p:sldId id="270" r:id="rId16"/>
+    <p:sldId id="271" r:id="rId16"/>
+    <p:sldId id="270" r:id="rId17"/>
   </p:sldIdLst>
   <p:sldSz cx="12192000" cy="6858000"/>
   <p:notesSz cx="6858000" cy="9144000"/>
@@ -6531,6 +6532,79 @@
           </a:prstGeom>
         </p:spPr>
       </p:pic>
+      <p:pic>
+        <p:nvPicPr>
+          <p:cNvPr id="2" name="Content Placeholder 3">
+            <a:extLst>
+              <a:ext uri="{FF2B5EF4-FFF2-40B4-BE49-F238E27FC236}">
+                <a16:creationId xmlns:a16="http://schemas.microsoft.com/office/drawing/2014/main" id="{2A08E8CF-CFED-B674-2429-C648B1012A0C}"/>
+              </a:ext>
+            </a:extLst>
+          </p:cNvPr>
+          <p:cNvPicPr>
+            <a:picLocks noChangeAspect="1"/>
+          </p:cNvPicPr>
+          <p:nvPr/>
+        </p:nvPicPr>
+        <p:blipFill>
+          <a:blip r:embed="rId5" cstate="print">
+            <a:extLst>
+              <a:ext uri="{28A0092B-C50C-407E-A947-70E740481C1C}">
+                <a14:useLocalDpi xmlns:a14="http://schemas.microsoft.com/office/drawing/2010/main" val="0"/>
+              </a:ext>
+            </a:extLst>
+          </a:blip>
+          <a:srcRect/>
+          <a:stretch>
+            <a:fillRect/>
+          </a:stretch>
+        </p:blipFill>
+        <p:spPr bwMode="auto">
+          <a:xfrm>
+            <a:off x="5288632" y="3268971"/>
+            <a:ext cx="1614736" cy="3589029"/>
+          </a:xfrm>
+          <a:prstGeom prst="rect">
+            <a:avLst/>
+          </a:prstGeom>
+          <a:noFill/>
+          <a:ln>
+            <a:solidFill>
+              <a:schemeClr val="tx1"/>
+            </a:solidFill>
+          </a:ln>
+        </p:spPr>
+      </p:pic>
+      <p:pic>
+        <p:nvPicPr>
+          <p:cNvPr id="6" name="Picture 5">
+            <a:extLst>
+              <a:ext uri="{FF2B5EF4-FFF2-40B4-BE49-F238E27FC236}">
+                <a16:creationId xmlns:a16="http://schemas.microsoft.com/office/drawing/2014/main" id="{1C00BC1C-E337-2946-7071-64E3EB2D0452}"/>
+              </a:ext>
+            </a:extLst>
+          </p:cNvPr>
+          <p:cNvPicPr>
+            <a:picLocks noChangeAspect="1"/>
+          </p:cNvPicPr>
+          <p:nvPr/>
+        </p:nvPicPr>
+        <p:blipFill>
+          <a:blip r:embed="rId6"/>
+          <a:stretch>
+            <a:fillRect/>
+          </a:stretch>
+        </p:blipFill>
+        <p:spPr>
+          <a:xfrm>
+            <a:off x="7124368" y="3261241"/>
+            <a:ext cx="1725097" cy="3593952"/>
+          </a:xfrm>
+          <a:prstGeom prst="rect">
+            <a:avLst/>
+          </a:prstGeom>
+        </p:spPr>
+      </p:pic>
     </p:spTree>
     <p:extLst>
       <p:ext uri="{BB962C8B-B14F-4D97-AF65-F5344CB8AC3E}">
@@ -6545,6 +6619,61 @@
 </file>
 
 <file path=ppt/slides/slide15.xml><?xml version="1.0" encoding="utf-8"?>
+<p:sld xmlns:a="http://schemas.openxmlformats.org/drawingml/2006/main" xmlns:r="http://schemas.openxmlformats.org/officeDocument/2006/relationships" xmlns:p="http://schemas.openxmlformats.org/presentationml/2006/main">
+  <p:cSld>
+    <p:spTree>
+      <p:nvGrpSpPr>
+        <p:cNvPr id="1" name=""/>
+        <p:cNvGrpSpPr/>
+        <p:nvPr/>
+      </p:nvGrpSpPr>
+      <p:grpSpPr>
+        <a:xfrm>
+          <a:off x="0" y="0"/>
+          <a:ext cx="0" cy="0"/>
+          <a:chOff x="0" y="0"/>
+          <a:chExt cx="0" cy="0"/>
+        </a:xfrm>
+      </p:grpSpPr>
+      <p:sp>
+        <p:nvSpPr>
+          <p:cNvPr id="6" name="Content Placeholder 5">
+            <a:extLst>
+              <a:ext uri="{FF2B5EF4-FFF2-40B4-BE49-F238E27FC236}">
+                <a16:creationId xmlns:a16="http://schemas.microsoft.com/office/drawing/2014/main" id="{B8FDE731-8E6E-AEA2-76C0-E5946EF98610}"/>
+              </a:ext>
+            </a:extLst>
+          </p:cNvPr>
+          <p:cNvSpPr>
+            <a:spLocks noGrp="1"/>
+          </p:cNvSpPr>
+          <p:nvPr>
+            <p:ph idx="1"/>
+          </p:nvPr>
+        </p:nvSpPr>
+        <p:spPr/>
+        <p:txBody>
+          <a:bodyPr/>
+          <a:lstStyle/>
+          <a:p>
+            <a:endParaRPr lang="en-IN"/>
+          </a:p>
+        </p:txBody>
+      </p:sp>
+    </p:spTree>
+    <p:extLst>
+      <p:ext uri="{BB962C8B-B14F-4D97-AF65-F5344CB8AC3E}">
+        <p14:creationId xmlns:p14="http://schemas.microsoft.com/office/powerpoint/2010/main" val="3222389084"/>
+      </p:ext>
+    </p:extLst>
+  </p:cSld>
+  <p:clrMapOvr>
+    <a:masterClrMapping/>
+  </p:clrMapOvr>
+</p:sld>
+</file>
+
+<file path=ppt/slides/slide16.xml><?xml version="1.0" encoding="utf-8"?>
 <p:sld xmlns:a="http://schemas.openxmlformats.org/drawingml/2006/main" xmlns:r="http://schemas.openxmlformats.org/officeDocument/2006/relationships" xmlns:p="http://schemas.openxmlformats.org/presentationml/2006/main">
   <p:cSld>
     <p:spTree>
